--- a/docs/presentations/Sage300SDK_20192WebSDKOverview.pptx
+++ b/docs/presentations/Sage300SDK_20192WebSDKOverview.pptx
@@ -211,7 +211,7 @@
           <a:p>
             <a:fld id="{F8DE098C-C2B2-472C-9728-F51906A9149D}" type="datetimeFigureOut">
               <a:rPr lang="en-US" smtClean="0"/>
-              <a:t>2/11/2019</a:t>
+              <a:t>3/27/2019</a:t>
             </a:fld>
             <a:endParaRPr lang="en-US"/>
           </a:p>
@@ -2548,7 +2548,7 @@
                 </a:solidFill>
               </a:rPr>
               <a:pPr/>
-              <a:t>2019/02/11</a:t>
+              <a:t>2019/03/27</a:t>
             </a:fld>
             <a:endParaRPr lang="en-US">
               <a:solidFill>
@@ -2853,7 +2853,7 @@
                 </a:solidFill>
               </a:rPr>
               <a:pPr/>
-              <a:t>2019/02/11</a:t>
+              <a:t>2019/03/27</a:t>
             </a:fld>
             <a:endParaRPr lang="en-US">
               <a:solidFill>
@@ -3090,7 +3090,7 @@
             <a:fld id="{EE1C84F4-270C-2249-89D9-A705BDADDAAB}" type="datetime1">
               <a:rPr lang="en-ZA" smtClean="0"/>
               <a:pPr/>
-              <a:t>2019/02/11</a:t>
+              <a:t>2019/03/27</a:t>
             </a:fld>
             <a:endParaRPr lang="en-US"/>
           </a:p>
@@ -3429,7 +3429,7 @@
             <a:fld id="{2AE6851E-022E-D141-8BE0-1745E9557F71}" type="datetime1">
               <a:rPr lang="en-ZA" smtClean="0"/>
               <a:pPr/>
-              <a:t>2019/02/11</a:t>
+              <a:t>2019/03/27</a:t>
             </a:fld>
             <a:endParaRPr lang="en-US"/>
           </a:p>
@@ -5356,6 +5356,13 @@
             <a:r>
               <a:rPr lang="en-US" sz="2000" dirty="0"/>
               <a:t>Global Files updated to 2019.2</a:t>
+            </a:r>
+          </a:p>
+          <a:p>
+            <a:pPr lvl="1"/>
+            <a:r>
+              <a:rPr lang="en-US" sz="2000" dirty="0"/>
+              <a:t>All projects in solution upgraded to target Microsoft .NET Framework V4.7.2</a:t>
             </a:r>
           </a:p>
           <a:p>

--- a/docs/presentations/Sage300SDK_20192WebSDKOverview.pptx
+++ b/docs/presentations/Sage300SDK_20192WebSDKOverview.pptx
@@ -5,7 +5,7 @@
     <p:sldMasterId id="2147483660" r:id="rId1"/>
   </p:sldMasterIdLst>
   <p:notesMasterIdLst>
-    <p:notesMasterId r:id="rId17"/>
+    <p:notesMasterId r:id="rId30"/>
   </p:notesMasterIdLst>
   <p:sldIdLst>
     <p:sldId id="257" r:id="rId2"/>
@@ -19,10 +19,23 @@
     <p:sldId id="271" r:id="rId10"/>
     <p:sldId id="297" r:id="rId11"/>
     <p:sldId id="300" r:id="rId12"/>
-    <p:sldId id="308" r:id="rId13"/>
-    <p:sldId id="309" r:id="rId14"/>
-    <p:sldId id="298" r:id="rId15"/>
-    <p:sldId id="265" r:id="rId16"/>
+    <p:sldId id="309" r:id="rId13"/>
+    <p:sldId id="320" r:id="rId14"/>
+    <p:sldId id="321" r:id="rId15"/>
+    <p:sldId id="322" r:id="rId16"/>
+    <p:sldId id="323" r:id="rId17"/>
+    <p:sldId id="319" r:id="rId18"/>
+    <p:sldId id="310" r:id="rId19"/>
+    <p:sldId id="311" r:id="rId20"/>
+    <p:sldId id="315" r:id="rId21"/>
+    <p:sldId id="316" r:id="rId22"/>
+    <p:sldId id="317" r:id="rId23"/>
+    <p:sldId id="318" r:id="rId24"/>
+    <p:sldId id="312" r:id="rId25"/>
+    <p:sldId id="313" r:id="rId26"/>
+    <p:sldId id="314" r:id="rId27"/>
+    <p:sldId id="298" r:id="rId28"/>
+    <p:sldId id="265" r:id="rId29"/>
   </p:sldIdLst>
   <p:sldSz cx="12192000" cy="6858000"/>
   <p:notesSz cx="6858000" cy="9144000"/>
@@ -211,7 +224,7 @@
           <a:p>
             <a:fld id="{F8DE098C-C2B2-472C-9728-F51906A9149D}" type="datetimeFigureOut">
               <a:rPr lang="en-US" smtClean="0"/>
-              <a:t>3/27/2019</a:t>
+              <a:t>4/28/2019</a:t>
             </a:fld>
             <a:endParaRPr lang="en-US"/>
           </a:p>
@@ -891,7 +904,7 @@
     </p:spTree>
     <p:extLst>
       <p:ext uri="{BB962C8B-B14F-4D97-AF65-F5344CB8AC3E}">
-        <p14:creationId xmlns:p14="http://schemas.microsoft.com/office/powerpoint/2010/main" val="1559217314"/>
+        <p14:creationId xmlns:p14="http://schemas.microsoft.com/office/powerpoint/2010/main" val="3739802331"/>
       </p:ext>
     </p:extLst>
   </p:cSld>
@@ -1032,7 +1045,7 @@
     </p:spTree>
     <p:extLst>
       <p:ext uri="{BB962C8B-B14F-4D97-AF65-F5344CB8AC3E}">
-        <p14:creationId xmlns:p14="http://schemas.microsoft.com/office/powerpoint/2010/main" val="3739802331"/>
+        <p14:creationId xmlns:p14="http://schemas.microsoft.com/office/powerpoint/2010/main" val="3061079123"/>
       </p:ext>
     </p:extLst>
   </p:cSld>
@@ -1173,7 +1186,7 @@
     </p:spTree>
     <p:extLst>
       <p:ext uri="{BB962C8B-B14F-4D97-AF65-F5344CB8AC3E}">
-        <p14:creationId xmlns:p14="http://schemas.microsoft.com/office/powerpoint/2010/main" val="2222112418"/>
+        <p14:creationId xmlns:p14="http://schemas.microsoft.com/office/powerpoint/2010/main" val="1671387476"/>
       </p:ext>
     </p:extLst>
   </p:cSld>
@@ -1314,7 +1327,712 @@
     </p:spTree>
     <p:extLst>
       <p:ext uri="{BB962C8B-B14F-4D97-AF65-F5344CB8AC3E}">
-        <p14:creationId xmlns:p14="http://schemas.microsoft.com/office/powerpoint/2010/main" val="250796128"/>
+        <p14:creationId xmlns:p14="http://schemas.microsoft.com/office/powerpoint/2010/main" val="4200777875"/>
+      </p:ext>
+    </p:extLst>
+  </p:cSld>
+  <p:clrMapOvr>
+    <a:masterClrMapping/>
+  </p:clrMapOvr>
+</p:notes>
+</file>
+
+<file path=ppt/notesSlides/notesSlide15.xml><?xml version="1.0" encoding="utf-8"?>
+<p:notes xmlns:a="http://schemas.openxmlformats.org/drawingml/2006/main" xmlns:r="http://schemas.openxmlformats.org/officeDocument/2006/relationships" xmlns:p="http://schemas.openxmlformats.org/presentationml/2006/main">
+  <p:cSld>
+    <p:spTree>
+      <p:nvGrpSpPr>
+        <p:cNvPr id="1" name=""/>
+        <p:cNvGrpSpPr/>
+        <p:nvPr/>
+      </p:nvGrpSpPr>
+      <p:grpSpPr>
+        <a:xfrm>
+          <a:off x="0" y="0"/>
+          <a:ext cx="0" cy="0"/>
+          <a:chOff x="0" y="0"/>
+          <a:chExt cx="0" cy="0"/>
+        </a:xfrm>
+      </p:grpSpPr>
+      <p:sp>
+        <p:nvSpPr>
+          <p:cNvPr id="2" name="Slide Image Placeholder 1"/>
+          <p:cNvSpPr>
+            <a:spLocks noGrp="1" noRot="1" noChangeAspect="1"/>
+          </p:cNvSpPr>
+          <p:nvPr>
+            <p:ph type="sldImg"/>
+          </p:nvPr>
+        </p:nvSpPr>
+        <p:spPr/>
+      </p:sp>
+      <p:sp>
+        <p:nvSpPr>
+          <p:cNvPr id="3" name="Notes Placeholder 2"/>
+          <p:cNvSpPr>
+            <a:spLocks noGrp="1"/>
+          </p:cNvSpPr>
+          <p:nvPr>
+            <p:ph type="body" idx="1"/>
+          </p:nvPr>
+        </p:nvSpPr>
+        <p:spPr/>
+        <p:txBody>
+          <a:bodyPr/>
+          <a:lstStyle/>
+          <a:p>
+            <a:endParaRPr lang="en-US" dirty="0"/>
+          </a:p>
+          <a:p>
+            <a:endParaRPr lang="en-US" dirty="0"/>
+          </a:p>
+        </p:txBody>
+      </p:sp>
+      <p:sp>
+        <p:nvSpPr>
+          <p:cNvPr id="4" name="Slide Number Placeholder 3"/>
+          <p:cNvSpPr>
+            <a:spLocks noGrp="1"/>
+          </p:cNvSpPr>
+          <p:nvPr>
+            <p:ph type="sldNum" sz="quarter" idx="10"/>
+          </p:nvPr>
+        </p:nvSpPr>
+        <p:spPr/>
+        <p:txBody>
+          <a:bodyPr/>
+          <a:lstStyle/>
+          <a:p>
+            <a:pPr marL="0" marR="0" lvl="0" indent="0" defTabSz="914400" eaLnBrk="1" fontAlgn="auto" latinLnBrk="0" hangingPunct="1">
+              <a:lnSpc>
+                <a:spcPct val="100000"/>
+              </a:lnSpc>
+              <a:spcBef>
+                <a:spcPts val="0"/>
+              </a:spcBef>
+              <a:spcAft>
+                <a:spcPts val="0"/>
+              </a:spcAft>
+              <a:buClrTx/>
+              <a:buSzTx/>
+              <a:buFontTx/>
+              <a:buNone/>
+              <a:tabLst/>
+              <a:defRPr/>
+            </a:pPr>
+            <a:fld id="{AB69E77B-23F2-4D26-B3FA-6109AB5D8139}" type="slidenum">
+              <a:rPr kumimoji="0" lang="en-GB" sz="1800" b="0" i="0" u="none" strike="noStrike" kern="0" cap="none" spc="0" normalizeH="0" baseline="0" noProof="0" smtClean="0">
+                <a:ln>
+                  <a:noFill/>
+                </a:ln>
+                <a:solidFill>
+                  <a:prstClr val="black"/>
+                </a:solidFill>
+                <a:effectLst/>
+                <a:uLnTx/>
+                <a:uFillTx/>
+              </a:rPr>
+              <a:pPr marL="0" marR="0" lvl="0" indent="0" defTabSz="914400" eaLnBrk="1" fontAlgn="auto" latinLnBrk="0" hangingPunct="1">
+                <a:lnSpc>
+                  <a:spcPct val="100000"/>
+                </a:lnSpc>
+                <a:spcBef>
+                  <a:spcPts val="0"/>
+                </a:spcBef>
+                <a:spcAft>
+                  <a:spcPts val="0"/>
+                </a:spcAft>
+                <a:buClrTx/>
+                <a:buSzTx/>
+                <a:buFontTx/>
+                <a:buNone/>
+                <a:tabLst/>
+                <a:defRPr/>
+              </a:pPr>
+              <a:t>16</a:t>
+            </a:fld>
+            <a:endParaRPr kumimoji="0" lang="en-GB" sz="1800" b="0" i="0" u="none" strike="noStrike" kern="0" cap="none" spc="0" normalizeH="0" baseline="0" noProof="0">
+              <a:ln>
+                <a:noFill/>
+              </a:ln>
+              <a:solidFill>
+                <a:prstClr val="black"/>
+              </a:solidFill>
+              <a:effectLst/>
+              <a:uLnTx/>
+              <a:uFillTx/>
+            </a:endParaRPr>
+          </a:p>
+        </p:txBody>
+      </p:sp>
+    </p:spTree>
+    <p:extLst>
+      <p:ext uri="{BB962C8B-B14F-4D97-AF65-F5344CB8AC3E}">
+        <p14:creationId xmlns:p14="http://schemas.microsoft.com/office/powerpoint/2010/main" val="1997679822"/>
+      </p:ext>
+    </p:extLst>
+  </p:cSld>
+  <p:clrMapOvr>
+    <a:masterClrMapping/>
+  </p:clrMapOvr>
+</p:notes>
+</file>
+
+<file path=ppt/notesSlides/notesSlide16.xml><?xml version="1.0" encoding="utf-8"?>
+<p:notes xmlns:a="http://schemas.openxmlformats.org/drawingml/2006/main" xmlns:r="http://schemas.openxmlformats.org/officeDocument/2006/relationships" xmlns:p="http://schemas.openxmlformats.org/presentationml/2006/main">
+  <p:cSld>
+    <p:spTree>
+      <p:nvGrpSpPr>
+        <p:cNvPr id="1" name=""/>
+        <p:cNvGrpSpPr/>
+        <p:nvPr/>
+      </p:nvGrpSpPr>
+      <p:grpSpPr>
+        <a:xfrm>
+          <a:off x="0" y="0"/>
+          <a:ext cx="0" cy="0"/>
+          <a:chOff x="0" y="0"/>
+          <a:chExt cx="0" cy="0"/>
+        </a:xfrm>
+      </p:grpSpPr>
+      <p:sp>
+        <p:nvSpPr>
+          <p:cNvPr id="2" name="Slide Image Placeholder 1"/>
+          <p:cNvSpPr>
+            <a:spLocks noGrp="1" noRot="1" noChangeAspect="1"/>
+          </p:cNvSpPr>
+          <p:nvPr>
+            <p:ph type="sldImg"/>
+          </p:nvPr>
+        </p:nvSpPr>
+        <p:spPr/>
+      </p:sp>
+      <p:sp>
+        <p:nvSpPr>
+          <p:cNvPr id="3" name="Notes Placeholder 2"/>
+          <p:cNvSpPr>
+            <a:spLocks noGrp="1"/>
+          </p:cNvSpPr>
+          <p:nvPr>
+            <p:ph type="body" idx="1"/>
+          </p:nvPr>
+        </p:nvSpPr>
+        <p:spPr/>
+        <p:txBody>
+          <a:bodyPr/>
+          <a:lstStyle/>
+          <a:p>
+            <a:endParaRPr lang="en-US" dirty="0"/>
+          </a:p>
+          <a:p>
+            <a:endParaRPr lang="en-US" dirty="0"/>
+          </a:p>
+        </p:txBody>
+      </p:sp>
+      <p:sp>
+        <p:nvSpPr>
+          <p:cNvPr id="4" name="Slide Number Placeholder 3"/>
+          <p:cNvSpPr>
+            <a:spLocks noGrp="1"/>
+          </p:cNvSpPr>
+          <p:nvPr>
+            <p:ph type="sldNum" sz="quarter" idx="10"/>
+          </p:nvPr>
+        </p:nvSpPr>
+        <p:spPr/>
+        <p:txBody>
+          <a:bodyPr/>
+          <a:lstStyle/>
+          <a:p>
+            <a:pPr marL="0" marR="0" lvl="0" indent="0" defTabSz="914400" eaLnBrk="1" fontAlgn="auto" latinLnBrk="0" hangingPunct="1">
+              <a:lnSpc>
+                <a:spcPct val="100000"/>
+              </a:lnSpc>
+              <a:spcBef>
+                <a:spcPts val="0"/>
+              </a:spcBef>
+              <a:spcAft>
+                <a:spcPts val="0"/>
+              </a:spcAft>
+              <a:buClrTx/>
+              <a:buSzTx/>
+              <a:buFontTx/>
+              <a:buNone/>
+              <a:tabLst/>
+              <a:defRPr/>
+            </a:pPr>
+            <a:fld id="{AB69E77B-23F2-4D26-B3FA-6109AB5D8139}" type="slidenum">
+              <a:rPr kumimoji="0" lang="en-GB" sz="1800" b="0" i="0" u="none" strike="noStrike" kern="0" cap="none" spc="0" normalizeH="0" baseline="0" noProof="0" smtClean="0">
+                <a:ln>
+                  <a:noFill/>
+                </a:ln>
+                <a:solidFill>
+                  <a:prstClr val="black"/>
+                </a:solidFill>
+                <a:effectLst/>
+                <a:uLnTx/>
+                <a:uFillTx/>
+              </a:rPr>
+              <a:pPr marL="0" marR="0" lvl="0" indent="0" defTabSz="914400" eaLnBrk="1" fontAlgn="auto" latinLnBrk="0" hangingPunct="1">
+                <a:lnSpc>
+                  <a:spcPct val="100000"/>
+                </a:lnSpc>
+                <a:spcBef>
+                  <a:spcPts val="0"/>
+                </a:spcBef>
+                <a:spcAft>
+                  <a:spcPts val="0"/>
+                </a:spcAft>
+                <a:buClrTx/>
+                <a:buSzTx/>
+                <a:buFontTx/>
+                <a:buNone/>
+                <a:tabLst/>
+                <a:defRPr/>
+              </a:pPr>
+              <a:t>17</a:t>
+            </a:fld>
+            <a:endParaRPr kumimoji="0" lang="en-GB" sz="1800" b="0" i="0" u="none" strike="noStrike" kern="0" cap="none" spc="0" normalizeH="0" baseline="0" noProof="0">
+              <a:ln>
+                <a:noFill/>
+              </a:ln>
+              <a:solidFill>
+                <a:prstClr val="black"/>
+              </a:solidFill>
+              <a:effectLst/>
+              <a:uLnTx/>
+              <a:uFillTx/>
+            </a:endParaRPr>
+          </a:p>
+        </p:txBody>
+      </p:sp>
+    </p:spTree>
+    <p:extLst>
+      <p:ext uri="{BB962C8B-B14F-4D97-AF65-F5344CB8AC3E}">
+        <p14:creationId xmlns:p14="http://schemas.microsoft.com/office/powerpoint/2010/main" val="782644891"/>
+      </p:ext>
+    </p:extLst>
+  </p:cSld>
+  <p:clrMapOvr>
+    <a:masterClrMapping/>
+  </p:clrMapOvr>
+</p:notes>
+</file>
+
+<file path=ppt/notesSlides/notesSlide17.xml><?xml version="1.0" encoding="utf-8"?>
+<p:notes xmlns:a="http://schemas.openxmlformats.org/drawingml/2006/main" xmlns:r="http://schemas.openxmlformats.org/officeDocument/2006/relationships" xmlns:p="http://schemas.openxmlformats.org/presentationml/2006/main">
+  <p:cSld>
+    <p:spTree>
+      <p:nvGrpSpPr>
+        <p:cNvPr id="1" name=""/>
+        <p:cNvGrpSpPr/>
+        <p:nvPr/>
+      </p:nvGrpSpPr>
+      <p:grpSpPr>
+        <a:xfrm>
+          <a:off x="0" y="0"/>
+          <a:ext cx="0" cy="0"/>
+          <a:chOff x="0" y="0"/>
+          <a:chExt cx="0" cy="0"/>
+        </a:xfrm>
+      </p:grpSpPr>
+      <p:sp>
+        <p:nvSpPr>
+          <p:cNvPr id="2" name="Slide Image Placeholder 1"/>
+          <p:cNvSpPr>
+            <a:spLocks noGrp="1" noRot="1" noChangeAspect="1"/>
+          </p:cNvSpPr>
+          <p:nvPr>
+            <p:ph type="sldImg"/>
+          </p:nvPr>
+        </p:nvSpPr>
+        <p:spPr/>
+      </p:sp>
+      <p:sp>
+        <p:nvSpPr>
+          <p:cNvPr id="3" name="Notes Placeholder 2"/>
+          <p:cNvSpPr>
+            <a:spLocks noGrp="1"/>
+          </p:cNvSpPr>
+          <p:nvPr>
+            <p:ph type="body" idx="1"/>
+          </p:nvPr>
+        </p:nvSpPr>
+        <p:spPr/>
+        <p:txBody>
+          <a:bodyPr/>
+          <a:lstStyle/>
+          <a:p>
+            <a:endParaRPr lang="en-US" dirty="0"/>
+          </a:p>
+          <a:p>
+            <a:endParaRPr lang="en-US" dirty="0"/>
+          </a:p>
+        </p:txBody>
+      </p:sp>
+      <p:sp>
+        <p:nvSpPr>
+          <p:cNvPr id="4" name="Slide Number Placeholder 3"/>
+          <p:cNvSpPr>
+            <a:spLocks noGrp="1"/>
+          </p:cNvSpPr>
+          <p:nvPr>
+            <p:ph type="sldNum" sz="quarter" idx="10"/>
+          </p:nvPr>
+        </p:nvSpPr>
+        <p:spPr/>
+        <p:txBody>
+          <a:bodyPr/>
+          <a:lstStyle/>
+          <a:p>
+            <a:pPr marL="0" marR="0" lvl="0" indent="0" defTabSz="914400" eaLnBrk="1" fontAlgn="auto" latinLnBrk="0" hangingPunct="1">
+              <a:lnSpc>
+                <a:spcPct val="100000"/>
+              </a:lnSpc>
+              <a:spcBef>
+                <a:spcPts val="0"/>
+              </a:spcBef>
+              <a:spcAft>
+                <a:spcPts val="0"/>
+              </a:spcAft>
+              <a:buClrTx/>
+              <a:buSzTx/>
+              <a:buFontTx/>
+              <a:buNone/>
+              <a:tabLst/>
+              <a:defRPr/>
+            </a:pPr>
+            <a:fld id="{AB69E77B-23F2-4D26-B3FA-6109AB5D8139}" type="slidenum">
+              <a:rPr kumimoji="0" lang="en-GB" sz="1800" b="0" i="0" u="none" strike="noStrike" kern="0" cap="none" spc="0" normalizeH="0" baseline="0" noProof="0" smtClean="0">
+                <a:ln>
+                  <a:noFill/>
+                </a:ln>
+                <a:solidFill>
+                  <a:prstClr val="black"/>
+                </a:solidFill>
+                <a:effectLst/>
+                <a:uLnTx/>
+                <a:uFillTx/>
+              </a:rPr>
+              <a:pPr marL="0" marR="0" lvl="0" indent="0" defTabSz="914400" eaLnBrk="1" fontAlgn="auto" latinLnBrk="0" hangingPunct="1">
+                <a:lnSpc>
+                  <a:spcPct val="100000"/>
+                </a:lnSpc>
+                <a:spcBef>
+                  <a:spcPts val="0"/>
+                </a:spcBef>
+                <a:spcAft>
+                  <a:spcPts val="0"/>
+                </a:spcAft>
+                <a:buClrTx/>
+                <a:buSzTx/>
+                <a:buFontTx/>
+                <a:buNone/>
+                <a:tabLst/>
+                <a:defRPr/>
+              </a:pPr>
+              <a:t>18</a:t>
+            </a:fld>
+            <a:endParaRPr kumimoji="0" lang="en-GB" sz="1800" b="0" i="0" u="none" strike="noStrike" kern="0" cap="none" spc="0" normalizeH="0" baseline="0" noProof="0">
+              <a:ln>
+                <a:noFill/>
+              </a:ln>
+              <a:solidFill>
+                <a:prstClr val="black"/>
+              </a:solidFill>
+              <a:effectLst/>
+              <a:uLnTx/>
+              <a:uFillTx/>
+            </a:endParaRPr>
+          </a:p>
+        </p:txBody>
+      </p:sp>
+    </p:spTree>
+    <p:extLst>
+      <p:ext uri="{BB962C8B-B14F-4D97-AF65-F5344CB8AC3E}">
+        <p14:creationId xmlns:p14="http://schemas.microsoft.com/office/powerpoint/2010/main" val="1927031650"/>
+      </p:ext>
+    </p:extLst>
+  </p:cSld>
+  <p:clrMapOvr>
+    <a:masterClrMapping/>
+  </p:clrMapOvr>
+</p:notes>
+</file>
+
+<file path=ppt/notesSlides/notesSlide18.xml><?xml version="1.0" encoding="utf-8"?>
+<p:notes xmlns:a="http://schemas.openxmlformats.org/drawingml/2006/main" xmlns:r="http://schemas.openxmlformats.org/officeDocument/2006/relationships" xmlns:p="http://schemas.openxmlformats.org/presentationml/2006/main">
+  <p:cSld>
+    <p:spTree>
+      <p:nvGrpSpPr>
+        <p:cNvPr id="1" name=""/>
+        <p:cNvGrpSpPr/>
+        <p:nvPr/>
+      </p:nvGrpSpPr>
+      <p:grpSpPr>
+        <a:xfrm>
+          <a:off x="0" y="0"/>
+          <a:ext cx="0" cy="0"/>
+          <a:chOff x="0" y="0"/>
+          <a:chExt cx="0" cy="0"/>
+        </a:xfrm>
+      </p:grpSpPr>
+      <p:sp>
+        <p:nvSpPr>
+          <p:cNvPr id="2" name="Slide Image Placeholder 1"/>
+          <p:cNvSpPr>
+            <a:spLocks noGrp="1" noRot="1" noChangeAspect="1"/>
+          </p:cNvSpPr>
+          <p:nvPr>
+            <p:ph type="sldImg"/>
+          </p:nvPr>
+        </p:nvSpPr>
+        <p:spPr/>
+      </p:sp>
+      <p:sp>
+        <p:nvSpPr>
+          <p:cNvPr id="3" name="Notes Placeholder 2"/>
+          <p:cNvSpPr>
+            <a:spLocks noGrp="1"/>
+          </p:cNvSpPr>
+          <p:nvPr>
+            <p:ph type="body" idx="1"/>
+          </p:nvPr>
+        </p:nvSpPr>
+        <p:spPr/>
+        <p:txBody>
+          <a:bodyPr/>
+          <a:lstStyle/>
+          <a:p>
+            <a:endParaRPr lang="en-US" dirty="0"/>
+          </a:p>
+          <a:p>
+            <a:endParaRPr lang="en-US" dirty="0"/>
+          </a:p>
+        </p:txBody>
+      </p:sp>
+      <p:sp>
+        <p:nvSpPr>
+          <p:cNvPr id="4" name="Slide Number Placeholder 3"/>
+          <p:cNvSpPr>
+            <a:spLocks noGrp="1"/>
+          </p:cNvSpPr>
+          <p:nvPr>
+            <p:ph type="sldNum" sz="quarter" idx="10"/>
+          </p:nvPr>
+        </p:nvSpPr>
+        <p:spPr/>
+        <p:txBody>
+          <a:bodyPr/>
+          <a:lstStyle/>
+          <a:p>
+            <a:pPr marL="0" marR="0" lvl="0" indent="0" defTabSz="914400" eaLnBrk="1" fontAlgn="auto" latinLnBrk="0" hangingPunct="1">
+              <a:lnSpc>
+                <a:spcPct val="100000"/>
+              </a:lnSpc>
+              <a:spcBef>
+                <a:spcPts val="0"/>
+              </a:spcBef>
+              <a:spcAft>
+                <a:spcPts val="0"/>
+              </a:spcAft>
+              <a:buClrTx/>
+              <a:buSzTx/>
+              <a:buFontTx/>
+              <a:buNone/>
+              <a:tabLst/>
+              <a:defRPr/>
+            </a:pPr>
+            <a:fld id="{AB69E77B-23F2-4D26-B3FA-6109AB5D8139}" type="slidenum">
+              <a:rPr kumimoji="0" lang="en-GB" sz="1800" b="0" i="0" u="none" strike="noStrike" kern="0" cap="none" spc="0" normalizeH="0" baseline="0" noProof="0" smtClean="0">
+                <a:ln>
+                  <a:noFill/>
+                </a:ln>
+                <a:solidFill>
+                  <a:prstClr val="black"/>
+                </a:solidFill>
+                <a:effectLst/>
+                <a:uLnTx/>
+                <a:uFillTx/>
+              </a:rPr>
+              <a:pPr marL="0" marR="0" lvl="0" indent="0" defTabSz="914400" eaLnBrk="1" fontAlgn="auto" latinLnBrk="0" hangingPunct="1">
+                <a:lnSpc>
+                  <a:spcPct val="100000"/>
+                </a:lnSpc>
+                <a:spcBef>
+                  <a:spcPts val="0"/>
+                </a:spcBef>
+                <a:spcAft>
+                  <a:spcPts val="0"/>
+                </a:spcAft>
+                <a:buClrTx/>
+                <a:buSzTx/>
+                <a:buFontTx/>
+                <a:buNone/>
+                <a:tabLst/>
+                <a:defRPr/>
+              </a:pPr>
+              <a:t>19</a:t>
+            </a:fld>
+            <a:endParaRPr kumimoji="0" lang="en-GB" sz="1800" b="0" i="0" u="none" strike="noStrike" kern="0" cap="none" spc="0" normalizeH="0" baseline="0" noProof="0">
+              <a:ln>
+                <a:noFill/>
+              </a:ln>
+              <a:solidFill>
+                <a:prstClr val="black"/>
+              </a:solidFill>
+              <a:effectLst/>
+              <a:uLnTx/>
+              <a:uFillTx/>
+            </a:endParaRPr>
+          </a:p>
+        </p:txBody>
+      </p:sp>
+    </p:spTree>
+    <p:extLst>
+      <p:ext uri="{BB962C8B-B14F-4D97-AF65-F5344CB8AC3E}">
+        <p14:creationId xmlns:p14="http://schemas.microsoft.com/office/powerpoint/2010/main" val="3259029686"/>
+      </p:ext>
+    </p:extLst>
+  </p:cSld>
+  <p:clrMapOvr>
+    <a:masterClrMapping/>
+  </p:clrMapOvr>
+</p:notes>
+</file>
+
+<file path=ppt/notesSlides/notesSlide19.xml><?xml version="1.0" encoding="utf-8"?>
+<p:notes xmlns:a="http://schemas.openxmlformats.org/drawingml/2006/main" xmlns:r="http://schemas.openxmlformats.org/officeDocument/2006/relationships" xmlns:p="http://schemas.openxmlformats.org/presentationml/2006/main">
+  <p:cSld>
+    <p:spTree>
+      <p:nvGrpSpPr>
+        <p:cNvPr id="1" name=""/>
+        <p:cNvGrpSpPr/>
+        <p:nvPr/>
+      </p:nvGrpSpPr>
+      <p:grpSpPr>
+        <a:xfrm>
+          <a:off x="0" y="0"/>
+          <a:ext cx="0" cy="0"/>
+          <a:chOff x="0" y="0"/>
+          <a:chExt cx="0" cy="0"/>
+        </a:xfrm>
+      </p:grpSpPr>
+      <p:sp>
+        <p:nvSpPr>
+          <p:cNvPr id="2" name="Slide Image Placeholder 1"/>
+          <p:cNvSpPr>
+            <a:spLocks noGrp="1" noRot="1" noChangeAspect="1"/>
+          </p:cNvSpPr>
+          <p:nvPr>
+            <p:ph type="sldImg"/>
+          </p:nvPr>
+        </p:nvSpPr>
+        <p:spPr/>
+      </p:sp>
+      <p:sp>
+        <p:nvSpPr>
+          <p:cNvPr id="3" name="Notes Placeholder 2"/>
+          <p:cNvSpPr>
+            <a:spLocks noGrp="1"/>
+          </p:cNvSpPr>
+          <p:nvPr>
+            <p:ph type="body" idx="1"/>
+          </p:nvPr>
+        </p:nvSpPr>
+        <p:spPr/>
+        <p:txBody>
+          <a:bodyPr/>
+          <a:lstStyle/>
+          <a:p>
+            <a:endParaRPr lang="en-US" dirty="0"/>
+          </a:p>
+          <a:p>
+            <a:endParaRPr lang="en-US" dirty="0"/>
+          </a:p>
+        </p:txBody>
+      </p:sp>
+      <p:sp>
+        <p:nvSpPr>
+          <p:cNvPr id="4" name="Slide Number Placeholder 3"/>
+          <p:cNvSpPr>
+            <a:spLocks noGrp="1"/>
+          </p:cNvSpPr>
+          <p:nvPr>
+            <p:ph type="sldNum" sz="quarter" idx="10"/>
+          </p:nvPr>
+        </p:nvSpPr>
+        <p:spPr/>
+        <p:txBody>
+          <a:bodyPr/>
+          <a:lstStyle/>
+          <a:p>
+            <a:pPr marL="0" marR="0" lvl="0" indent="0" defTabSz="914400" eaLnBrk="1" fontAlgn="auto" latinLnBrk="0" hangingPunct="1">
+              <a:lnSpc>
+                <a:spcPct val="100000"/>
+              </a:lnSpc>
+              <a:spcBef>
+                <a:spcPts val="0"/>
+              </a:spcBef>
+              <a:spcAft>
+                <a:spcPts val="0"/>
+              </a:spcAft>
+              <a:buClrTx/>
+              <a:buSzTx/>
+              <a:buFontTx/>
+              <a:buNone/>
+              <a:tabLst/>
+              <a:defRPr/>
+            </a:pPr>
+            <a:fld id="{AB69E77B-23F2-4D26-B3FA-6109AB5D8139}" type="slidenum">
+              <a:rPr kumimoji="0" lang="en-GB" sz="1800" b="0" i="0" u="none" strike="noStrike" kern="0" cap="none" spc="0" normalizeH="0" baseline="0" noProof="0" smtClean="0">
+                <a:ln>
+                  <a:noFill/>
+                </a:ln>
+                <a:solidFill>
+                  <a:prstClr val="black"/>
+                </a:solidFill>
+                <a:effectLst/>
+                <a:uLnTx/>
+                <a:uFillTx/>
+              </a:rPr>
+              <a:pPr marL="0" marR="0" lvl="0" indent="0" defTabSz="914400" eaLnBrk="1" fontAlgn="auto" latinLnBrk="0" hangingPunct="1">
+                <a:lnSpc>
+                  <a:spcPct val="100000"/>
+                </a:lnSpc>
+                <a:spcBef>
+                  <a:spcPts val="0"/>
+                </a:spcBef>
+                <a:spcAft>
+                  <a:spcPts val="0"/>
+                </a:spcAft>
+                <a:buClrTx/>
+                <a:buSzTx/>
+                <a:buFontTx/>
+                <a:buNone/>
+                <a:tabLst/>
+                <a:defRPr/>
+              </a:pPr>
+              <a:t>20</a:t>
+            </a:fld>
+            <a:endParaRPr kumimoji="0" lang="en-GB" sz="1800" b="0" i="0" u="none" strike="noStrike" kern="0" cap="none" spc="0" normalizeH="0" baseline="0" noProof="0">
+              <a:ln>
+                <a:noFill/>
+              </a:ln>
+              <a:solidFill>
+                <a:prstClr val="black"/>
+              </a:solidFill>
+              <a:effectLst/>
+              <a:uLnTx/>
+              <a:uFillTx/>
+            </a:endParaRPr>
+          </a:p>
+        </p:txBody>
+      </p:sp>
+    </p:spTree>
+    <p:extLst>
+      <p:ext uri="{BB962C8B-B14F-4D97-AF65-F5344CB8AC3E}">
+        <p14:creationId xmlns:p14="http://schemas.microsoft.com/office/powerpoint/2010/main" val="1422799331"/>
       </p:ext>
     </p:extLst>
   </p:cSld>
@@ -1456,6 +2174,1134 @@
     <p:extLst>
       <p:ext uri="{BB962C8B-B14F-4D97-AF65-F5344CB8AC3E}">
         <p14:creationId xmlns:p14="http://schemas.microsoft.com/office/powerpoint/2010/main" val="1412807540"/>
+      </p:ext>
+    </p:extLst>
+  </p:cSld>
+  <p:clrMapOvr>
+    <a:masterClrMapping/>
+  </p:clrMapOvr>
+</p:notes>
+</file>
+
+<file path=ppt/notesSlides/notesSlide20.xml><?xml version="1.0" encoding="utf-8"?>
+<p:notes xmlns:a="http://schemas.openxmlformats.org/drawingml/2006/main" xmlns:r="http://schemas.openxmlformats.org/officeDocument/2006/relationships" xmlns:p="http://schemas.openxmlformats.org/presentationml/2006/main">
+  <p:cSld>
+    <p:spTree>
+      <p:nvGrpSpPr>
+        <p:cNvPr id="1" name=""/>
+        <p:cNvGrpSpPr/>
+        <p:nvPr/>
+      </p:nvGrpSpPr>
+      <p:grpSpPr>
+        <a:xfrm>
+          <a:off x="0" y="0"/>
+          <a:ext cx="0" cy="0"/>
+          <a:chOff x="0" y="0"/>
+          <a:chExt cx="0" cy="0"/>
+        </a:xfrm>
+      </p:grpSpPr>
+      <p:sp>
+        <p:nvSpPr>
+          <p:cNvPr id="2" name="Slide Image Placeholder 1"/>
+          <p:cNvSpPr>
+            <a:spLocks noGrp="1" noRot="1" noChangeAspect="1"/>
+          </p:cNvSpPr>
+          <p:nvPr>
+            <p:ph type="sldImg"/>
+          </p:nvPr>
+        </p:nvSpPr>
+        <p:spPr/>
+      </p:sp>
+      <p:sp>
+        <p:nvSpPr>
+          <p:cNvPr id="3" name="Notes Placeholder 2"/>
+          <p:cNvSpPr>
+            <a:spLocks noGrp="1"/>
+          </p:cNvSpPr>
+          <p:nvPr>
+            <p:ph type="body" idx="1"/>
+          </p:nvPr>
+        </p:nvSpPr>
+        <p:spPr/>
+        <p:txBody>
+          <a:bodyPr/>
+          <a:lstStyle/>
+          <a:p>
+            <a:endParaRPr lang="en-US" dirty="0"/>
+          </a:p>
+          <a:p>
+            <a:endParaRPr lang="en-US" dirty="0"/>
+          </a:p>
+        </p:txBody>
+      </p:sp>
+      <p:sp>
+        <p:nvSpPr>
+          <p:cNvPr id="4" name="Slide Number Placeholder 3"/>
+          <p:cNvSpPr>
+            <a:spLocks noGrp="1"/>
+          </p:cNvSpPr>
+          <p:nvPr>
+            <p:ph type="sldNum" sz="quarter" idx="10"/>
+          </p:nvPr>
+        </p:nvSpPr>
+        <p:spPr/>
+        <p:txBody>
+          <a:bodyPr/>
+          <a:lstStyle/>
+          <a:p>
+            <a:pPr marL="0" marR="0" lvl="0" indent="0" defTabSz="914400" eaLnBrk="1" fontAlgn="auto" latinLnBrk="0" hangingPunct="1">
+              <a:lnSpc>
+                <a:spcPct val="100000"/>
+              </a:lnSpc>
+              <a:spcBef>
+                <a:spcPts val="0"/>
+              </a:spcBef>
+              <a:spcAft>
+                <a:spcPts val="0"/>
+              </a:spcAft>
+              <a:buClrTx/>
+              <a:buSzTx/>
+              <a:buFontTx/>
+              <a:buNone/>
+              <a:tabLst/>
+              <a:defRPr/>
+            </a:pPr>
+            <a:fld id="{AB69E77B-23F2-4D26-B3FA-6109AB5D8139}" type="slidenum">
+              <a:rPr kumimoji="0" lang="en-GB" sz="1800" b="0" i="0" u="none" strike="noStrike" kern="0" cap="none" spc="0" normalizeH="0" baseline="0" noProof="0" smtClean="0">
+                <a:ln>
+                  <a:noFill/>
+                </a:ln>
+                <a:solidFill>
+                  <a:prstClr val="black"/>
+                </a:solidFill>
+                <a:effectLst/>
+                <a:uLnTx/>
+                <a:uFillTx/>
+              </a:rPr>
+              <a:pPr marL="0" marR="0" lvl="0" indent="0" defTabSz="914400" eaLnBrk="1" fontAlgn="auto" latinLnBrk="0" hangingPunct="1">
+                <a:lnSpc>
+                  <a:spcPct val="100000"/>
+                </a:lnSpc>
+                <a:spcBef>
+                  <a:spcPts val="0"/>
+                </a:spcBef>
+                <a:spcAft>
+                  <a:spcPts val="0"/>
+                </a:spcAft>
+                <a:buClrTx/>
+                <a:buSzTx/>
+                <a:buFontTx/>
+                <a:buNone/>
+                <a:tabLst/>
+                <a:defRPr/>
+              </a:pPr>
+              <a:t>21</a:t>
+            </a:fld>
+            <a:endParaRPr kumimoji="0" lang="en-GB" sz="1800" b="0" i="0" u="none" strike="noStrike" kern="0" cap="none" spc="0" normalizeH="0" baseline="0" noProof="0">
+              <a:ln>
+                <a:noFill/>
+              </a:ln>
+              <a:solidFill>
+                <a:prstClr val="black"/>
+              </a:solidFill>
+              <a:effectLst/>
+              <a:uLnTx/>
+              <a:uFillTx/>
+            </a:endParaRPr>
+          </a:p>
+        </p:txBody>
+      </p:sp>
+    </p:spTree>
+    <p:extLst>
+      <p:ext uri="{BB962C8B-B14F-4D97-AF65-F5344CB8AC3E}">
+        <p14:creationId xmlns:p14="http://schemas.microsoft.com/office/powerpoint/2010/main" val="3085345615"/>
+      </p:ext>
+    </p:extLst>
+  </p:cSld>
+  <p:clrMapOvr>
+    <a:masterClrMapping/>
+  </p:clrMapOvr>
+</p:notes>
+</file>
+
+<file path=ppt/notesSlides/notesSlide21.xml><?xml version="1.0" encoding="utf-8"?>
+<p:notes xmlns:a="http://schemas.openxmlformats.org/drawingml/2006/main" xmlns:r="http://schemas.openxmlformats.org/officeDocument/2006/relationships" xmlns:p="http://schemas.openxmlformats.org/presentationml/2006/main">
+  <p:cSld>
+    <p:spTree>
+      <p:nvGrpSpPr>
+        <p:cNvPr id="1" name=""/>
+        <p:cNvGrpSpPr/>
+        <p:nvPr/>
+      </p:nvGrpSpPr>
+      <p:grpSpPr>
+        <a:xfrm>
+          <a:off x="0" y="0"/>
+          <a:ext cx="0" cy="0"/>
+          <a:chOff x="0" y="0"/>
+          <a:chExt cx="0" cy="0"/>
+        </a:xfrm>
+      </p:grpSpPr>
+      <p:sp>
+        <p:nvSpPr>
+          <p:cNvPr id="2" name="Slide Image Placeholder 1"/>
+          <p:cNvSpPr>
+            <a:spLocks noGrp="1" noRot="1" noChangeAspect="1"/>
+          </p:cNvSpPr>
+          <p:nvPr>
+            <p:ph type="sldImg"/>
+          </p:nvPr>
+        </p:nvSpPr>
+        <p:spPr/>
+      </p:sp>
+      <p:sp>
+        <p:nvSpPr>
+          <p:cNvPr id="3" name="Notes Placeholder 2"/>
+          <p:cNvSpPr>
+            <a:spLocks noGrp="1"/>
+          </p:cNvSpPr>
+          <p:nvPr>
+            <p:ph type="body" idx="1"/>
+          </p:nvPr>
+        </p:nvSpPr>
+        <p:spPr/>
+        <p:txBody>
+          <a:bodyPr/>
+          <a:lstStyle/>
+          <a:p>
+            <a:endParaRPr lang="en-US" dirty="0"/>
+          </a:p>
+          <a:p>
+            <a:endParaRPr lang="en-US" dirty="0"/>
+          </a:p>
+        </p:txBody>
+      </p:sp>
+      <p:sp>
+        <p:nvSpPr>
+          <p:cNvPr id="4" name="Slide Number Placeholder 3"/>
+          <p:cNvSpPr>
+            <a:spLocks noGrp="1"/>
+          </p:cNvSpPr>
+          <p:nvPr>
+            <p:ph type="sldNum" sz="quarter" idx="10"/>
+          </p:nvPr>
+        </p:nvSpPr>
+        <p:spPr/>
+        <p:txBody>
+          <a:bodyPr/>
+          <a:lstStyle/>
+          <a:p>
+            <a:pPr marL="0" marR="0" lvl="0" indent="0" defTabSz="914400" eaLnBrk="1" fontAlgn="auto" latinLnBrk="0" hangingPunct="1">
+              <a:lnSpc>
+                <a:spcPct val="100000"/>
+              </a:lnSpc>
+              <a:spcBef>
+                <a:spcPts val="0"/>
+              </a:spcBef>
+              <a:spcAft>
+                <a:spcPts val="0"/>
+              </a:spcAft>
+              <a:buClrTx/>
+              <a:buSzTx/>
+              <a:buFontTx/>
+              <a:buNone/>
+              <a:tabLst/>
+              <a:defRPr/>
+            </a:pPr>
+            <a:fld id="{AB69E77B-23F2-4D26-B3FA-6109AB5D8139}" type="slidenum">
+              <a:rPr kumimoji="0" lang="en-GB" sz="1800" b="0" i="0" u="none" strike="noStrike" kern="0" cap="none" spc="0" normalizeH="0" baseline="0" noProof="0" smtClean="0">
+                <a:ln>
+                  <a:noFill/>
+                </a:ln>
+                <a:solidFill>
+                  <a:prstClr val="black"/>
+                </a:solidFill>
+                <a:effectLst/>
+                <a:uLnTx/>
+                <a:uFillTx/>
+              </a:rPr>
+              <a:pPr marL="0" marR="0" lvl="0" indent="0" defTabSz="914400" eaLnBrk="1" fontAlgn="auto" latinLnBrk="0" hangingPunct="1">
+                <a:lnSpc>
+                  <a:spcPct val="100000"/>
+                </a:lnSpc>
+                <a:spcBef>
+                  <a:spcPts val="0"/>
+                </a:spcBef>
+                <a:spcAft>
+                  <a:spcPts val="0"/>
+                </a:spcAft>
+                <a:buClrTx/>
+                <a:buSzTx/>
+                <a:buFontTx/>
+                <a:buNone/>
+                <a:tabLst/>
+                <a:defRPr/>
+              </a:pPr>
+              <a:t>22</a:t>
+            </a:fld>
+            <a:endParaRPr kumimoji="0" lang="en-GB" sz="1800" b="0" i="0" u="none" strike="noStrike" kern="0" cap="none" spc="0" normalizeH="0" baseline="0" noProof="0">
+              <a:ln>
+                <a:noFill/>
+              </a:ln>
+              <a:solidFill>
+                <a:prstClr val="black"/>
+              </a:solidFill>
+              <a:effectLst/>
+              <a:uLnTx/>
+              <a:uFillTx/>
+            </a:endParaRPr>
+          </a:p>
+        </p:txBody>
+      </p:sp>
+    </p:spTree>
+    <p:extLst>
+      <p:ext uri="{BB962C8B-B14F-4D97-AF65-F5344CB8AC3E}">
+        <p14:creationId xmlns:p14="http://schemas.microsoft.com/office/powerpoint/2010/main" val="874558245"/>
+      </p:ext>
+    </p:extLst>
+  </p:cSld>
+  <p:clrMapOvr>
+    <a:masterClrMapping/>
+  </p:clrMapOvr>
+</p:notes>
+</file>
+
+<file path=ppt/notesSlides/notesSlide22.xml><?xml version="1.0" encoding="utf-8"?>
+<p:notes xmlns:a="http://schemas.openxmlformats.org/drawingml/2006/main" xmlns:r="http://schemas.openxmlformats.org/officeDocument/2006/relationships" xmlns:p="http://schemas.openxmlformats.org/presentationml/2006/main">
+  <p:cSld>
+    <p:spTree>
+      <p:nvGrpSpPr>
+        <p:cNvPr id="1" name=""/>
+        <p:cNvGrpSpPr/>
+        <p:nvPr/>
+      </p:nvGrpSpPr>
+      <p:grpSpPr>
+        <a:xfrm>
+          <a:off x="0" y="0"/>
+          <a:ext cx="0" cy="0"/>
+          <a:chOff x="0" y="0"/>
+          <a:chExt cx="0" cy="0"/>
+        </a:xfrm>
+      </p:grpSpPr>
+      <p:sp>
+        <p:nvSpPr>
+          <p:cNvPr id="2" name="Slide Image Placeholder 1"/>
+          <p:cNvSpPr>
+            <a:spLocks noGrp="1" noRot="1" noChangeAspect="1"/>
+          </p:cNvSpPr>
+          <p:nvPr>
+            <p:ph type="sldImg"/>
+          </p:nvPr>
+        </p:nvSpPr>
+        <p:spPr/>
+      </p:sp>
+      <p:sp>
+        <p:nvSpPr>
+          <p:cNvPr id="3" name="Notes Placeholder 2"/>
+          <p:cNvSpPr>
+            <a:spLocks noGrp="1"/>
+          </p:cNvSpPr>
+          <p:nvPr>
+            <p:ph type="body" idx="1"/>
+          </p:nvPr>
+        </p:nvSpPr>
+        <p:spPr/>
+        <p:txBody>
+          <a:bodyPr/>
+          <a:lstStyle/>
+          <a:p>
+            <a:endParaRPr lang="en-US" dirty="0"/>
+          </a:p>
+          <a:p>
+            <a:endParaRPr lang="en-US" dirty="0"/>
+          </a:p>
+        </p:txBody>
+      </p:sp>
+      <p:sp>
+        <p:nvSpPr>
+          <p:cNvPr id="4" name="Slide Number Placeholder 3"/>
+          <p:cNvSpPr>
+            <a:spLocks noGrp="1"/>
+          </p:cNvSpPr>
+          <p:nvPr>
+            <p:ph type="sldNum" sz="quarter" idx="10"/>
+          </p:nvPr>
+        </p:nvSpPr>
+        <p:spPr/>
+        <p:txBody>
+          <a:bodyPr/>
+          <a:lstStyle/>
+          <a:p>
+            <a:pPr marL="0" marR="0" lvl="0" indent="0" defTabSz="914400" eaLnBrk="1" fontAlgn="auto" latinLnBrk="0" hangingPunct="1">
+              <a:lnSpc>
+                <a:spcPct val="100000"/>
+              </a:lnSpc>
+              <a:spcBef>
+                <a:spcPts val="0"/>
+              </a:spcBef>
+              <a:spcAft>
+                <a:spcPts val="0"/>
+              </a:spcAft>
+              <a:buClrTx/>
+              <a:buSzTx/>
+              <a:buFontTx/>
+              <a:buNone/>
+              <a:tabLst/>
+              <a:defRPr/>
+            </a:pPr>
+            <a:fld id="{AB69E77B-23F2-4D26-B3FA-6109AB5D8139}" type="slidenum">
+              <a:rPr kumimoji="0" lang="en-GB" sz="1800" b="0" i="0" u="none" strike="noStrike" kern="0" cap="none" spc="0" normalizeH="0" baseline="0" noProof="0" smtClean="0">
+                <a:ln>
+                  <a:noFill/>
+                </a:ln>
+                <a:solidFill>
+                  <a:prstClr val="black"/>
+                </a:solidFill>
+                <a:effectLst/>
+                <a:uLnTx/>
+                <a:uFillTx/>
+              </a:rPr>
+              <a:pPr marL="0" marR="0" lvl="0" indent="0" defTabSz="914400" eaLnBrk="1" fontAlgn="auto" latinLnBrk="0" hangingPunct="1">
+                <a:lnSpc>
+                  <a:spcPct val="100000"/>
+                </a:lnSpc>
+                <a:spcBef>
+                  <a:spcPts val="0"/>
+                </a:spcBef>
+                <a:spcAft>
+                  <a:spcPts val="0"/>
+                </a:spcAft>
+                <a:buClrTx/>
+                <a:buSzTx/>
+                <a:buFontTx/>
+                <a:buNone/>
+                <a:tabLst/>
+                <a:defRPr/>
+              </a:pPr>
+              <a:t>23</a:t>
+            </a:fld>
+            <a:endParaRPr kumimoji="0" lang="en-GB" sz="1800" b="0" i="0" u="none" strike="noStrike" kern="0" cap="none" spc="0" normalizeH="0" baseline="0" noProof="0">
+              <a:ln>
+                <a:noFill/>
+              </a:ln>
+              <a:solidFill>
+                <a:prstClr val="black"/>
+              </a:solidFill>
+              <a:effectLst/>
+              <a:uLnTx/>
+              <a:uFillTx/>
+            </a:endParaRPr>
+          </a:p>
+        </p:txBody>
+      </p:sp>
+    </p:spTree>
+    <p:extLst>
+      <p:ext uri="{BB962C8B-B14F-4D97-AF65-F5344CB8AC3E}">
+        <p14:creationId xmlns:p14="http://schemas.microsoft.com/office/powerpoint/2010/main" val="378601696"/>
+      </p:ext>
+    </p:extLst>
+  </p:cSld>
+  <p:clrMapOvr>
+    <a:masterClrMapping/>
+  </p:clrMapOvr>
+</p:notes>
+</file>
+
+<file path=ppt/notesSlides/notesSlide23.xml><?xml version="1.0" encoding="utf-8"?>
+<p:notes xmlns:a="http://schemas.openxmlformats.org/drawingml/2006/main" xmlns:r="http://schemas.openxmlformats.org/officeDocument/2006/relationships" xmlns:p="http://schemas.openxmlformats.org/presentationml/2006/main">
+  <p:cSld>
+    <p:spTree>
+      <p:nvGrpSpPr>
+        <p:cNvPr id="1" name=""/>
+        <p:cNvGrpSpPr/>
+        <p:nvPr/>
+      </p:nvGrpSpPr>
+      <p:grpSpPr>
+        <a:xfrm>
+          <a:off x="0" y="0"/>
+          <a:ext cx="0" cy="0"/>
+          <a:chOff x="0" y="0"/>
+          <a:chExt cx="0" cy="0"/>
+        </a:xfrm>
+      </p:grpSpPr>
+      <p:sp>
+        <p:nvSpPr>
+          <p:cNvPr id="2" name="Slide Image Placeholder 1"/>
+          <p:cNvSpPr>
+            <a:spLocks noGrp="1" noRot="1" noChangeAspect="1"/>
+          </p:cNvSpPr>
+          <p:nvPr>
+            <p:ph type="sldImg"/>
+          </p:nvPr>
+        </p:nvSpPr>
+        <p:spPr/>
+      </p:sp>
+      <p:sp>
+        <p:nvSpPr>
+          <p:cNvPr id="3" name="Notes Placeholder 2"/>
+          <p:cNvSpPr>
+            <a:spLocks noGrp="1"/>
+          </p:cNvSpPr>
+          <p:nvPr>
+            <p:ph type="body" idx="1"/>
+          </p:nvPr>
+        </p:nvSpPr>
+        <p:spPr/>
+        <p:txBody>
+          <a:bodyPr/>
+          <a:lstStyle/>
+          <a:p>
+            <a:endParaRPr lang="en-US" dirty="0"/>
+          </a:p>
+          <a:p>
+            <a:endParaRPr lang="en-US" dirty="0"/>
+          </a:p>
+        </p:txBody>
+      </p:sp>
+      <p:sp>
+        <p:nvSpPr>
+          <p:cNvPr id="4" name="Slide Number Placeholder 3"/>
+          <p:cNvSpPr>
+            <a:spLocks noGrp="1"/>
+          </p:cNvSpPr>
+          <p:nvPr>
+            <p:ph type="sldNum" sz="quarter" idx="10"/>
+          </p:nvPr>
+        </p:nvSpPr>
+        <p:spPr/>
+        <p:txBody>
+          <a:bodyPr/>
+          <a:lstStyle/>
+          <a:p>
+            <a:pPr marL="0" marR="0" lvl="0" indent="0" defTabSz="914400" eaLnBrk="1" fontAlgn="auto" latinLnBrk="0" hangingPunct="1">
+              <a:lnSpc>
+                <a:spcPct val="100000"/>
+              </a:lnSpc>
+              <a:spcBef>
+                <a:spcPts val="0"/>
+              </a:spcBef>
+              <a:spcAft>
+                <a:spcPts val="0"/>
+              </a:spcAft>
+              <a:buClrTx/>
+              <a:buSzTx/>
+              <a:buFontTx/>
+              <a:buNone/>
+              <a:tabLst/>
+              <a:defRPr/>
+            </a:pPr>
+            <a:fld id="{AB69E77B-23F2-4D26-B3FA-6109AB5D8139}" type="slidenum">
+              <a:rPr kumimoji="0" lang="en-GB" sz="1800" b="0" i="0" u="none" strike="noStrike" kern="0" cap="none" spc="0" normalizeH="0" baseline="0" noProof="0" smtClean="0">
+                <a:ln>
+                  <a:noFill/>
+                </a:ln>
+                <a:solidFill>
+                  <a:prstClr val="black"/>
+                </a:solidFill>
+                <a:effectLst/>
+                <a:uLnTx/>
+                <a:uFillTx/>
+              </a:rPr>
+              <a:pPr marL="0" marR="0" lvl="0" indent="0" defTabSz="914400" eaLnBrk="1" fontAlgn="auto" latinLnBrk="0" hangingPunct="1">
+                <a:lnSpc>
+                  <a:spcPct val="100000"/>
+                </a:lnSpc>
+                <a:spcBef>
+                  <a:spcPts val="0"/>
+                </a:spcBef>
+                <a:spcAft>
+                  <a:spcPts val="0"/>
+                </a:spcAft>
+                <a:buClrTx/>
+                <a:buSzTx/>
+                <a:buFontTx/>
+                <a:buNone/>
+                <a:tabLst/>
+                <a:defRPr/>
+              </a:pPr>
+              <a:t>24</a:t>
+            </a:fld>
+            <a:endParaRPr kumimoji="0" lang="en-GB" sz="1800" b="0" i="0" u="none" strike="noStrike" kern="0" cap="none" spc="0" normalizeH="0" baseline="0" noProof="0">
+              <a:ln>
+                <a:noFill/>
+              </a:ln>
+              <a:solidFill>
+                <a:prstClr val="black"/>
+              </a:solidFill>
+              <a:effectLst/>
+              <a:uLnTx/>
+              <a:uFillTx/>
+            </a:endParaRPr>
+          </a:p>
+        </p:txBody>
+      </p:sp>
+    </p:spTree>
+    <p:extLst>
+      <p:ext uri="{BB962C8B-B14F-4D97-AF65-F5344CB8AC3E}">
+        <p14:creationId xmlns:p14="http://schemas.microsoft.com/office/powerpoint/2010/main" val="2757116744"/>
+      </p:ext>
+    </p:extLst>
+  </p:cSld>
+  <p:clrMapOvr>
+    <a:masterClrMapping/>
+  </p:clrMapOvr>
+</p:notes>
+</file>
+
+<file path=ppt/notesSlides/notesSlide24.xml><?xml version="1.0" encoding="utf-8"?>
+<p:notes xmlns:a="http://schemas.openxmlformats.org/drawingml/2006/main" xmlns:r="http://schemas.openxmlformats.org/officeDocument/2006/relationships" xmlns:p="http://schemas.openxmlformats.org/presentationml/2006/main">
+  <p:cSld>
+    <p:spTree>
+      <p:nvGrpSpPr>
+        <p:cNvPr id="1" name=""/>
+        <p:cNvGrpSpPr/>
+        <p:nvPr/>
+      </p:nvGrpSpPr>
+      <p:grpSpPr>
+        <a:xfrm>
+          <a:off x="0" y="0"/>
+          <a:ext cx="0" cy="0"/>
+          <a:chOff x="0" y="0"/>
+          <a:chExt cx="0" cy="0"/>
+        </a:xfrm>
+      </p:grpSpPr>
+      <p:sp>
+        <p:nvSpPr>
+          <p:cNvPr id="2" name="Slide Image Placeholder 1"/>
+          <p:cNvSpPr>
+            <a:spLocks noGrp="1" noRot="1" noChangeAspect="1"/>
+          </p:cNvSpPr>
+          <p:nvPr>
+            <p:ph type="sldImg"/>
+          </p:nvPr>
+        </p:nvSpPr>
+        <p:spPr/>
+      </p:sp>
+      <p:sp>
+        <p:nvSpPr>
+          <p:cNvPr id="3" name="Notes Placeholder 2"/>
+          <p:cNvSpPr>
+            <a:spLocks noGrp="1"/>
+          </p:cNvSpPr>
+          <p:nvPr>
+            <p:ph type="body" idx="1"/>
+          </p:nvPr>
+        </p:nvSpPr>
+        <p:spPr/>
+        <p:txBody>
+          <a:bodyPr/>
+          <a:lstStyle/>
+          <a:p>
+            <a:endParaRPr lang="en-US" dirty="0"/>
+          </a:p>
+          <a:p>
+            <a:endParaRPr lang="en-US" dirty="0"/>
+          </a:p>
+        </p:txBody>
+      </p:sp>
+      <p:sp>
+        <p:nvSpPr>
+          <p:cNvPr id="4" name="Slide Number Placeholder 3"/>
+          <p:cNvSpPr>
+            <a:spLocks noGrp="1"/>
+          </p:cNvSpPr>
+          <p:nvPr>
+            <p:ph type="sldNum" sz="quarter" idx="10"/>
+          </p:nvPr>
+        </p:nvSpPr>
+        <p:spPr/>
+        <p:txBody>
+          <a:bodyPr/>
+          <a:lstStyle/>
+          <a:p>
+            <a:pPr marL="0" marR="0" lvl="0" indent="0" defTabSz="914400" eaLnBrk="1" fontAlgn="auto" latinLnBrk="0" hangingPunct="1">
+              <a:lnSpc>
+                <a:spcPct val="100000"/>
+              </a:lnSpc>
+              <a:spcBef>
+                <a:spcPts val="0"/>
+              </a:spcBef>
+              <a:spcAft>
+                <a:spcPts val="0"/>
+              </a:spcAft>
+              <a:buClrTx/>
+              <a:buSzTx/>
+              <a:buFontTx/>
+              <a:buNone/>
+              <a:tabLst/>
+              <a:defRPr/>
+            </a:pPr>
+            <a:fld id="{AB69E77B-23F2-4D26-B3FA-6109AB5D8139}" type="slidenum">
+              <a:rPr kumimoji="0" lang="en-GB" sz="1800" b="0" i="0" u="none" strike="noStrike" kern="0" cap="none" spc="0" normalizeH="0" baseline="0" noProof="0" smtClean="0">
+                <a:ln>
+                  <a:noFill/>
+                </a:ln>
+                <a:solidFill>
+                  <a:prstClr val="black"/>
+                </a:solidFill>
+                <a:effectLst/>
+                <a:uLnTx/>
+                <a:uFillTx/>
+              </a:rPr>
+              <a:pPr marL="0" marR="0" lvl="0" indent="0" defTabSz="914400" eaLnBrk="1" fontAlgn="auto" latinLnBrk="0" hangingPunct="1">
+                <a:lnSpc>
+                  <a:spcPct val="100000"/>
+                </a:lnSpc>
+                <a:spcBef>
+                  <a:spcPts val="0"/>
+                </a:spcBef>
+                <a:spcAft>
+                  <a:spcPts val="0"/>
+                </a:spcAft>
+                <a:buClrTx/>
+                <a:buSzTx/>
+                <a:buFontTx/>
+                <a:buNone/>
+                <a:tabLst/>
+                <a:defRPr/>
+              </a:pPr>
+              <a:t>25</a:t>
+            </a:fld>
+            <a:endParaRPr kumimoji="0" lang="en-GB" sz="1800" b="0" i="0" u="none" strike="noStrike" kern="0" cap="none" spc="0" normalizeH="0" baseline="0" noProof="0">
+              <a:ln>
+                <a:noFill/>
+              </a:ln>
+              <a:solidFill>
+                <a:prstClr val="black"/>
+              </a:solidFill>
+              <a:effectLst/>
+              <a:uLnTx/>
+              <a:uFillTx/>
+            </a:endParaRPr>
+          </a:p>
+        </p:txBody>
+      </p:sp>
+    </p:spTree>
+    <p:extLst>
+      <p:ext uri="{BB962C8B-B14F-4D97-AF65-F5344CB8AC3E}">
+        <p14:creationId xmlns:p14="http://schemas.microsoft.com/office/powerpoint/2010/main" val="572114682"/>
+      </p:ext>
+    </p:extLst>
+  </p:cSld>
+  <p:clrMapOvr>
+    <a:masterClrMapping/>
+  </p:clrMapOvr>
+</p:notes>
+</file>
+
+<file path=ppt/notesSlides/notesSlide25.xml><?xml version="1.0" encoding="utf-8"?>
+<p:notes xmlns:a="http://schemas.openxmlformats.org/drawingml/2006/main" xmlns:r="http://schemas.openxmlformats.org/officeDocument/2006/relationships" xmlns:p="http://schemas.openxmlformats.org/presentationml/2006/main">
+  <p:cSld>
+    <p:spTree>
+      <p:nvGrpSpPr>
+        <p:cNvPr id="1" name=""/>
+        <p:cNvGrpSpPr/>
+        <p:nvPr/>
+      </p:nvGrpSpPr>
+      <p:grpSpPr>
+        <a:xfrm>
+          <a:off x="0" y="0"/>
+          <a:ext cx="0" cy="0"/>
+          <a:chOff x="0" y="0"/>
+          <a:chExt cx="0" cy="0"/>
+        </a:xfrm>
+      </p:grpSpPr>
+      <p:sp>
+        <p:nvSpPr>
+          <p:cNvPr id="2" name="Slide Image Placeholder 1"/>
+          <p:cNvSpPr>
+            <a:spLocks noGrp="1" noRot="1" noChangeAspect="1"/>
+          </p:cNvSpPr>
+          <p:nvPr>
+            <p:ph type="sldImg"/>
+          </p:nvPr>
+        </p:nvSpPr>
+        <p:spPr/>
+      </p:sp>
+      <p:sp>
+        <p:nvSpPr>
+          <p:cNvPr id="3" name="Notes Placeholder 2"/>
+          <p:cNvSpPr>
+            <a:spLocks noGrp="1"/>
+          </p:cNvSpPr>
+          <p:nvPr>
+            <p:ph type="body" idx="1"/>
+          </p:nvPr>
+        </p:nvSpPr>
+        <p:spPr/>
+        <p:txBody>
+          <a:bodyPr/>
+          <a:lstStyle/>
+          <a:p>
+            <a:endParaRPr lang="en-US" dirty="0"/>
+          </a:p>
+          <a:p>
+            <a:endParaRPr lang="en-US" dirty="0"/>
+          </a:p>
+        </p:txBody>
+      </p:sp>
+      <p:sp>
+        <p:nvSpPr>
+          <p:cNvPr id="4" name="Slide Number Placeholder 3"/>
+          <p:cNvSpPr>
+            <a:spLocks noGrp="1"/>
+          </p:cNvSpPr>
+          <p:nvPr>
+            <p:ph type="sldNum" sz="quarter" idx="10"/>
+          </p:nvPr>
+        </p:nvSpPr>
+        <p:spPr/>
+        <p:txBody>
+          <a:bodyPr/>
+          <a:lstStyle/>
+          <a:p>
+            <a:pPr marL="0" marR="0" lvl="0" indent="0" defTabSz="914400" eaLnBrk="1" fontAlgn="auto" latinLnBrk="0" hangingPunct="1">
+              <a:lnSpc>
+                <a:spcPct val="100000"/>
+              </a:lnSpc>
+              <a:spcBef>
+                <a:spcPts val="0"/>
+              </a:spcBef>
+              <a:spcAft>
+                <a:spcPts val="0"/>
+              </a:spcAft>
+              <a:buClrTx/>
+              <a:buSzTx/>
+              <a:buFontTx/>
+              <a:buNone/>
+              <a:tabLst/>
+              <a:defRPr/>
+            </a:pPr>
+            <a:fld id="{AB69E77B-23F2-4D26-B3FA-6109AB5D8139}" type="slidenum">
+              <a:rPr kumimoji="0" lang="en-GB" sz="1800" b="0" i="0" u="none" strike="noStrike" kern="0" cap="none" spc="0" normalizeH="0" baseline="0" noProof="0" smtClean="0">
+                <a:ln>
+                  <a:noFill/>
+                </a:ln>
+                <a:solidFill>
+                  <a:prstClr val="black"/>
+                </a:solidFill>
+                <a:effectLst/>
+                <a:uLnTx/>
+                <a:uFillTx/>
+              </a:rPr>
+              <a:pPr marL="0" marR="0" lvl="0" indent="0" defTabSz="914400" eaLnBrk="1" fontAlgn="auto" latinLnBrk="0" hangingPunct="1">
+                <a:lnSpc>
+                  <a:spcPct val="100000"/>
+                </a:lnSpc>
+                <a:spcBef>
+                  <a:spcPts val="0"/>
+                </a:spcBef>
+                <a:spcAft>
+                  <a:spcPts val="0"/>
+                </a:spcAft>
+                <a:buClrTx/>
+                <a:buSzTx/>
+                <a:buFontTx/>
+                <a:buNone/>
+                <a:tabLst/>
+                <a:defRPr/>
+              </a:pPr>
+              <a:t>26</a:t>
+            </a:fld>
+            <a:endParaRPr kumimoji="0" lang="en-GB" sz="1800" b="0" i="0" u="none" strike="noStrike" kern="0" cap="none" spc="0" normalizeH="0" baseline="0" noProof="0">
+              <a:ln>
+                <a:noFill/>
+              </a:ln>
+              <a:solidFill>
+                <a:prstClr val="black"/>
+              </a:solidFill>
+              <a:effectLst/>
+              <a:uLnTx/>
+              <a:uFillTx/>
+            </a:endParaRPr>
+          </a:p>
+        </p:txBody>
+      </p:sp>
+    </p:spTree>
+    <p:extLst>
+      <p:ext uri="{BB962C8B-B14F-4D97-AF65-F5344CB8AC3E}">
+        <p14:creationId xmlns:p14="http://schemas.microsoft.com/office/powerpoint/2010/main" val="3134424317"/>
+      </p:ext>
+    </p:extLst>
+  </p:cSld>
+  <p:clrMapOvr>
+    <a:masterClrMapping/>
+  </p:clrMapOvr>
+</p:notes>
+</file>
+
+<file path=ppt/notesSlides/notesSlide26.xml><?xml version="1.0" encoding="utf-8"?>
+<p:notes xmlns:a="http://schemas.openxmlformats.org/drawingml/2006/main" xmlns:r="http://schemas.openxmlformats.org/officeDocument/2006/relationships" xmlns:p="http://schemas.openxmlformats.org/presentationml/2006/main">
+  <p:cSld>
+    <p:spTree>
+      <p:nvGrpSpPr>
+        <p:cNvPr id="1" name=""/>
+        <p:cNvGrpSpPr/>
+        <p:nvPr/>
+      </p:nvGrpSpPr>
+      <p:grpSpPr>
+        <a:xfrm>
+          <a:off x="0" y="0"/>
+          <a:ext cx="0" cy="0"/>
+          <a:chOff x="0" y="0"/>
+          <a:chExt cx="0" cy="0"/>
+        </a:xfrm>
+      </p:grpSpPr>
+      <p:sp>
+        <p:nvSpPr>
+          <p:cNvPr id="2" name="Slide Image Placeholder 1"/>
+          <p:cNvSpPr>
+            <a:spLocks noGrp="1" noRot="1" noChangeAspect="1"/>
+          </p:cNvSpPr>
+          <p:nvPr>
+            <p:ph type="sldImg"/>
+          </p:nvPr>
+        </p:nvSpPr>
+        <p:spPr/>
+      </p:sp>
+      <p:sp>
+        <p:nvSpPr>
+          <p:cNvPr id="3" name="Notes Placeholder 2"/>
+          <p:cNvSpPr>
+            <a:spLocks noGrp="1"/>
+          </p:cNvSpPr>
+          <p:nvPr>
+            <p:ph type="body" idx="1"/>
+          </p:nvPr>
+        </p:nvSpPr>
+        <p:spPr/>
+        <p:txBody>
+          <a:bodyPr/>
+          <a:lstStyle/>
+          <a:p>
+            <a:endParaRPr lang="en-US" dirty="0"/>
+          </a:p>
+          <a:p>
+            <a:endParaRPr lang="en-US" dirty="0"/>
+          </a:p>
+        </p:txBody>
+      </p:sp>
+      <p:sp>
+        <p:nvSpPr>
+          <p:cNvPr id="4" name="Slide Number Placeholder 3"/>
+          <p:cNvSpPr>
+            <a:spLocks noGrp="1"/>
+          </p:cNvSpPr>
+          <p:nvPr>
+            <p:ph type="sldNum" sz="quarter" idx="10"/>
+          </p:nvPr>
+        </p:nvSpPr>
+        <p:spPr/>
+        <p:txBody>
+          <a:bodyPr/>
+          <a:lstStyle/>
+          <a:p>
+            <a:pPr marL="0" marR="0" lvl="0" indent="0" defTabSz="914400" eaLnBrk="1" fontAlgn="auto" latinLnBrk="0" hangingPunct="1">
+              <a:lnSpc>
+                <a:spcPct val="100000"/>
+              </a:lnSpc>
+              <a:spcBef>
+                <a:spcPts val="0"/>
+              </a:spcBef>
+              <a:spcAft>
+                <a:spcPts val="0"/>
+              </a:spcAft>
+              <a:buClrTx/>
+              <a:buSzTx/>
+              <a:buFontTx/>
+              <a:buNone/>
+              <a:tabLst/>
+              <a:defRPr/>
+            </a:pPr>
+            <a:fld id="{AB69E77B-23F2-4D26-B3FA-6109AB5D8139}" type="slidenum">
+              <a:rPr kumimoji="0" lang="en-GB" sz="1800" b="0" i="0" u="none" strike="noStrike" kern="0" cap="none" spc="0" normalizeH="0" baseline="0" noProof="0" smtClean="0">
+                <a:ln>
+                  <a:noFill/>
+                </a:ln>
+                <a:solidFill>
+                  <a:prstClr val="black"/>
+                </a:solidFill>
+                <a:effectLst/>
+                <a:uLnTx/>
+                <a:uFillTx/>
+              </a:rPr>
+              <a:pPr marL="0" marR="0" lvl="0" indent="0" defTabSz="914400" eaLnBrk="1" fontAlgn="auto" latinLnBrk="0" hangingPunct="1">
+                <a:lnSpc>
+                  <a:spcPct val="100000"/>
+                </a:lnSpc>
+                <a:spcBef>
+                  <a:spcPts val="0"/>
+                </a:spcBef>
+                <a:spcAft>
+                  <a:spcPts val="0"/>
+                </a:spcAft>
+                <a:buClrTx/>
+                <a:buSzTx/>
+                <a:buFontTx/>
+                <a:buNone/>
+                <a:tabLst/>
+                <a:defRPr/>
+              </a:pPr>
+              <a:t>27</a:t>
+            </a:fld>
+            <a:endParaRPr kumimoji="0" lang="en-GB" sz="1800" b="0" i="0" u="none" strike="noStrike" kern="0" cap="none" spc="0" normalizeH="0" baseline="0" noProof="0">
+              <a:ln>
+                <a:noFill/>
+              </a:ln>
+              <a:solidFill>
+                <a:prstClr val="black"/>
+              </a:solidFill>
+              <a:effectLst/>
+              <a:uLnTx/>
+              <a:uFillTx/>
+            </a:endParaRPr>
+          </a:p>
+        </p:txBody>
+      </p:sp>
+    </p:spTree>
+    <p:extLst>
+      <p:ext uri="{BB962C8B-B14F-4D97-AF65-F5344CB8AC3E}">
+        <p14:creationId xmlns:p14="http://schemas.microsoft.com/office/powerpoint/2010/main" val="2222112418"/>
+      </p:ext>
+    </p:extLst>
+  </p:cSld>
+  <p:clrMapOvr>
+    <a:masterClrMapping/>
+  </p:clrMapOvr>
+</p:notes>
+</file>
+
+<file path=ppt/notesSlides/notesSlide27.xml><?xml version="1.0" encoding="utf-8"?>
+<p:notes xmlns:a="http://schemas.openxmlformats.org/drawingml/2006/main" xmlns:r="http://schemas.openxmlformats.org/officeDocument/2006/relationships" xmlns:p="http://schemas.openxmlformats.org/presentationml/2006/main">
+  <p:cSld>
+    <p:spTree>
+      <p:nvGrpSpPr>
+        <p:cNvPr id="1" name=""/>
+        <p:cNvGrpSpPr/>
+        <p:nvPr/>
+      </p:nvGrpSpPr>
+      <p:grpSpPr>
+        <a:xfrm>
+          <a:off x="0" y="0"/>
+          <a:ext cx="0" cy="0"/>
+          <a:chOff x="0" y="0"/>
+          <a:chExt cx="0" cy="0"/>
+        </a:xfrm>
+      </p:grpSpPr>
+      <p:sp>
+        <p:nvSpPr>
+          <p:cNvPr id="2" name="Slide Image Placeholder 1"/>
+          <p:cNvSpPr>
+            <a:spLocks noGrp="1" noRot="1" noChangeAspect="1"/>
+          </p:cNvSpPr>
+          <p:nvPr>
+            <p:ph type="sldImg"/>
+          </p:nvPr>
+        </p:nvSpPr>
+        <p:spPr/>
+      </p:sp>
+      <p:sp>
+        <p:nvSpPr>
+          <p:cNvPr id="3" name="Notes Placeholder 2"/>
+          <p:cNvSpPr>
+            <a:spLocks noGrp="1"/>
+          </p:cNvSpPr>
+          <p:nvPr>
+            <p:ph type="body" idx="1"/>
+          </p:nvPr>
+        </p:nvSpPr>
+        <p:spPr/>
+        <p:txBody>
+          <a:bodyPr/>
+          <a:lstStyle/>
+          <a:p>
+            <a:endParaRPr lang="en-US" dirty="0"/>
+          </a:p>
+          <a:p>
+            <a:endParaRPr lang="en-US" dirty="0"/>
+          </a:p>
+        </p:txBody>
+      </p:sp>
+      <p:sp>
+        <p:nvSpPr>
+          <p:cNvPr id="4" name="Slide Number Placeholder 3"/>
+          <p:cNvSpPr>
+            <a:spLocks noGrp="1"/>
+          </p:cNvSpPr>
+          <p:nvPr>
+            <p:ph type="sldNum" sz="quarter" idx="10"/>
+          </p:nvPr>
+        </p:nvSpPr>
+        <p:spPr/>
+        <p:txBody>
+          <a:bodyPr/>
+          <a:lstStyle/>
+          <a:p>
+            <a:pPr marL="0" marR="0" lvl="0" indent="0" defTabSz="914400" eaLnBrk="1" fontAlgn="auto" latinLnBrk="0" hangingPunct="1">
+              <a:lnSpc>
+                <a:spcPct val="100000"/>
+              </a:lnSpc>
+              <a:spcBef>
+                <a:spcPts val="0"/>
+              </a:spcBef>
+              <a:spcAft>
+                <a:spcPts val="0"/>
+              </a:spcAft>
+              <a:buClrTx/>
+              <a:buSzTx/>
+              <a:buFontTx/>
+              <a:buNone/>
+              <a:tabLst/>
+              <a:defRPr/>
+            </a:pPr>
+            <a:fld id="{AB69E77B-23F2-4D26-B3FA-6109AB5D8139}" type="slidenum">
+              <a:rPr kumimoji="0" lang="en-GB" sz="1800" b="0" i="0" u="none" strike="noStrike" kern="0" cap="none" spc="0" normalizeH="0" baseline="0" noProof="0" smtClean="0">
+                <a:ln>
+                  <a:noFill/>
+                </a:ln>
+                <a:solidFill>
+                  <a:prstClr val="black"/>
+                </a:solidFill>
+                <a:effectLst/>
+                <a:uLnTx/>
+                <a:uFillTx/>
+              </a:rPr>
+              <a:pPr marL="0" marR="0" lvl="0" indent="0" defTabSz="914400" eaLnBrk="1" fontAlgn="auto" latinLnBrk="0" hangingPunct="1">
+                <a:lnSpc>
+                  <a:spcPct val="100000"/>
+                </a:lnSpc>
+                <a:spcBef>
+                  <a:spcPts val="0"/>
+                </a:spcBef>
+                <a:spcAft>
+                  <a:spcPts val="0"/>
+                </a:spcAft>
+                <a:buClrTx/>
+                <a:buSzTx/>
+                <a:buFontTx/>
+                <a:buNone/>
+                <a:tabLst/>
+                <a:defRPr/>
+              </a:pPr>
+              <a:t>28</a:t>
+            </a:fld>
+            <a:endParaRPr kumimoji="0" lang="en-GB" sz="1800" b="0" i="0" u="none" strike="noStrike" kern="0" cap="none" spc="0" normalizeH="0" baseline="0" noProof="0">
+              <a:ln>
+                <a:noFill/>
+              </a:ln>
+              <a:solidFill>
+                <a:prstClr val="black"/>
+              </a:solidFill>
+              <a:effectLst/>
+              <a:uLnTx/>
+              <a:uFillTx/>
+            </a:endParaRPr>
+          </a:p>
+        </p:txBody>
+      </p:sp>
+    </p:spTree>
+    <p:extLst>
+      <p:ext uri="{BB962C8B-B14F-4D97-AF65-F5344CB8AC3E}">
+        <p14:creationId xmlns:p14="http://schemas.microsoft.com/office/powerpoint/2010/main" val="250796128"/>
       </p:ext>
     </p:extLst>
   </p:cSld>
@@ -2548,7 +4394,7 @@
                 </a:solidFill>
               </a:rPr>
               <a:pPr/>
-              <a:t>2019/03/27</a:t>
+              <a:t>2019/04/28</a:t>
             </a:fld>
             <a:endParaRPr lang="en-US">
               <a:solidFill>
@@ -2853,7 +4699,7 @@
                 </a:solidFill>
               </a:rPr>
               <a:pPr/>
-              <a:t>2019/03/27</a:t>
+              <a:t>2019/04/28</a:t>
             </a:fld>
             <a:endParaRPr lang="en-US">
               <a:solidFill>
@@ -3090,7 +4936,7 @@
             <a:fld id="{EE1C84F4-270C-2249-89D9-A705BDADDAAB}" type="datetime1">
               <a:rPr lang="en-ZA" smtClean="0"/>
               <a:pPr/>
-              <a:t>2019/03/27</a:t>
+              <a:t>2019/04/28</a:t>
             </a:fld>
             <a:endParaRPr lang="en-US"/>
           </a:p>
@@ -3429,7 +5275,7 @@
             <a:fld id="{2AE6851E-022E-D141-8BE0-1745E9557F71}" type="datetime1">
               <a:rPr lang="en-ZA" smtClean="0"/>
               <a:pPr/>
-              <a:t>2019/03/27</a:t>
+              <a:t>2019/04/28</a:t>
             </a:fld>
             <a:endParaRPr lang="en-US"/>
           </a:p>
@@ -4001,7 +5847,7 @@
           <a:p>
             <a:r>
               <a:rPr lang="en-US" dirty="0"/>
-              <a:t>February 2019</a:t>
+              <a:t>May 2019</a:t>
             </a:r>
           </a:p>
         </p:txBody>
@@ -4083,7 +5929,43 @@
                 <a:spcPct val="100000"/>
               </a:lnSpc>
             </a:pPr>
-            <a:endParaRPr lang="en-US" sz="2000" dirty="0"/>
+            <a:r>
+              <a:rPr lang="en-US" sz="2000" dirty="0"/>
+              <a:t>PageUrl.txt extension</a:t>
+            </a:r>
+          </a:p>
+          <a:p>
+            <a:pPr lvl="2">
+              <a:lnSpc>
+                <a:spcPct val="100000"/>
+              </a:lnSpc>
+            </a:pPr>
+            <a:r>
+              <a:rPr lang="en-US" sz="1600" dirty="0"/>
+              <a:t>Can have multiple lines in the pageurl.txt file for developer efficiency</a:t>
+            </a:r>
+          </a:p>
+          <a:p>
+            <a:pPr lvl="1">
+              <a:lnSpc>
+                <a:spcPct val="100000"/>
+              </a:lnSpc>
+            </a:pPr>
+            <a:r>
+              <a:rPr lang="en-US" sz="2000" dirty="0"/>
+              <a:t>Deserialization of model from JavaScript to C#</a:t>
+            </a:r>
+          </a:p>
+          <a:p>
+            <a:pPr lvl="2">
+              <a:lnSpc>
+                <a:spcPct val="100000"/>
+              </a:lnSpc>
+            </a:pPr>
+            <a:r>
+              <a:rPr lang="en-US" sz="1600" dirty="0"/>
+              <a:t>An error is likely if Resx entries for the model attributes are missing</a:t>
+            </a:r>
           </a:p>
         </p:txBody>
       </p:sp>
@@ -4315,14 +6197,20 @@
           <a:p>
             <a:r>
               <a:rPr lang="en-US" dirty="0"/>
-              <a:t>New Web Finder</a:t>
-            </a:r>
-          </a:p>
-        </p:txBody>
-      </p:sp>
-      <p:sp>
-        <p:nvSpPr>
-          <p:cNvPr id="12" name="Content Placeholder 4"/>
+              <a:t>Finder - Motivation</a:t>
+            </a:r>
+          </a:p>
+        </p:txBody>
+      </p:sp>
+      <p:sp>
+        <p:nvSpPr>
+          <p:cNvPr id="6" name="Content Placeholder 2">
+            <a:extLst>
+              <a:ext uri="{FF2B5EF4-FFF2-40B4-BE49-F238E27FC236}">
+                <a16:creationId xmlns:a16="http://schemas.microsoft.com/office/drawing/2014/main" id="{BA7F91BA-13CB-493C-9B31-B601C1795C9B}"/>
+              </a:ext>
+            </a:extLst>
+          </p:cNvPr>
           <p:cNvSpPr>
             <a:spLocks noGrp="1"/>
           </p:cNvSpPr>
@@ -4332,34 +6220,274 @@
         </p:nvSpPr>
         <p:spPr>
           <a:xfrm>
-            <a:off x="466025" y="1366944"/>
-            <a:ext cx="9917047" cy="5008456"/>
+            <a:off x="381000" y="1600200"/>
+            <a:ext cx="7924800" cy="4876800"/>
           </a:xfrm>
         </p:spPr>
         <p:txBody>
-          <a:bodyPr numCol="1"/>
+          <a:bodyPr/>
           <a:lstStyle/>
           <a:p>
-            <a:pPr lvl="1"/>
+            <a:pPr marL="285750" indent="-285750">
+              <a:spcBef>
+                <a:spcPts val="300"/>
+              </a:spcBef>
+              <a:spcAft>
+                <a:spcPts val="300"/>
+              </a:spcAft>
+              <a:buFont typeface="Arial" panose="020B0604020202020204" pitchFamily="34" charset="0"/>
+              <a:buChar char="•"/>
+            </a:pPr>
             <a:r>
               <a:rPr lang="en-US" sz="2000" dirty="0"/>
-              <a:t>TBD</a:t>
-            </a:r>
-          </a:p>
-          <a:p>
-            <a:pPr lvl="1"/>
-            <a:endParaRPr lang="en-US" sz="2000" dirty="0"/>
-          </a:p>
-          <a:p>
-            <a:pPr lvl="1"/>
-            <a:endParaRPr lang="en-US" sz="2000" dirty="0"/>
-          </a:p>
-        </p:txBody>
-      </p:sp>
+              <a:t>Too much code</a:t>
+            </a:r>
+            <a:endParaRPr lang="en-US" sz="2000" dirty="0">
+              <a:solidFill>
+                <a:schemeClr val="tx1"/>
+              </a:solidFill>
+            </a:endParaRPr>
+          </a:p>
+          <a:p>
+            <a:pPr marL="973350" lvl="1" indent="-285750">
+              <a:spcBef>
+                <a:spcPts val="300"/>
+              </a:spcBef>
+              <a:spcAft>
+                <a:spcPts val="300"/>
+              </a:spcAft>
+            </a:pPr>
+            <a:r>
+              <a:rPr lang="en-US" sz="1800" dirty="0">
+                <a:solidFill>
+                  <a:schemeClr val="tx1"/>
+                </a:solidFill>
+              </a:rPr>
+              <a:t>Lots of code in the internal finder controller just to configure</a:t>
+            </a:r>
+          </a:p>
+          <a:p>
+            <a:pPr marL="285750" indent="-285750">
+              <a:spcBef>
+                <a:spcPts val="300"/>
+              </a:spcBef>
+              <a:spcAft>
+                <a:spcPts val="300"/>
+              </a:spcAft>
+              <a:buFont typeface="Arial" panose="020B0604020202020204" pitchFamily="34" charset="0"/>
+              <a:buChar char="•"/>
+            </a:pPr>
+            <a:r>
+              <a:rPr lang="en-US" sz="2000" dirty="0">
+                <a:solidFill>
+                  <a:schemeClr val="tx1"/>
+                </a:solidFill>
+              </a:rPr>
+              <a:t>Too much complex and redundant code</a:t>
+            </a:r>
+          </a:p>
+          <a:p>
+            <a:pPr marL="973350" lvl="1" indent="-285750">
+              <a:spcBef>
+                <a:spcPts val="300"/>
+              </a:spcBef>
+              <a:spcAft>
+                <a:spcPts val="300"/>
+              </a:spcAft>
+            </a:pPr>
+            <a:r>
+              <a:rPr lang="en-US" dirty="0"/>
+              <a:t>Finder definition info can be found/gathered elsewhere</a:t>
+            </a:r>
+            <a:endParaRPr lang="en-US" sz="1800" dirty="0">
+              <a:solidFill>
+                <a:schemeClr val="tx1"/>
+              </a:solidFill>
+            </a:endParaRPr>
+          </a:p>
+          <a:p>
+            <a:pPr marL="285750" indent="-285750">
+              <a:spcBef>
+                <a:spcPts val="300"/>
+              </a:spcBef>
+              <a:spcAft>
+                <a:spcPts val="300"/>
+              </a:spcAft>
+              <a:buFont typeface="Arial" panose="020B0604020202020204" pitchFamily="34" charset="0"/>
+              <a:buChar char="•"/>
+            </a:pPr>
+            <a:r>
+              <a:rPr lang="en-US" sz="2000" dirty="0"/>
+              <a:t>Customization</a:t>
+            </a:r>
+            <a:endParaRPr lang="en-US" sz="2000" dirty="0">
+              <a:solidFill>
+                <a:schemeClr val="tx1"/>
+              </a:solidFill>
+            </a:endParaRPr>
+          </a:p>
+          <a:p>
+            <a:pPr marL="973350" lvl="1" indent="-285750">
+              <a:spcBef>
+                <a:spcPts val="300"/>
+              </a:spcBef>
+              <a:spcAft>
+                <a:spcPts val="300"/>
+              </a:spcAft>
+            </a:pPr>
+            <a:r>
+              <a:rPr lang="en-US" dirty="0"/>
+              <a:t>Can’t add a partner finder to a Sage 300 screen</a:t>
+            </a:r>
+            <a:endParaRPr lang="en-US" sz="1800" dirty="0">
+              <a:solidFill>
+                <a:schemeClr val="tx1"/>
+              </a:solidFill>
+            </a:endParaRPr>
+          </a:p>
+          <a:p>
+            <a:pPr marL="285750" indent="-285750">
+              <a:spcBef>
+                <a:spcPts val="300"/>
+              </a:spcBef>
+              <a:spcAft>
+                <a:spcPts val="300"/>
+              </a:spcAft>
+              <a:buFont typeface="Arial" panose="020B0604020202020204" pitchFamily="34" charset="0"/>
+              <a:buChar char="•"/>
+            </a:pPr>
+            <a:r>
+              <a:rPr lang="en-US" sz="2000" dirty="0"/>
+              <a:t>Inefficient</a:t>
+            </a:r>
+            <a:endParaRPr lang="en-US" sz="2000" dirty="0">
+              <a:solidFill>
+                <a:schemeClr val="tx1"/>
+              </a:solidFill>
+            </a:endParaRPr>
+          </a:p>
+          <a:p>
+            <a:pPr marL="973350" lvl="1" indent="-285750">
+              <a:spcBef>
+                <a:spcPts val="300"/>
+              </a:spcBef>
+              <a:spcAft>
+                <a:spcPts val="300"/>
+              </a:spcAft>
+            </a:pPr>
+            <a:r>
+              <a:rPr lang="en-US" sz="1800" dirty="0">
+                <a:solidFill>
+                  <a:schemeClr val="tx1"/>
+                </a:solidFill>
+              </a:rPr>
+              <a:t>Designed to re-use </a:t>
+            </a:r>
+            <a:r>
+              <a:rPr lang="en-US" sz="1800" dirty="0" err="1">
+                <a:solidFill>
+                  <a:schemeClr val="tx1"/>
+                </a:solidFill>
+              </a:rPr>
+              <a:t>Controller</a:t>
+            </a:r>
+            <a:r>
+              <a:rPr lang="en-US" sz="1800" dirty="0" err="1">
+                <a:solidFill>
+                  <a:schemeClr val="tx1"/>
+                </a:solidFill>
+                <a:sym typeface="Wingdings" panose="05000000000000000000" pitchFamily="2" charset="2"/>
+              </a:rPr>
+              <a:t>ServiceRepository</a:t>
+            </a:r>
+            <a:r>
+              <a:rPr lang="en-US" sz="1800" dirty="0">
+                <a:solidFill>
+                  <a:schemeClr val="tx1"/>
+                </a:solidFill>
+                <a:sym typeface="Wingdings" panose="05000000000000000000" pitchFamily="2" charset="2"/>
+              </a:rPr>
+              <a:t> classes</a:t>
+            </a:r>
+            <a:endParaRPr lang="en-US" sz="1800" dirty="0">
+              <a:solidFill>
+                <a:schemeClr val="tx1"/>
+              </a:solidFill>
+            </a:endParaRPr>
+          </a:p>
+          <a:p>
+            <a:pPr marL="973350" lvl="1" indent="-285750">
+              <a:spcBef>
+                <a:spcPts val="300"/>
+              </a:spcBef>
+              <a:spcAft>
+                <a:spcPts val="300"/>
+              </a:spcAft>
+            </a:pPr>
+            <a:r>
+              <a:rPr lang="en-US" sz="1800" dirty="0">
+                <a:solidFill>
+                  <a:schemeClr val="tx1"/>
+                </a:solidFill>
+              </a:rPr>
+              <a:t>Maps Accpac view to model for all properties</a:t>
+            </a:r>
+          </a:p>
+          <a:p>
+            <a:pPr marL="973350" lvl="1" indent="-285750">
+              <a:spcBef>
+                <a:spcPts val="300"/>
+              </a:spcBef>
+              <a:spcAft>
+                <a:spcPts val="300"/>
+              </a:spcAft>
+            </a:pPr>
+            <a:r>
+              <a:rPr lang="en-US" dirty="0"/>
+              <a:t>Dynamic or on-the-fly finders are not possible</a:t>
+            </a:r>
+            <a:endParaRPr lang="en-US" sz="1800" dirty="0">
+              <a:solidFill>
+                <a:schemeClr val="tx1"/>
+              </a:solidFill>
+            </a:endParaRPr>
+          </a:p>
+        </p:txBody>
+      </p:sp>
+      <p:pic>
+        <p:nvPicPr>
+          <p:cNvPr id="7" name="Picture 6">
+            <a:extLst>
+              <a:ext uri="{FF2B5EF4-FFF2-40B4-BE49-F238E27FC236}">
+                <a16:creationId xmlns:a16="http://schemas.microsoft.com/office/drawing/2014/main" id="{B43EF6F3-415A-4BDF-8F6F-A66AA9DEC38F}"/>
+              </a:ext>
+            </a:extLst>
+          </p:cNvPr>
+          <p:cNvPicPr>
+            <a:picLocks noChangeAspect="1"/>
+          </p:cNvPicPr>
+          <p:nvPr/>
+        </p:nvPicPr>
+        <p:blipFill>
+          <a:blip r:embed="rId3"/>
+          <a:stretch>
+            <a:fillRect/>
+          </a:stretch>
+        </p:blipFill>
+        <p:spPr>
+          <a:xfrm>
+            <a:off x="8077200" y="1508760"/>
+            <a:ext cx="3581400" cy="3840432"/>
+          </a:xfrm>
+          <a:prstGeom prst="rect">
+            <a:avLst/>
+          </a:prstGeom>
+        </p:spPr>
+      </p:pic>
     </p:spTree>
     <p:extLst>
       <p:ext uri="{BB962C8B-B14F-4D97-AF65-F5344CB8AC3E}">
-        <p14:creationId xmlns:p14="http://schemas.microsoft.com/office/powerpoint/2010/main" val="1920212108"/>
+        <p14:creationId xmlns:p14="http://schemas.microsoft.com/office/powerpoint/2010/main" val="1915569349"/>
       </p:ext>
     </p:extLst>
   </p:cSld>
@@ -4403,14 +6531,20 @@
           <a:p>
             <a:r>
               <a:rPr lang="en-US" dirty="0"/>
-              <a:t>New Web Grid</a:t>
-            </a:r>
-          </a:p>
-        </p:txBody>
-      </p:sp>
-      <p:sp>
-        <p:nvSpPr>
-          <p:cNvPr id="12" name="Content Placeholder 4"/>
+              <a:t>Finder – New Design</a:t>
+            </a:r>
+          </a:p>
+        </p:txBody>
+      </p:sp>
+      <p:sp>
+        <p:nvSpPr>
+          <p:cNvPr id="6" name="Content Placeholder 2">
+            <a:extLst>
+              <a:ext uri="{FF2B5EF4-FFF2-40B4-BE49-F238E27FC236}">
+                <a16:creationId xmlns:a16="http://schemas.microsoft.com/office/drawing/2014/main" id="{BA7F91BA-13CB-493C-9B31-B601C1795C9B}"/>
+              </a:ext>
+            </a:extLst>
+          </p:cNvPr>
           <p:cNvSpPr>
             <a:spLocks noGrp="1"/>
           </p:cNvSpPr>
@@ -4420,34 +6554,237 @@
         </p:nvSpPr>
         <p:spPr>
           <a:xfrm>
-            <a:off x="466025" y="1366944"/>
-            <a:ext cx="9917047" cy="5008456"/>
+            <a:off x="381000" y="1600200"/>
+            <a:ext cx="7924800" cy="4876800"/>
           </a:xfrm>
         </p:spPr>
         <p:txBody>
-          <a:bodyPr numCol="1"/>
+          <a:bodyPr/>
           <a:lstStyle/>
           <a:p>
-            <a:pPr lvl="1"/>
+            <a:pPr marL="285750" indent="-285750">
+              <a:spcBef>
+                <a:spcPts val="300"/>
+              </a:spcBef>
+              <a:spcAft>
+                <a:spcPts val="300"/>
+              </a:spcAft>
+              <a:buFont typeface="Arial" panose="020B0604020202020204" pitchFamily="34" charset="0"/>
+              <a:buChar char="•"/>
+            </a:pPr>
+            <a:r>
+              <a:rPr lang="en-US" sz="2000" dirty="0">
+                <a:solidFill>
+                  <a:schemeClr val="tx1"/>
+                </a:solidFill>
+              </a:rPr>
+              <a:t>Minimal Code</a:t>
+            </a:r>
+          </a:p>
+          <a:p>
+            <a:pPr marL="973350" lvl="1" indent="-285750">
+              <a:spcBef>
+                <a:spcPts val="300"/>
+              </a:spcBef>
+              <a:spcAft>
+                <a:spcPts val="300"/>
+              </a:spcAft>
+            </a:pPr>
+            <a:r>
+              <a:rPr lang="en-US" dirty="0"/>
+              <a:t>Specify a definition in 1 line of code or use one of our definitions</a:t>
+            </a:r>
+            <a:endParaRPr lang="en-US" sz="1800" dirty="0">
+              <a:solidFill>
+                <a:schemeClr val="tx1"/>
+              </a:solidFill>
+            </a:endParaRPr>
+          </a:p>
+          <a:p>
+            <a:pPr marL="285750" indent="-285750">
+              <a:spcBef>
+                <a:spcPts val="300"/>
+              </a:spcBef>
+              <a:spcAft>
+                <a:spcPts val="300"/>
+              </a:spcAft>
+              <a:buFont typeface="Arial" panose="020B0604020202020204" pitchFamily="34" charset="0"/>
+              <a:buChar char="•"/>
+            </a:pPr>
             <a:r>
               <a:rPr lang="en-US" sz="2000" dirty="0"/>
-              <a:t>TBD</a:t>
-            </a:r>
-          </a:p>
-          <a:p>
-            <a:pPr lvl="1"/>
-            <a:endParaRPr lang="en-US" sz="2000" dirty="0"/>
-          </a:p>
-          <a:p>
-            <a:pPr lvl="1"/>
-            <a:endParaRPr lang="en-US" sz="2000" dirty="0"/>
-          </a:p>
-        </p:txBody>
-      </p:sp>
+              <a:t>Eliminate complex and redundant code</a:t>
+            </a:r>
+            <a:endParaRPr lang="en-US" sz="2000" dirty="0">
+              <a:solidFill>
+                <a:schemeClr val="tx1"/>
+              </a:solidFill>
+            </a:endParaRPr>
+          </a:p>
+          <a:p>
+            <a:pPr marL="973350" lvl="1" indent="-285750">
+              <a:spcBef>
+                <a:spcPts val="300"/>
+              </a:spcBef>
+              <a:spcAft>
+                <a:spcPts val="300"/>
+              </a:spcAft>
+            </a:pPr>
+            <a:r>
+              <a:rPr lang="en-US" sz="1800" dirty="0">
+                <a:solidFill>
+                  <a:schemeClr val="tx1"/>
+                </a:solidFill>
+              </a:rPr>
+              <a:t>Grid and column definitions will be discovered</a:t>
+            </a:r>
+          </a:p>
+          <a:p>
+            <a:pPr marL="285750" indent="-285750">
+              <a:spcBef>
+                <a:spcPts val="300"/>
+              </a:spcBef>
+              <a:spcAft>
+                <a:spcPts val="300"/>
+              </a:spcAft>
+              <a:buFont typeface="Arial" panose="020B0604020202020204" pitchFamily="34" charset="0"/>
+              <a:buChar char="•"/>
+            </a:pPr>
+            <a:r>
+              <a:rPr lang="en-US" sz="2000" dirty="0"/>
+              <a:t>Customization</a:t>
+            </a:r>
+            <a:endParaRPr lang="en-US" sz="2000" dirty="0">
+              <a:solidFill>
+                <a:schemeClr val="tx1"/>
+              </a:solidFill>
+            </a:endParaRPr>
+          </a:p>
+          <a:p>
+            <a:pPr marL="973350" lvl="1" indent="-285750">
+              <a:spcBef>
+                <a:spcPts val="300"/>
+              </a:spcBef>
+              <a:spcAft>
+                <a:spcPts val="300"/>
+              </a:spcAft>
+            </a:pPr>
+            <a:r>
+              <a:rPr lang="en-US" sz="1800" dirty="0">
+                <a:solidFill>
+                  <a:schemeClr val="tx1"/>
+                </a:solidFill>
+              </a:rPr>
+              <a:t>Put a partner finder on a Sage 300 screen and visa-versa</a:t>
+            </a:r>
+          </a:p>
+          <a:p>
+            <a:pPr marL="973350" lvl="1" indent="-285750">
+              <a:spcBef>
+                <a:spcPts val="300"/>
+              </a:spcBef>
+              <a:spcAft>
+                <a:spcPts val="300"/>
+              </a:spcAft>
+            </a:pPr>
+            <a:r>
+              <a:rPr lang="en-US" dirty="0"/>
+              <a:t>Ability to create dynamic finders</a:t>
+            </a:r>
+            <a:endParaRPr lang="en-US" sz="1800" dirty="0">
+              <a:solidFill>
+                <a:schemeClr val="tx1"/>
+              </a:solidFill>
+            </a:endParaRPr>
+          </a:p>
+          <a:p>
+            <a:pPr marL="285750" indent="-285750">
+              <a:spcBef>
+                <a:spcPts val="300"/>
+              </a:spcBef>
+              <a:spcAft>
+                <a:spcPts val="300"/>
+              </a:spcAft>
+              <a:buFont typeface="Arial" panose="020B0604020202020204" pitchFamily="34" charset="0"/>
+              <a:buChar char="•"/>
+            </a:pPr>
+            <a:r>
+              <a:rPr lang="en-US" sz="2000" dirty="0">
+                <a:solidFill>
+                  <a:schemeClr val="tx1"/>
+                </a:solidFill>
+              </a:rPr>
+              <a:t>Efficiency</a:t>
+            </a:r>
+          </a:p>
+          <a:p>
+            <a:pPr marL="973350" lvl="1" indent="-285750">
+              <a:spcBef>
+                <a:spcPts val="300"/>
+              </a:spcBef>
+              <a:spcAft>
+                <a:spcPts val="300"/>
+              </a:spcAft>
+            </a:pPr>
+            <a:r>
+              <a:rPr lang="en-US" dirty="0"/>
+              <a:t>Access Accpac View directly</a:t>
+            </a:r>
+          </a:p>
+          <a:p>
+            <a:pPr marL="973350" lvl="1" indent="-285750">
+              <a:spcBef>
+                <a:spcPts val="300"/>
+              </a:spcBef>
+              <a:spcAft>
+                <a:spcPts val="300"/>
+              </a:spcAft>
+            </a:pPr>
+            <a:r>
+              <a:rPr lang="en-US" sz="1800" dirty="0">
+                <a:solidFill>
+                  <a:schemeClr val="tx1"/>
+                </a:solidFill>
+              </a:rPr>
+              <a:t>No more inefficient mapping of all properties</a:t>
+            </a:r>
+          </a:p>
+        </p:txBody>
+      </p:sp>
+      <p:pic>
+        <p:nvPicPr>
+          <p:cNvPr id="5" name="Picture 4">
+            <a:extLst>
+              <a:ext uri="{FF2B5EF4-FFF2-40B4-BE49-F238E27FC236}">
+                <a16:creationId xmlns:a16="http://schemas.microsoft.com/office/drawing/2014/main" id="{A65D80C6-9D04-4CF0-B6E9-D62734B2DBDB}"/>
+              </a:ext>
+            </a:extLst>
+          </p:cNvPr>
+          <p:cNvPicPr>
+            <a:picLocks noChangeAspect="1"/>
+          </p:cNvPicPr>
+          <p:nvPr/>
+        </p:nvPicPr>
+        <p:blipFill>
+          <a:blip r:embed="rId3"/>
+          <a:stretch>
+            <a:fillRect/>
+          </a:stretch>
+        </p:blipFill>
+        <p:spPr>
+          <a:xfrm>
+            <a:off x="8458200" y="1781175"/>
+            <a:ext cx="3514725" cy="4514850"/>
+          </a:xfrm>
+          <a:prstGeom prst="rect">
+            <a:avLst/>
+          </a:prstGeom>
+        </p:spPr>
+      </p:pic>
     </p:spTree>
     <p:extLst>
       <p:ext uri="{BB962C8B-B14F-4D97-AF65-F5344CB8AC3E}">
-        <p14:creationId xmlns:p14="http://schemas.microsoft.com/office/powerpoint/2010/main" val="1915569349"/>
+        <p14:creationId xmlns:p14="http://schemas.microsoft.com/office/powerpoint/2010/main" val="3767561312"/>
       </p:ext>
     </p:extLst>
   </p:cSld>
@@ -4458,6 +6795,3993 @@
 </file>
 
 <file path=ppt/slides/slide14.xml><?xml version="1.0" encoding="utf-8"?>
+<p:sld xmlns:a="http://schemas.openxmlformats.org/drawingml/2006/main" xmlns:r="http://schemas.openxmlformats.org/officeDocument/2006/relationships" xmlns:p="http://schemas.openxmlformats.org/presentationml/2006/main">
+  <p:cSld>
+    <p:spTree>
+      <p:nvGrpSpPr>
+        <p:cNvPr id="1" name=""/>
+        <p:cNvGrpSpPr/>
+        <p:nvPr/>
+      </p:nvGrpSpPr>
+      <p:grpSpPr>
+        <a:xfrm>
+          <a:off x="0" y="0"/>
+          <a:ext cx="0" cy="0"/>
+          <a:chOff x="0" y="0"/>
+          <a:chExt cx="0" cy="0"/>
+        </a:xfrm>
+      </p:grpSpPr>
+      <p:sp>
+        <p:nvSpPr>
+          <p:cNvPr id="8" name="Title 7"/>
+          <p:cNvSpPr>
+            <a:spLocks noGrp="1"/>
+          </p:cNvSpPr>
+          <p:nvPr>
+            <p:ph type="title"/>
+          </p:nvPr>
+        </p:nvSpPr>
+        <p:spPr/>
+        <p:txBody>
+          <a:bodyPr/>
+          <a:lstStyle/>
+          <a:p>
+            <a:r>
+              <a:rPr lang="en-US" dirty="0"/>
+              <a:t>Finder – New Interface</a:t>
+            </a:r>
+          </a:p>
+        </p:txBody>
+      </p:sp>
+      <p:sp>
+        <p:nvSpPr>
+          <p:cNvPr id="6" name="Content Placeholder 2">
+            <a:extLst>
+              <a:ext uri="{FF2B5EF4-FFF2-40B4-BE49-F238E27FC236}">
+                <a16:creationId xmlns:a16="http://schemas.microsoft.com/office/drawing/2014/main" id="{BA7F91BA-13CB-493C-9B31-B601C1795C9B}"/>
+              </a:ext>
+            </a:extLst>
+          </p:cNvPr>
+          <p:cNvSpPr>
+            <a:spLocks noGrp="1"/>
+          </p:cNvSpPr>
+          <p:nvPr>
+            <p:ph idx="1"/>
+          </p:nvPr>
+        </p:nvSpPr>
+        <p:spPr>
+          <a:xfrm>
+            <a:off x="562753" y="2035124"/>
+            <a:ext cx="7924800" cy="471195"/>
+          </a:xfrm>
+        </p:spPr>
+        <p:txBody>
+          <a:bodyPr/>
+          <a:lstStyle/>
+          <a:p>
+            <a:pPr marL="285750" indent="-285750">
+              <a:spcBef>
+                <a:spcPts val="300"/>
+              </a:spcBef>
+              <a:spcAft>
+                <a:spcPts val="300"/>
+              </a:spcAft>
+              <a:buFont typeface="Arial" panose="020B0604020202020204" pitchFamily="34" charset="0"/>
+              <a:buChar char="•"/>
+            </a:pPr>
+            <a:r>
+              <a:rPr lang="en-US" sz="2000" dirty="0"/>
+              <a:t>Define your own</a:t>
+            </a:r>
+          </a:p>
+        </p:txBody>
+      </p:sp>
+      <p:pic>
+        <p:nvPicPr>
+          <p:cNvPr id="2" name="Picture 1">
+            <a:extLst>
+              <a:ext uri="{FF2B5EF4-FFF2-40B4-BE49-F238E27FC236}">
+                <a16:creationId xmlns:a16="http://schemas.microsoft.com/office/drawing/2014/main" id="{CB883C25-0ACE-499E-B0E5-5EA81BE984EE}"/>
+              </a:ext>
+            </a:extLst>
+          </p:cNvPr>
+          <p:cNvPicPr>
+            <a:picLocks noChangeAspect="1"/>
+          </p:cNvPicPr>
+          <p:nvPr/>
+        </p:nvPicPr>
+        <p:blipFill>
+          <a:blip r:embed="rId3"/>
+          <a:stretch>
+            <a:fillRect/>
+          </a:stretch>
+        </p:blipFill>
+        <p:spPr>
+          <a:xfrm>
+            <a:off x="562753" y="2448493"/>
+            <a:ext cx="11096625" cy="2238375"/>
+          </a:xfrm>
+          <a:prstGeom prst="rect">
+            <a:avLst/>
+          </a:prstGeom>
+        </p:spPr>
+      </p:pic>
+      <p:sp>
+        <p:nvSpPr>
+          <p:cNvPr id="7" name="Content Placeholder 2">
+            <a:extLst>
+              <a:ext uri="{FF2B5EF4-FFF2-40B4-BE49-F238E27FC236}">
+                <a16:creationId xmlns:a16="http://schemas.microsoft.com/office/drawing/2014/main" id="{E7FCC339-D53E-43A6-9A12-500163972455}"/>
+              </a:ext>
+            </a:extLst>
+          </p:cNvPr>
+          <p:cNvSpPr txBox="1">
+            <a:spLocks/>
+          </p:cNvSpPr>
+          <p:nvPr/>
+        </p:nvSpPr>
+        <p:spPr bwMode="gray">
+          <a:xfrm>
+            <a:off x="487680" y="4853280"/>
+            <a:ext cx="7924800" cy="471195"/>
+          </a:xfrm>
+          <a:prstGeom prst="rect">
+            <a:avLst/>
+          </a:prstGeom>
+        </p:spPr>
+        <p:txBody>
+          <a:bodyPr vert="horz" lIns="0" tIns="0" rIns="0" bIns="0" rtlCol="0" anchor="t" anchorCtr="0">
+            <a:noAutofit/>
+          </a:bodyPr>
+          <a:lstStyle>
+            <a:lvl1pPr marL="0" indent="0" algn="l" defTabSz="914377" rtl="0" eaLnBrk="1" latinLnBrk="0" hangingPunct="1">
+              <a:lnSpc>
+                <a:spcPct val="110000"/>
+              </a:lnSpc>
+              <a:spcBef>
+                <a:spcPts val="1000"/>
+              </a:spcBef>
+              <a:buFont typeface="Arial" panose="020B0604020202020204" pitchFamily="34" charset="0"/>
+              <a:buNone/>
+              <a:defRPr sz="1800" b="0" kern="1200" spc="-20" baseline="0">
+                <a:solidFill>
+                  <a:schemeClr val="tx1"/>
+                </a:solidFill>
+                <a:latin typeface="+mn-lt"/>
+                <a:ea typeface="+mn-ea"/>
+                <a:cs typeface="+mn-cs"/>
+              </a:defRPr>
+            </a:lvl1pPr>
+            <a:lvl2pPr marL="182558" indent="-182558" algn="l" defTabSz="914377" rtl="0" eaLnBrk="1" latinLnBrk="0" hangingPunct="1">
+              <a:lnSpc>
+                <a:spcPct val="110000"/>
+              </a:lnSpc>
+              <a:spcBef>
+                <a:spcPts val="1000"/>
+              </a:spcBef>
+              <a:buClr>
+                <a:srgbClr val="FFB000"/>
+              </a:buClr>
+              <a:buFont typeface="Arial" panose="020B0604020202020204" pitchFamily="34" charset="0"/>
+              <a:buChar char="•"/>
+              <a:defRPr sz="1800" kern="1200" spc="-20" baseline="0">
+                <a:solidFill>
+                  <a:schemeClr val="tx1"/>
+                </a:solidFill>
+                <a:latin typeface="+mn-lt"/>
+                <a:ea typeface="+mn-ea"/>
+                <a:cs typeface="+mn-cs"/>
+              </a:defRPr>
+            </a:lvl2pPr>
+            <a:lvl3pPr marL="357179" indent="-174621" algn="l" defTabSz="914377" rtl="0" eaLnBrk="1" latinLnBrk="0" hangingPunct="1">
+              <a:lnSpc>
+                <a:spcPct val="110000"/>
+              </a:lnSpc>
+              <a:spcBef>
+                <a:spcPts val="1000"/>
+              </a:spcBef>
+              <a:buClr>
+                <a:srgbClr val="FFB000"/>
+              </a:buClr>
+              <a:buFont typeface="Arial" panose="020B0604020202020204" pitchFamily="34" charset="0"/>
+              <a:buChar char="−"/>
+              <a:defRPr sz="1400" kern="1200" spc="-20" baseline="0">
+                <a:solidFill>
+                  <a:schemeClr val="tx1"/>
+                </a:solidFill>
+                <a:latin typeface="+mn-lt"/>
+                <a:ea typeface="+mn-ea"/>
+                <a:cs typeface="+mn-cs"/>
+              </a:defRPr>
+            </a:lvl3pPr>
+            <a:lvl4pPr marL="539737" indent="-182558" algn="l" defTabSz="914377" rtl="0" eaLnBrk="1" latinLnBrk="0" hangingPunct="1">
+              <a:lnSpc>
+                <a:spcPct val="110000"/>
+              </a:lnSpc>
+              <a:spcBef>
+                <a:spcPts val="1000"/>
+              </a:spcBef>
+              <a:buClr>
+                <a:srgbClr val="FFB000"/>
+              </a:buClr>
+              <a:buFont typeface="Arial" panose="020B0604020202020204" pitchFamily="34" charset="0"/>
+              <a:buChar char="•"/>
+              <a:defRPr sz="1200" kern="1200" spc="-20" baseline="0">
+                <a:solidFill>
+                  <a:schemeClr val="tx1"/>
+                </a:solidFill>
+                <a:latin typeface="+mn-lt"/>
+                <a:ea typeface="+mn-ea"/>
+                <a:cs typeface="+mn-cs"/>
+              </a:defRPr>
+            </a:lvl4pPr>
+            <a:lvl5pPr marL="712770" indent="-173034" algn="l" defTabSz="914377" rtl="0" eaLnBrk="1" latinLnBrk="0" hangingPunct="1">
+              <a:lnSpc>
+                <a:spcPct val="110000"/>
+              </a:lnSpc>
+              <a:spcBef>
+                <a:spcPts val="1000"/>
+              </a:spcBef>
+              <a:buClr>
+                <a:srgbClr val="FFB000"/>
+              </a:buClr>
+              <a:buFont typeface="Arial" panose="020B0604020202020204" pitchFamily="34" charset="0"/>
+              <a:buChar char="−"/>
+              <a:defRPr sz="1200" kern="1200" spc="-20" baseline="0">
+                <a:solidFill>
+                  <a:schemeClr val="tx1"/>
+                </a:solidFill>
+                <a:latin typeface="+mn-lt"/>
+                <a:ea typeface="+mn-ea"/>
+                <a:cs typeface="+mn-cs"/>
+              </a:defRPr>
+            </a:lvl5pPr>
+            <a:lvl6pPr marL="2514537" indent="-228594" algn="l" defTabSz="914377" rtl="0" eaLnBrk="1" latinLnBrk="0" hangingPunct="1">
+              <a:lnSpc>
+                <a:spcPct val="90000"/>
+              </a:lnSpc>
+              <a:spcBef>
+                <a:spcPts val="500"/>
+              </a:spcBef>
+              <a:buFont typeface="Arial" panose="020B0604020202020204" pitchFamily="34" charset="0"/>
+              <a:buChar char="•"/>
+              <a:defRPr sz="1800" kern="1200">
+                <a:solidFill>
+                  <a:schemeClr val="tx1"/>
+                </a:solidFill>
+                <a:latin typeface="+mn-lt"/>
+                <a:ea typeface="+mn-ea"/>
+                <a:cs typeface="+mn-cs"/>
+              </a:defRPr>
+            </a:lvl6pPr>
+            <a:lvl7pPr marL="2971726" indent="-228594" algn="l" defTabSz="914377" rtl="0" eaLnBrk="1" latinLnBrk="0" hangingPunct="1">
+              <a:lnSpc>
+                <a:spcPct val="90000"/>
+              </a:lnSpc>
+              <a:spcBef>
+                <a:spcPts val="500"/>
+              </a:spcBef>
+              <a:buFont typeface="Arial" panose="020B0604020202020204" pitchFamily="34" charset="0"/>
+              <a:buChar char="•"/>
+              <a:defRPr sz="1800" kern="1200">
+                <a:solidFill>
+                  <a:schemeClr val="tx1"/>
+                </a:solidFill>
+                <a:latin typeface="+mn-lt"/>
+                <a:ea typeface="+mn-ea"/>
+                <a:cs typeface="+mn-cs"/>
+              </a:defRPr>
+            </a:lvl7pPr>
+            <a:lvl8pPr marL="3428914" indent="-228594" algn="l" defTabSz="914377" rtl="0" eaLnBrk="1" latinLnBrk="0" hangingPunct="1">
+              <a:lnSpc>
+                <a:spcPct val="90000"/>
+              </a:lnSpc>
+              <a:spcBef>
+                <a:spcPts val="500"/>
+              </a:spcBef>
+              <a:buFont typeface="Arial" panose="020B0604020202020204" pitchFamily="34" charset="0"/>
+              <a:buChar char="•"/>
+              <a:defRPr sz="1800" kern="1200">
+                <a:solidFill>
+                  <a:schemeClr val="tx1"/>
+                </a:solidFill>
+                <a:latin typeface="+mn-lt"/>
+                <a:ea typeface="+mn-ea"/>
+                <a:cs typeface="+mn-cs"/>
+              </a:defRPr>
+            </a:lvl8pPr>
+            <a:lvl9pPr marL="3886103" indent="-228594" algn="l" defTabSz="914377" rtl="0" eaLnBrk="1" latinLnBrk="0" hangingPunct="1">
+              <a:lnSpc>
+                <a:spcPct val="90000"/>
+              </a:lnSpc>
+              <a:spcBef>
+                <a:spcPts val="500"/>
+              </a:spcBef>
+              <a:buFont typeface="Arial" panose="020B0604020202020204" pitchFamily="34" charset="0"/>
+              <a:buChar char="•"/>
+              <a:defRPr sz="1800" kern="1200">
+                <a:solidFill>
+                  <a:schemeClr val="tx1"/>
+                </a:solidFill>
+                <a:latin typeface="+mn-lt"/>
+                <a:ea typeface="+mn-ea"/>
+                <a:cs typeface="+mn-cs"/>
+              </a:defRPr>
+            </a:lvl9pPr>
+          </a:lstStyle>
+          <a:p>
+            <a:pPr marL="285750" indent="-285750">
+              <a:spcBef>
+                <a:spcPts val="300"/>
+              </a:spcBef>
+              <a:spcAft>
+                <a:spcPts val="300"/>
+              </a:spcAft>
+              <a:buFont typeface="Arial" panose="020B0604020202020204" pitchFamily="34" charset="0"/>
+              <a:buChar char="•"/>
+            </a:pPr>
+            <a:r>
+              <a:rPr lang="en-US" sz="2000" dirty="0"/>
+              <a:t>Use one of ours</a:t>
+            </a:r>
+          </a:p>
+        </p:txBody>
+      </p:sp>
+      <p:pic>
+        <p:nvPicPr>
+          <p:cNvPr id="3" name="Picture 2">
+            <a:extLst>
+              <a:ext uri="{FF2B5EF4-FFF2-40B4-BE49-F238E27FC236}">
+                <a16:creationId xmlns:a16="http://schemas.microsoft.com/office/drawing/2014/main" id="{D76FB673-FDDB-4D4A-9B2F-DF62A2B85DCB}"/>
+              </a:ext>
+            </a:extLst>
+          </p:cNvPr>
+          <p:cNvPicPr>
+            <a:picLocks noChangeAspect="1"/>
+          </p:cNvPicPr>
+          <p:nvPr/>
+        </p:nvPicPr>
+        <p:blipFill>
+          <a:blip r:embed="rId4"/>
+          <a:stretch>
+            <a:fillRect/>
+          </a:stretch>
+        </p:blipFill>
+        <p:spPr>
+          <a:xfrm>
+            <a:off x="562753" y="5324475"/>
+            <a:ext cx="11210925" cy="1533525"/>
+          </a:xfrm>
+          <a:prstGeom prst="rect">
+            <a:avLst/>
+          </a:prstGeom>
+        </p:spPr>
+      </p:pic>
+      <p:sp>
+        <p:nvSpPr>
+          <p:cNvPr id="4" name="Rectangle 3">
+            <a:extLst>
+              <a:ext uri="{FF2B5EF4-FFF2-40B4-BE49-F238E27FC236}">
+                <a16:creationId xmlns:a16="http://schemas.microsoft.com/office/drawing/2014/main" id="{38D580F8-7020-425F-B8E0-B8506DB098DD}"/>
+              </a:ext>
+            </a:extLst>
+          </p:cNvPr>
+          <p:cNvSpPr/>
+          <p:nvPr/>
+        </p:nvSpPr>
+        <p:spPr>
+          <a:xfrm>
+            <a:off x="487680" y="1184443"/>
+            <a:ext cx="6096000" cy="723275"/>
+          </a:xfrm>
+          <a:prstGeom prst="rect">
+            <a:avLst/>
+          </a:prstGeom>
+        </p:spPr>
+        <p:txBody>
+          <a:bodyPr>
+            <a:spAutoFit/>
+          </a:bodyPr>
+          <a:lstStyle/>
+          <a:p>
+            <a:pPr marL="285750" indent="-285750">
+              <a:spcBef>
+                <a:spcPts val="300"/>
+              </a:spcBef>
+              <a:spcAft>
+                <a:spcPts val="300"/>
+              </a:spcAft>
+              <a:buFont typeface="Arial" panose="020B0604020202020204" pitchFamily="34" charset="0"/>
+              <a:buChar char="•"/>
+            </a:pPr>
+            <a:r>
+              <a:rPr lang="en-US" sz="2000" dirty="0"/>
+              <a:t>Documentation</a:t>
+            </a:r>
+          </a:p>
+          <a:p>
+            <a:pPr marL="468308" lvl="1" indent="-285750">
+              <a:spcBef>
+                <a:spcPts val="300"/>
+              </a:spcBef>
+              <a:spcAft>
+                <a:spcPts val="300"/>
+              </a:spcAft>
+            </a:pPr>
+            <a:r>
+              <a:rPr lang="en-US" sz="1600" dirty="0"/>
+              <a:t>Sage300SDK-FinderInterface.docx</a:t>
+            </a:r>
+          </a:p>
+        </p:txBody>
+      </p:sp>
+    </p:spTree>
+    <p:extLst>
+      <p:ext uri="{BB962C8B-B14F-4D97-AF65-F5344CB8AC3E}">
+        <p14:creationId xmlns:p14="http://schemas.microsoft.com/office/powerpoint/2010/main" val="848821269"/>
+      </p:ext>
+    </p:extLst>
+  </p:cSld>
+  <p:clrMapOvr>
+    <a:masterClrMapping/>
+  </p:clrMapOvr>
+</p:sld>
+</file>
+
+<file path=ppt/slides/slide15.xml><?xml version="1.0" encoding="utf-8"?>
+<p:sld xmlns:a="http://schemas.openxmlformats.org/drawingml/2006/main" xmlns:r="http://schemas.openxmlformats.org/officeDocument/2006/relationships" xmlns:p="http://schemas.openxmlformats.org/presentationml/2006/main">
+  <p:cSld>
+    <p:spTree>
+      <p:nvGrpSpPr>
+        <p:cNvPr id="1" name=""/>
+        <p:cNvGrpSpPr/>
+        <p:nvPr/>
+      </p:nvGrpSpPr>
+      <p:grpSpPr>
+        <a:xfrm>
+          <a:off x="0" y="0"/>
+          <a:ext cx="0" cy="0"/>
+          <a:chOff x="0" y="0"/>
+          <a:chExt cx="0" cy="0"/>
+        </a:xfrm>
+      </p:grpSpPr>
+      <p:sp>
+        <p:nvSpPr>
+          <p:cNvPr id="8" name="Title 7"/>
+          <p:cNvSpPr>
+            <a:spLocks noGrp="1"/>
+          </p:cNvSpPr>
+          <p:nvPr>
+            <p:ph type="title"/>
+          </p:nvPr>
+        </p:nvSpPr>
+        <p:spPr/>
+        <p:txBody>
+          <a:bodyPr/>
+          <a:lstStyle/>
+          <a:p>
+            <a:r>
+              <a:rPr lang="en-US" dirty="0"/>
+              <a:t>Finder – Finder Properties</a:t>
+            </a:r>
+          </a:p>
+        </p:txBody>
+      </p:sp>
+      <p:sp>
+        <p:nvSpPr>
+          <p:cNvPr id="6" name="Content Placeholder 2">
+            <a:extLst>
+              <a:ext uri="{FF2B5EF4-FFF2-40B4-BE49-F238E27FC236}">
+                <a16:creationId xmlns:a16="http://schemas.microsoft.com/office/drawing/2014/main" id="{BA7F91BA-13CB-493C-9B31-B601C1795C9B}"/>
+              </a:ext>
+            </a:extLst>
+          </p:cNvPr>
+          <p:cNvSpPr>
+            <a:spLocks noGrp="1"/>
+          </p:cNvSpPr>
+          <p:nvPr>
+            <p:ph idx="1"/>
+          </p:nvPr>
+        </p:nvSpPr>
+        <p:spPr>
+          <a:xfrm>
+            <a:off x="418321" y="1254968"/>
+            <a:ext cx="10386527" cy="471195"/>
+          </a:xfrm>
+        </p:spPr>
+        <p:txBody>
+          <a:bodyPr/>
+          <a:lstStyle/>
+          <a:p>
+            <a:pPr marL="285750" indent="-285750">
+              <a:spcBef>
+                <a:spcPts val="300"/>
+              </a:spcBef>
+              <a:spcAft>
+                <a:spcPts val="300"/>
+              </a:spcAft>
+              <a:buFont typeface="Arial" panose="020B0604020202020204" pitchFamily="34" charset="0"/>
+              <a:buChar char="•"/>
+            </a:pPr>
+            <a:r>
+              <a:rPr lang="en-US" dirty="0"/>
+              <a:t>Sage.CA.SBS.ERP.Sage300.Common.Plugin.ViewFinderProperties.js</a:t>
+            </a:r>
+          </a:p>
+          <a:p>
+            <a:pPr marL="468308" lvl="1" indent="-285750">
+              <a:spcBef>
+                <a:spcPts val="300"/>
+              </a:spcBef>
+              <a:spcAft>
+                <a:spcPts val="300"/>
+              </a:spcAft>
+            </a:pPr>
+            <a:r>
+              <a:rPr lang="en-US" dirty="0"/>
+              <a:t>Minimal definitions for 2019.2</a:t>
+            </a:r>
+          </a:p>
+          <a:p>
+            <a:pPr marL="468308" lvl="1" indent="-285750">
+              <a:spcBef>
+                <a:spcPts val="300"/>
+              </a:spcBef>
+              <a:spcAft>
+                <a:spcPts val="300"/>
+              </a:spcAft>
+            </a:pPr>
+            <a:r>
+              <a:rPr lang="en-US" dirty="0"/>
+              <a:t>More definitions coming in 2020</a:t>
+            </a:r>
+          </a:p>
+        </p:txBody>
+      </p:sp>
+      <p:pic>
+        <p:nvPicPr>
+          <p:cNvPr id="4" name="Picture 3">
+            <a:extLst>
+              <a:ext uri="{FF2B5EF4-FFF2-40B4-BE49-F238E27FC236}">
+                <a16:creationId xmlns:a16="http://schemas.microsoft.com/office/drawing/2014/main" id="{573930FA-0BAD-4525-A446-7ABEBB2007C2}"/>
+              </a:ext>
+            </a:extLst>
+          </p:cNvPr>
+          <p:cNvPicPr>
+            <a:picLocks noChangeAspect="1"/>
+          </p:cNvPicPr>
+          <p:nvPr/>
+        </p:nvPicPr>
+        <p:blipFill>
+          <a:blip r:embed="rId3"/>
+          <a:stretch>
+            <a:fillRect/>
+          </a:stretch>
+        </p:blipFill>
+        <p:spPr>
+          <a:xfrm>
+            <a:off x="4758613" y="2044960"/>
+            <a:ext cx="7128588" cy="4146919"/>
+          </a:xfrm>
+          <a:prstGeom prst="rect">
+            <a:avLst/>
+          </a:prstGeom>
+        </p:spPr>
+      </p:pic>
+    </p:spTree>
+    <p:extLst>
+      <p:ext uri="{BB962C8B-B14F-4D97-AF65-F5344CB8AC3E}">
+        <p14:creationId xmlns:p14="http://schemas.microsoft.com/office/powerpoint/2010/main" val="412764714"/>
+      </p:ext>
+    </p:extLst>
+  </p:cSld>
+  <p:clrMapOvr>
+    <a:masterClrMapping/>
+  </p:clrMapOvr>
+</p:sld>
+</file>
+
+<file path=ppt/slides/slide16.xml><?xml version="1.0" encoding="utf-8"?>
+<p:sld xmlns:a="http://schemas.openxmlformats.org/drawingml/2006/main" xmlns:r="http://schemas.openxmlformats.org/officeDocument/2006/relationships" xmlns:p="http://schemas.openxmlformats.org/presentationml/2006/main">
+  <p:cSld>
+    <p:spTree>
+      <p:nvGrpSpPr>
+        <p:cNvPr id="1" name=""/>
+        <p:cNvGrpSpPr/>
+        <p:nvPr/>
+      </p:nvGrpSpPr>
+      <p:grpSpPr>
+        <a:xfrm>
+          <a:off x="0" y="0"/>
+          <a:ext cx="0" cy="0"/>
+          <a:chOff x="0" y="0"/>
+          <a:chExt cx="0" cy="0"/>
+        </a:xfrm>
+      </p:grpSpPr>
+      <p:sp>
+        <p:nvSpPr>
+          <p:cNvPr id="8" name="Title 7"/>
+          <p:cNvSpPr>
+            <a:spLocks noGrp="1"/>
+          </p:cNvSpPr>
+          <p:nvPr>
+            <p:ph type="title"/>
+          </p:nvPr>
+        </p:nvSpPr>
+        <p:spPr/>
+        <p:txBody>
+          <a:bodyPr/>
+          <a:lstStyle/>
+          <a:p>
+            <a:r>
+              <a:rPr lang="en-US" dirty="0"/>
+              <a:t>Finder – Old Vs. New Finder</a:t>
+            </a:r>
+          </a:p>
+        </p:txBody>
+      </p:sp>
+      <p:sp>
+        <p:nvSpPr>
+          <p:cNvPr id="6" name="Content Placeholder 2">
+            <a:extLst>
+              <a:ext uri="{FF2B5EF4-FFF2-40B4-BE49-F238E27FC236}">
+                <a16:creationId xmlns:a16="http://schemas.microsoft.com/office/drawing/2014/main" id="{BA7F91BA-13CB-493C-9B31-B601C1795C9B}"/>
+              </a:ext>
+            </a:extLst>
+          </p:cNvPr>
+          <p:cNvSpPr>
+            <a:spLocks noGrp="1"/>
+          </p:cNvSpPr>
+          <p:nvPr>
+            <p:ph idx="1"/>
+          </p:nvPr>
+        </p:nvSpPr>
+        <p:spPr>
+          <a:xfrm>
+            <a:off x="418321" y="1254968"/>
+            <a:ext cx="10386527" cy="1550144"/>
+          </a:xfrm>
+        </p:spPr>
+        <p:txBody>
+          <a:bodyPr/>
+          <a:lstStyle/>
+          <a:p>
+            <a:pPr marL="285750" indent="-285750">
+              <a:spcBef>
+                <a:spcPts val="300"/>
+              </a:spcBef>
+              <a:spcAft>
+                <a:spcPts val="300"/>
+              </a:spcAft>
+              <a:buFont typeface="Arial" panose="020B0604020202020204" pitchFamily="34" charset="0"/>
+              <a:buChar char="•"/>
+            </a:pPr>
+            <a:r>
+              <a:rPr lang="en-US" dirty="0"/>
+              <a:t>Old finders will continue to work</a:t>
+            </a:r>
+          </a:p>
+          <a:p>
+            <a:pPr marL="285750" indent="-285750">
+              <a:spcBef>
+                <a:spcPts val="300"/>
+              </a:spcBef>
+              <a:spcAft>
+                <a:spcPts val="300"/>
+              </a:spcAft>
+              <a:buFont typeface="Arial" panose="020B0604020202020204" pitchFamily="34" charset="0"/>
+              <a:buChar char="•"/>
+            </a:pPr>
+            <a:r>
+              <a:rPr lang="en-US" dirty="0"/>
+              <a:t>Upgrade wizard will not replace existing old finders</a:t>
+            </a:r>
+          </a:p>
+          <a:p>
+            <a:pPr marL="285750" indent="-285750">
+              <a:spcBef>
+                <a:spcPts val="300"/>
+              </a:spcBef>
+              <a:spcAft>
+                <a:spcPts val="300"/>
+              </a:spcAft>
+              <a:buFont typeface="Arial" panose="020B0604020202020204" pitchFamily="34" charset="0"/>
+              <a:buChar char="•"/>
+            </a:pPr>
+            <a:r>
+              <a:rPr lang="en-US" dirty="0"/>
+              <a:t>Code Generation wizard will generate new finder logic</a:t>
+            </a:r>
+          </a:p>
+          <a:p>
+            <a:pPr marL="285750" indent="-285750">
+              <a:spcBef>
+                <a:spcPts val="300"/>
+              </a:spcBef>
+              <a:spcAft>
+                <a:spcPts val="300"/>
+              </a:spcAft>
+              <a:buFont typeface="Arial" panose="020B0604020202020204" pitchFamily="34" charset="0"/>
+              <a:buChar char="•"/>
+            </a:pPr>
+            <a:r>
+              <a:rPr lang="en-US" dirty="0"/>
+              <a:t>Web.config setting for controlling display of new finder</a:t>
+            </a:r>
+          </a:p>
+        </p:txBody>
+      </p:sp>
+      <p:pic>
+        <p:nvPicPr>
+          <p:cNvPr id="2" name="Picture 1">
+            <a:extLst>
+              <a:ext uri="{FF2B5EF4-FFF2-40B4-BE49-F238E27FC236}">
+                <a16:creationId xmlns:a16="http://schemas.microsoft.com/office/drawing/2014/main" id="{E3D858B6-2B65-4DDC-AFEB-40804F1A2961}"/>
+              </a:ext>
+            </a:extLst>
+          </p:cNvPr>
+          <p:cNvPicPr>
+            <a:picLocks noChangeAspect="1"/>
+          </p:cNvPicPr>
+          <p:nvPr/>
+        </p:nvPicPr>
+        <p:blipFill>
+          <a:blip r:embed="rId3"/>
+          <a:stretch>
+            <a:fillRect/>
+          </a:stretch>
+        </p:blipFill>
+        <p:spPr>
+          <a:xfrm>
+            <a:off x="634776" y="2805112"/>
+            <a:ext cx="9601200" cy="1247775"/>
+          </a:xfrm>
+          <a:prstGeom prst="rect">
+            <a:avLst/>
+          </a:prstGeom>
+        </p:spPr>
+      </p:pic>
+      <p:sp>
+        <p:nvSpPr>
+          <p:cNvPr id="7" name="Content Placeholder 2">
+            <a:extLst>
+              <a:ext uri="{FF2B5EF4-FFF2-40B4-BE49-F238E27FC236}">
+                <a16:creationId xmlns:a16="http://schemas.microsoft.com/office/drawing/2014/main" id="{87EE4501-30E8-4E9E-8460-6723A1B4E4D9}"/>
+              </a:ext>
+            </a:extLst>
+          </p:cNvPr>
+          <p:cNvSpPr txBox="1">
+            <a:spLocks/>
+          </p:cNvSpPr>
+          <p:nvPr/>
+        </p:nvSpPr>
+        <p:spPr bwMode="gray">
+          <a:xfrm>
+            <a:off x="487680" y="4241726"/>
+            <a:ext cx="10386527" cy="1550144"/>
+          </a:xfrm>
+          <a:prstGeom prst="rect">
+            <a:avLst/>
+          </a:prstGeom>
+        </p:spPr>
+        <p:txBody>
+          <a:bodyPr vert="horz" lIns="0" tIns="0" rIns="0" bIns="0" rtlCol="0" anchor="t" anchorCtr="0">
+            <a:noAutofit/>
+          </a:bodyPr>
+          <a:lstStyle>
+            <a:lvl1pPr marL="0" indent="0" algn="l" defTabSz="914377" rtl="0" eaLnBrk="1" latinLnBrk="0" hangingPunct="1">
+              <a:lnSpc>
+                <a:spcPct val="110000"/>
+              </a:lnSpc>
+              <a:spcBef>
+                <a:spcPts val="1000"/>
+              </a:spcBef>
+              <a:buFont typeface="Arial" panose="020B0604020202020204" pitchFamily="34" charset="0"/>
+              <a:buNone/>
+              <a:defRPr sz="1800" b="0" kern="1200" spc="-20" baseline="0">
+                <a:solidFill>
+                  <a:schemeClr val="tx1"/>
+                </a:solidFill>
+                <a:latin typeface="+mn-lt"/>
+                <a:ea typeface="+mn-ea"/>
+                <a:cs typeface="+mn-cs"/>
+              </a:defRPr>
+            </a:lvl1pPr>
+            <a:lvl2pPr marL="182558" indent="-182558" algn="l" defTabSz="914377" rtl="0" eaLnBrk="1" latinLnBrk="0" hangingPunct="1">
+              <a:lnSpc>
+                <a:spcPct val="110000"/>
+              </a:lnSpc>
+              <a:spcBef>
+                <a:spcPts val="1000"/>
+              </a:spcBef>
+              <a:buClr>
+                <a:srgbClr val="FFB000"/>
+              </a:buClr>
+              <a:buFont typeface="Arial" panose="020B0604020202020204" pitchFamily="34" charset="0"/>
+              <a:buChar char="•"/>
+              <a:defRPr sz="1800" kern="1200" spc="-20" baseline="0">
+                <a:solidFill>
+                  <a:schemeClr val="tx1"/>
+                </a:solidFill>
+                <a:latin typeface="+mn-lt"/>
+                <a:ea typeface="+mn-ea"/>
+                <a:cs typeface="+mn-cs"/>
+              </a:defRPr>
+            </a:lvl2pPr>
+            <a:lvl3pPr marL="357179" indent="-174621" algn="l" defTabSz="914377" rtl="0" eaLnBrk="1" latinLnBrk="0" hangingPunct="1">
+              <a:lnSpc>
+                <a:spcPct val="110000"/>
+              </a:lnSpc>
+              <a:spcBef>
+                <a:spcPts val="1000"/>
+              </a:spcBef>
+              <a:buClr>
+                <a:srgbClr val="FFB000"/>
+              </a:buClr>
+              <a:buFont typeface="Arial" panose="020B0604020202020204" pitchFamily="34" charset="0"/>
+              <a:buChar char="−"/>
+              <a:defRPr sz="1400" kern="1200" spc="-20" baseline="0">
+                <a:solidFill>
+                  <a:schemeClr val="tx1"/>
+                </a:solidFill>
+                <a:latin typeface="+mn-lt"/>
+                <a:ea typeface="+mn-ea"/>
+                <a:cs typeface="+mn-cs"/>
+              </a:defRPr>
+            </a:lvl3pPr>
+            <a:lvl4pPr marL="539737" indent="-182558" algn="l" defTabSz="914377" rtl="0" eaLnBrk="1" latinLnBrk="0" hangingPunct="1">
+              <a:lnSpc>
+                <a:spcPct val="110000"/>
+              </a:lnSpc>
+              <a:spcBef>
+                <a:spcPts val="1000"/>
+              </a:spcBef>
+              <a:buClr>
+                <a:srgbClr val="FFB000"/>
+              </a:buClr>
+              <a:buFont typeface="Arial" panose="020B0604020202020204" pitchFamily="34" charset="0"/>
+              <a:buChar char="•"/>
+              <a:defRPr sz="1200" kern="1200" spc="-20" baseline="0">
+                <a:solidFill>
+                  <a:schemeClr val="tx1"/>
+                </a:solidFill>
+                <a:latin typeface="+mn-lt"/>
+                <a:ea typeface="+mn-ea"/>
+                <a:cs typeface="+mn-cs"/>
+              </a:defRPr>
+            </a:lvl4pPr>
+            <a:lvl5pPr marL="712770" indent="-173034" algn="l" defTabSz="914377" rtl="0" eaLnBrk="1" latinLnBrk="0" hangingPunct="1">
+              <a:lnSpc>
+                <a:spcPct val="110000"/>
+              </a:lnSpc>
+              <a:spcBef>
+                <a:spcPts val="1000"/>
+              </a:spcBef>
+              <a:buClr>
+                <a:srgbClr val="FFB000"/>
+              </a:buClr>
+              <a:buFont typeface="Arial" panose="020B0604020202020204" pitchFamily="34" charset="0"/>
+              <a:buChar char="−"/>
+              <a:defRPr sz="1200" kern="1200" spc="-20" baseline="0">
+                <a:solidFill>
+                  <a:schemeClr val="tx1"/>
+                </a:solidFill>
+                <a:latin typeface="+mn-lt"/>
+                <a:ea typeface="+mn-ea"/>
+                <a:cs typeface="+mn-cs"/>
+              </a:defRPr>
+            </a:lvl5pPr>
+            <a:lvl6pPr marL="2514537" indent="-228594" algn="l" defTabSz="914377" rtl="0" eaLnBrk="1" latinLnBrk="0" hangingPunct="1">
+              <a:lnSpc>
+                <a:spcPct val="90000"/>
+              </a:lnSpc>
+              <a:spcBef>
+                <a:spcPts val="500"/>
+              </a:spcBef>
+              <a:buFont typeface="Arial" panose="020B0604020202020204" pitchFamily="34" charset="0"/>
+              <a:buChar char="•"/>
+              <a:defRPr sz="1800" kern="1200">
+                <a:solidFill>
+                  <a:schemeClr val="tx1"/>
+                </a:solidFill>
+                <a:latin typeface="+mn-lt"/>
+                <a:ea typeface="+mn-ea"/>
+                <a:cs typeface="+mn-cs"/>
+              </a:defRPr>
+            </a:lvl6pPr>
+            <a:lvl7pPr marL="2971726" indent="-228594" algn="l" defTabSz="914377" rtl="0" eaLnBrk="1" latinLnBrk="0" hangingPunct="1">
+              <a:lnSpc>
+                <a:spcPct val="90000"/>
+              </a:lnSpc>
+              <a:spcBef>
+                <a:spcPts val="500"/>
+              </a:spcBef>
+              <a:buFont typeface="Arial" panose="020B0604020202020204" pitchFamily="34" charset="0"/>
+              <a:buChar char="•"/>
+              <a:defRPr sz="1800" kern="1200">
+                <a:solidFill>
+                  <a:schemeClr val="tx1"/>
+                </a:solidFill>
+                <a:latin typeface="+mn-lt"/>
+                <a:ea typeface="+mn-ea"/>
+                <a:cs typeface="+mn-cs"/>
+              </a:defRPr>
+            </a:lvl7pPr>
+            <a:lvl8pPr marL="3428914" indent="-228594" algn="l" defTabSz="914377" rtl="0" eaLnBrk="1" latinLnBrk="0" hangingPunct="1">
+              <a:lnSpc>
+                <a:spcPct val="90000"/>
+              </a:lnSpc>
+              <a:spcBef>
+                <a:spcPts val="500"/>
+              </a:spcBef>
+              <a:buFont typeface="Arial" panose="020B0604020202020204" pitchFamily="34" charset="0"/>
+              <a:buChar char="•"/>
+              <a:defRPr sz="1800" kern="1200">
+                <a:solidFill>
+                  <a:schemeClr val="tx1"/>
+                </a:solidFill>
+                <a:latin typeface="+mn-lt"/>
+                <a:ea typeface="+mn-ea"/>
+                <a:cs typeface="+mn-cs"/>
+              </a:defRPr>
+            </a:lvl8pPr>
+            <a:lvl9pPr marL="3886103" indent="-228594" algn="l" defTabSz="914377" rtl="0" eaLnBrk="1" latinLnBrk="0" hangingPunct="1">
+              <a:lnSpc>
+                <a:spcPct val="90000"/>
+              </a:lnSpc>
+              <a:spcBef>
+                <a:spcPts val="500"/>
+              </a:spcBef>
+              <a:buFont typeface="Arial" panose="020B0604020202020204" pitchFamily="34" charset="0"/>
+              <a:buChar char="•"/>
+              <a:defRPr sz="1800" kern="1200">
+                <a:solidFill>
+                  <a:schemeClr val="tx1"/>
+                </a:solidFill>
+                <a:latin typeface="+mn-lt"/>
+                <a:ea typeface="+mn-ea"/>
+                <a:cs typeface="+mn-cs"/>
+              </a:defRPr>
+            </a:lvl9pPr>
+          </a:lstStyle>
+          <a:p>
+            <a:pPr marL="468308" lvl="1" indent="-285750">
+              <a:spcBef>
+                <a:spcPts val="300"/>
+              </a:spcBef>
+              <a:spcAft>
+                <a:spcPts val="300"/>
+              </a:spcAft>
+            </a:pPr>
+            <a:r>
+              <a:rPr lang="en-US" dirty="0">
+                <a:solidFill>
+                  <a:srgbClr val="FF0000"/>
+                </a:solidFill>
+              </a:rPr>
+              <a:t>NOTE: This is for future use to present a display similar to the desktop. However, only the “</a:t>
+            </a:r>
+            <a:r>
+              <a:rPr lang="en-US" dirty="0" err="1">
+                <a:solidFill>
+                  <a:srgbClr val="FF0000"/>
+                </a:solidFill>
+              </a:rPr>
+              <a:t>MatchOnly</a:t>
+            </a:r>
+            <a:r>
+              <a:rPr lang="en-US" dirty="0">
+                <a:solidFill>
+                  <a:srgbClr val="FF0000"/>
+                </a:solidFill>
+              </a:rPr>
+              <a:t>” behavior is supported and changes to the other behaviors are not supported and are at your own risk</a:t>
+            </a:r>
+          </a:p>
+        </p:txBody>
+      </p:sp>
+    </p:spTree>
+    <p:extLst>
+      <p:ext uri="{BB962C8B-B14F-4D97-AF65-F5344CB8AC3E}">
+        <p14:creationId xmlns:p14="http://schemas.microsoft.com/office/powerpoint/2010/main" val="1735936926"/>
+      </p:ext>
+    </p:extLst>
+  </p:cSld>
+  <p:clrMapOvr>
+    <a:masterClrMapping/>
+  </p:clrMapOvr>
+</p:sld>
+</file>
+
+<file path=ppt/slides/slide17.xml><?xml version="1.0" encoding="utf-8"?>
+<p:sld xmlns:a="http://schemas.openxmlformats.org/drawingml/2006/main" xmlns:r="http://schemas.openxmlformats.org/officeDocument/2006/relationships" xmlns:p="http://schemas.openxmlformats.org/presentationml/2006/main">
+  <p:cSld>
+    <p:spTree>
+      <p:nvGrpSpPr>
+        <p:cNvPr id="1" name=""/>
+        <p:cNvGrpSpPr/>
+        <p:nvPr/>
+      </p:nvGrpSpPr>
+      <p:grpSpPr>
+        <a:xfrm>
+          <a:off x="0" y="0"/>
+          <a:ext cx="0" cy="0"/>
+          <a:chOff x="0" y="0"/>
+          <a:chExt cx="0" cy="0"/>
+        </a:xfrm>
+      </p:grpSpPr>
+      <p:sp>
+        <p:nvSpPr>
+          <p:cNvPr id="8" name="Title 7"/>
+          <p:cNvSpPr>
+            <a:spLocks noGrp="1"/>
+          </p:cNvSpPr>
+          <p:nvPr>
+            <p:ph type="title"/>
+          </p:nvPr>
+        </p:nvSpPr>
+        <p:spPr/>
+        <p:txBody>
+          <a:bodyPr/>
+          <a:lstStyle/>
+          <a:p>
+            <a:r>
+              <a:rPr lang="en-US" dirty="0"/>
+              <a:t>Web Grid - Motivation</a:t>
+            </a:r>
+          </a:p>
+        </p:txBody>
+      </p:sp>
+      <p:sp>
+        <p:nvSpPr>
+          <p:cNvPr id="6" name="Content Placeholder 2">
+            <a:extLst>
+              <a:ext uri="{FF2B5EF4-FFF2-40B4-BE49-F238E27FC236}">
+                <a16:creationId xmlns:a16="http://schemas.microsoft.com/office/drawing/2014/main" id="{BA7F91BA-13CB-493C-9B31-B601C1795C9B}"/>
+              </a:ext>
+            </a:extLst>
+          </p:cNvPr>
+          <p:cNvSpPr>
+            <a:spLocks noGrp="1"/>
+          </p:cNvSpPr>
+          <p:nvPr>
+            <p:ph idx="1"/>
+          </p:nvPr>
+        </p:nvSpPr>
+        <p:spPr>
+          <a:xfrm>
+            <a:off x="381000" y="1600200"/>
+            <a:ext cx="7924800" cy="4876800"/>
+          </a:xfrm>
+        </p:spPr>
+        <p:txBody>
+          <a:bodyPr/>
+          <a:lstStyle/>
+          <a:p>
+            <a:pPr marL="285750" indent="-285750">
+              <a:spcBef>
+                <a:spcPts val="300"/>
+              </a:spcBef>
+              <a:spcAft>
+                <a:spcPts val="300"/>
+              </a:spcAft>
+              <a:buFont typeface="Arial" panose="020B0604020202020204" pitchFamily="34" charset="0"/>
+              <a:buChar char="•"/>
+            </a:pPr>
+            <a:r>
+              <a:rPr lang="en-US" sz="2000" dirty="0">
+                <a:solidFill>
+                  <a:schemeClr val="tx1"/>
+                </a:solidFill>
+              </a:rPr>
+              <a:t>Overly complex framework and implementation</a:t>
+            </a:r>
+          </a:p>
+          <a:p>
+            <a:pPr marL="973350" lvl="1" indent="-285750">
+              <a:spcBef>
+                <a:spcPts val="300"/>
+              </a:spcBef>
+              <a:spcAft>
+                <a:spcPts val="300"/>
+              </a:spcAft>
+            </a:pPr>
+            <a:r>
+              <a:rPr lang="en-US" sz="1800" dirty="0">
+                <a:solidFill>
+                  <a:schemeClr val="tx1"/>
+                </a:solidFill>
+              </a:rPr>
+              <a:t>Lots of setup, lots of code for every screen with a grid</a:t>
+            </a:r>
+          </a:p>
+          <a:p>
+            <a:pPr marL="285750" indent="-285750">
+              <a:spcBef>
+                <a:spcPts val="300"/>
+              </a:spcBef>
+              <a:spcAft>
+                <a:spcPts val="300"/>
+              </a:spcAft>
+              <a:buFont typeface="Arial" panose="020B0604020202020204" pitchFamily="34" charset="0"/>
+              <a:buChar char="•"/>
+            </a:pPr>
+            <a:r>
+              <a:rPr lang="en-US" sz="2000" dirty="0">
+                <a:solidFill>
+                  <a:schemeClr val="tx1"/>
+                </a:solidFill>
+              </a:rPr>
+              <a:t>Repository pattern (entire screen UI as one repository)</a:t>
+            </a:r>
+          </a:p>
+          <a:p>
+            <a:pPr marL="973350" lvl="1" indent="-285750">
+              <a:spcBef>
+                <a:spcPts val="300"/>
+              </a:spcBef>
+              <a:spcAft>
+                <a:spcPts val="300"/>
+              </a:spcAft>
+            </a:pPr>
+            <a:r>
+              <a:rPr lang="en-US" sz="1800" dirty="0">
+                <a:solidFill>
+                  <a:schemeClr val="tx1"/>
+                </a:solidFill>
+              </a:rPr>
+              <a:t>Unlike the desktop where every grid has its own data source</a:t>
+            </a:r>
+          </a:p>
+          <a:p>
+            <a:pPr marL="285750" indent="-285750">
+              <a:spcBef>
+                <a:spcPts val="300"/>
+              </a:spcBef>
+              <a:spcAft>
+                <a:spcPts val="300"/>
+              </a:spcAft>
+              <a:buFont typeface="Arial" panose="020B0604020202020204" pitchFamily="34" charset="0"/>
+              <a:buChar char="•"/>
+            </a:pPr>
+            <a:r>
+              <a:rPr lang="en-US" sz="2000" dirty="0">
+                <a:solidFill>
+                  <a:schemeClr val="tx1"/>
+                </a:solidFill>
+              </a:rPr>
+              <a:t>No generic grid control</a:t>
+            </a:r>
+          </a:p>
+          <a:p>
+            <a:pPr marL="973350" lvl="1" indent="-285750">
+              <a:spcBef>
+                <a:spcPts val="300"/>
+              </a:spcBef>
+              <a:spcAft>
+                <a:spcPts val="300"/>
+              </a:spcAft>
+            </a:pPr>
+            <a:r>
+              <a:rPr lang="en-US" sz="1800" dirty="0">
+                <a:solidFill>
+                  <a:schemeClr val="tx1"/>
+                </a:solidFill>
+              </a:rPr>
+              <a:t>No “standard” implementation, interface, events</a:t>
+            </a:r>
+          </a:p>
+          <a:p>
+            <a:pPr marL="285750" indent="-285750">
+              <a:spcBef>
+                <a:spcPts val="300"/>
+              </a:spcBef>
+              <a:spcAft>
+                <a:spcPts val="300"/>
+              </a:spcAft>
+              <a:buFont typeface="Arial" panose="020B0604020202020204" pitchFamily="34" charset="0"/>
+              <a:buChar char="•"/>
+            </a:pPr>
+            <a:r>
+              <a:rPr lang="en-US" sz="2000" dirty="0">
+                <a:solidFill>
+                  <a:schemeClr val="tx1"/>
+                </a:solidFill>
+              </a:rPr>
+              <a:t>Usability issues</a:t>
+            </a:r>
+          </a:p>
+          <a:p>
+            <a:pPr marL="973350" lvl="1" indent="-285750">
+              <a:spcBef>
+                <a:spcPts val="300"/>
+              </a:spcBef>
+              <a:spcAft>
+                <a:spcPts val="300"/>
+              </a:spcAft>
+            </a:pPr>
+            <a:r>
+              <a:rPr lang="en-US" sz="1800" dirty="0">
+                <a:solidFill>
+                  <a:schemeClr val="tx1"/>
+                </a:solidFill>
+              </a:rPr>
+              <a:t>Differences from screen to screen</a:t>
+            </a:r>
+          </a:p>
+          <a:p>
+            <a:pPr marL="973350" lvl="1" indent="-285750">
+              <a:spcBef>
+                <a:spcPts val="300"/>
+              </a:spcBef>
+              <a:spcAft>
+                <a:spcPts val="300"/>
+              </a:spcAft>
+            </a:pPr>
+            <a:r>
+              <a:rPr lang="en-US" sz="1800" dirty="0">
+                <a:solidFill>
+                  <a:schemeClr val="tx1"/>
+                </a:solidFill>
+              </a:rPr>
+              <a:t>Selecting multiple lines</a:t>
+            </a:r>
+          </a:p>
+          <a:p>
+            <a:pPr marL="973350" lvl="1" indent="-285750">
+              <a:spcBef>
+                <a:spcPts val="300"/>
+              </a:spcBef>
+              <a:spcAft>
+                <a:spcPts val="300"/>
+              </a:spcAft>
+            </a:pPr>
+            <a:r>
+              <a:rPr lang="en-US" sz="1800" dirty="0">
+                <a:solidFill>
+                  <a:schemeClr val="tx1"/>
+                </a:solidFill>
+              </a:rPr>
+              <a:t>Editing inside a cell can be finicky</a:t>
+            </a:r>
+          </a:p>
+        </p:txBody>
+      </p:sp>
+      <p:pic>
+        <p:nvPicPr>
+          <p:cNvPr id="7" name="Picture 6">
+            <a:extLst>
+              <a:ext uri="{FF2B5EF4-FFF2-40B4-BE49-F238E27FC236}">
+                <a16:creationId xmlns:a16="http://schemas.microsoft.com/office/drawing/2014/main" id="{B43EF6F3-415A-4BDF-8F6F-A66AA9DEC38F}"/>
+              </a:ext>
+            </a:extLst>
+          </p:cNvPr>
+          <p:cNvPicPr>
+            <a:picLocks noChangeAspect="1"/>
+          </p:cNvPicPr>
+          <p:nvPr/>
+        </p:nvPicPr>
+        <p:blipFill>
+          <a:blip r:embed="rId3"/>
+          <a:stretch>
+            <a:fillRect/>
+          </a:stretch>
+        </p:blipFill>
+        <p:spPr>
+          <a:xfrm>
+            <a:off x="8077200" y="1508760"/>
+            <a:ext cx="3581400" cy="3840432"/>
+          </a:xfrm>
+          <a:prstGeom prst="rect">
+            <a:avLst/>
+          </a:prstGeom>
+        </p:spPr>
+      </p:pic>
+    </p:spTree>
+    <p:extLst>
+      <p:ext uri="{BB962C8B-B14F-4D97-AF65-F5344CB8AC3E}">
+        <p14:creationId xmlns:p14="http://schemas.microsoft.com/office/powerpoint/2010/main" val="1186214709"/>
+      </p:ext>
+    </p:extLst>
+  </p:cSld>
+  <p:clrMapOvr>
+    <a:masterClrMapping/>
+  </p:clrMapOvr>
+</p:sld>
+</file>
+
+<file path=ppt/slides/slide18.xml><?xml version="1.0" encoding="utf-8"?>
+<p:sld xmlns:a="http://schemas.openxmlformats.org/drawingml/2006/main" xmlns:r="http://schemas.openxmlformats.org/officeDocument/2006/relationships" xmlns:p="http://schemas.openxmlformats.org/presentationml/2006/main">
+  <p:cSld>
+    <p:spTree>
+      <p:nvGrpSpPr>
+        <p:cNvPr id="1" name=""/>
+        <p:cNvGrpSpPr/>
+        <p:nvPr/>
+      </p:nvGrpSpPr>
+      <p:grpSpPr>
+        <a:xfrm>
+          <a:off x="0" y="0"/>
+          <a:ext cx="0" cy="0"/>
+          <a:chOff x="0" y="0"/>
+          <a:chExt cx="0" cy="0"/>
+        </a:xfrm>
+      </p:grpSpPr>
+      <p:sp>
+        <p:nvSpPr>
+          <p:cNvPr id="8" name="Title 7"/>
+          <p:cNvSpPr>
+            <a:spLocks noGrp="1"/>
+          </p:cNvSpPr>
+          <p:nvPr>
+            <p:ph type="title"/>
+          </p:nvPr>
+        </p:nvSpPr>
+        <p:spPr/>
+        <p:txBody>
+          <a:bodyPr/>
+          <a:lstStyle/>
+          <a:p>
+            <a:r>
+              <a:rPr lang="en-US" dirty="0"/>
+              <a:t>Web Grid – New Design</a:t>
+            </a:r>
+          </a:p>
+        </p:txBody>
+      </p:sp>
+      <p:sp>
+        <p:nvSpPr>
+          <p:cNvPr id="9" name="Content Placeholder 2">
+            <a:extLst>
+              <a:ext uri="{FF2B5EF4-FFF2-40B4-BE49-F238E27FC236}">
+                <a16:creationId xmlns:a16="http://schemas.microsoft.com/office/drawing/2014/main" id="{C440E036-9F29-4907-9D61-9A01EC94D0BD}"/>
+              </a:ext>
+            </a:extLst>
+          </p:cNvPr>
+          <p:cNvSpPr>
+            <a:spLocks noGrp="1"/>
+          </p:cNvSpPr>
+          <p:nvPr>
+            <p:ph idx="1"/>
+          </p:nvPr>
+        </p:nvSpPr>
+        <p:spPr>
+          <a:xfrm>
+            <a:off x="381000" y="1600200"/>
+            <a:ext cx="7924800" cy="4876800"/>
+          </a:xfrm>
+        </p:spPr>
+        <p:txBody>
+          <a:bodyPr/>
+          <a:lstStyle/>
+          <a:p>
+            <a:pPr marL="285750" indent="-285750">
+              <a:spcBef>
+                <a:spcPts val="300"/>
+              </a:spcBef>
+              <a:spcAft>
+                <a:spcPts val="300"/>
+              </a:spcAft>
+              <a:buFont typeface="Arial" panose="020B0604020202020204" pitchFamily="34" charset="0"/>
+              <a:buChar char="•"/>
+            </a:pPr>
+            <a:r>
+              <a:rPr lang="en-US" sz="2000" dirty="0">
+                <a:solidFill>
+                  <a:schemeClr val="tx1"/>
+                </a:solidFill>
+              </a:rPr>
+              <a:t>Addresses the motivation points</a:t>
+            </a:r>
+          </a:p>
+          <a:p>
+            <a:pPr marL="973350" lvl="1" indent="-285750">
+              <a:spcBef>
+                <a:spcPts val="300"/>
+              </a:spcBef>
+              <a:spcAft>
+                <a:spcPts val="300"/>
+              </a:spcAft>
+            </a:pPr>
+            <a:r>
+              <a:rPr lang="en-US" sz="1800" dirty="0">
+                <a:solidFill>
+                  <a:schemeClr val="tx1"/>
+                </a:solidFill>
+              </a:rPr>
+              <a:t>Complexity, bundled with UI payload, generic control, usability issues</a:t>
+            </a:r>
+          </a:p>
+          <a:p>
+            <a:pPr marL="285750" indent="-285750">
+              <a:spcBef>
+                <a:spcPts val="300"/>
+              </a:spcBef>
+              <a:spcAft>
+                <a:spcPts val="300"/>
+              </a:spcAft>
+              <a:buFont typeface="Arial" panose="020B0604020202020204" pitchFamily="34" charset="0"/>
+              <a:buChar char="•"/>
+            </a:pPr>
+            <a:r>
+              <a:rPr lang="en-US" sz="2000" dirty="0">
+                <a:solidFill>
+                  <a:schemeClr val="tx1"/>
+                </a:solidFill>
+              </a:rPr>
+              <a:t>New pattern for header-detail type repository on server</a:t>
+            </a:r>
+          </a:p>
+          <a:p>
+            <a:pPr marL="973350" lvl="1" indent="-285750">
+              <a:spcBef>
+                <a:spcPts val="300"/>
+              </a:spcBef>
+              <a:spcAft>
+                <a:spcPts val="300"/>
+              </a:spcAft>
+            </a:pPr>
+            <a:r>
+              <a:rPr lang="en-US" sz="1800" dirty="0">
+                <a:solidFill>
+                  <a:schemeClr val="tx1"/>
+                </a:solidFill>
+              </a:rPr>
+              <a:t>Elimination of fixed header-detail pattern</a:t>
+            </a:r>
+          </a:p>
+          <a:p>
+            <a:pPr marL="973350" lvl="1" indent="-285750">
+              <a:spcBef>
+                <a:spcPts val="300"/>
+              </a:spcBef>
+              <a:spcAft>
+                <a:spcPts val="300"/>
+              </a:spcAft>
+            </a:pPr>
+            <a:r>
+              <a:rPr lang="en-US" sz="1800" dirty="0">
+                <a:solidFill>
+                  <a:schemeClr val="tx1"/>
+                </a:solidFill>
+              </a:rPr>
+              <a:t>Common repository interfaces directly with Business Views</a:t>
+            </a:r>
+          </a:p>
+          <a:p>
+            <a:pPr marL="973350" lvl="1" indent="-285750">
+              <a:spcBef>
+                <a:spcPts val="300"/>
+              </a:spcBef>
+              <a:spcAft>
+                <a:spcPts val="300"/>
+              </a:spcAft>
+            </a:pPr>
+            <a:r>
+              <a:rPr lang="en-US" sz="1800" dirty="0">
+                <a:solidFill>
+                  <a:schemeClr val="tx1"/>
+                </a:solidFill>
+              </a:rPr>
+              <a:t>Code Generation Wizard generates entities and compositions</a:t>
+            </a:r>
+          </a:p>
+          <a:p>
+            <a:pPr marL="285750" indent="-285750">
+              <a:spcBef>
+                <a:spcPts val="300"/>
+              </a:spcBef>
+              <a:spcAft>
+                <a:spcPts val="300"/>
+              </a:spcAft>
+              <a:buFont typeface="Arial" panose="020B0604020202020204" pitchFamily="34" charset="0"/>
+              <a:buChar char="•"/>
+            </a:pPr>
+            <a:r>
+              <a:rPr lang="en-US" sz="2000" dirty="0">
+                <a:solidFill>
+                  <a:schemeClr val="tx1"/>
+                </a:solidFill>
+              </a:rPr>
+              <a:t>New generic grids on the client</a:t>
+            </a:r>
+          </a:p>
+          <a:p>
+            <a:pPr marL="973350" lvl="1" indent="-285750">
+              <a:spcBef>
+                <a:spcPts val="300"/>
+              </a:spcBef>
+              <a:spcAft>
+                <a:spcPts val="300"/>
+              </a:spcAft>
+            </a:pPr>
+            <a:r>
+              <a:rPr lang="en-US" sz="1800" dirty="0">
+                <a:solidFill>
+                  <a:schemeClr val="tx1"/>
+                </a:solidFill>
+              </a:rPr>
+              <a:t>View List (the most common grid which supports CRUD operations)</a:t>
+            </a:r>
+          </a:p>
+          <a:p>
+            <a:pPr marL="973350" lvl="1" indent="-285750">
+              <a:spcBef>
+                <a:spcPts val="300"/>
+              </a:spcBef>
+              <a:spcAft>
+                <a:spcPts val="300"/>
+              </a:spcAft>
+            </a:pPr>
+            <a:r>
+              <a:rPr lang="en-US" sz="1800" dirty="0">
+                <a:solidFill>
+                  <a:schemeClr val="tx1"/>
+                </a:solidFill>
+              </a:rPr>
+              <a:t>Optional Fields Control (setup or edit of optional fields)</a:t>
+            </a:r>
+          </a:p>
+          <a:p>
+            <a:pPr marL="1200150" lvl="2" indent="-285750">
+              <a:spcBef>
+                <a:spcPts val="300"/>
+              </a:spcBef>
+              <a:spcAft>
+                <a:spcPts val="300"/>
+              </a:spcAft>
+            </a:pPr>
+            <a:r>
+              <a:rPr lang="en-US" sz="1600" dirty="0">
+                <a:solidFill>
+                  <a:schemeClr val="tx1"/>
+                </a:solidFill>
+              </a:rPr>
+              <a:t>Only setup for 2019.2 release</a:t>
+            </a:r>
+          </a:p>
+          <a:p>
+            <a:pPr marL="973350" lvl="1" indent="-285750">
+              <a:spcBef>
+                <a:spcPts val="300"/>
+              </a:spcBef>
+              <a:spcAft>
+                <a:spcPts val="300"/>
+              </a:spcAft>
+            </a:pPr>
+            <a:r>
+              <a:rPr lang="en-US" sz="1800" dirty="0">
+                <a:solidFill>
+                  <a:schemeClr val="tx1"/>
+                </a:solidFill>
+              </a:rPr>
+              <a:t>Other (i.e. Tax Authorities type grid)</a:t>
+            </a:r>
+          </a:p>
+          <a:p>
+            <a:pPr marL="1200150" lvl="2" indent="-285750">
+              <a:spcBef>
+                <a:spcPts val="300"/>
+              </a:spcBef>
+              <a:spcAft>
+                <a:spcPts val="300"/>
+              </a:spcAft>
+            </a:pPr>
+            <a:r>
+              <a:rPr lang="en-US" sz="1600" dirty="0">
+                <a:solidFill>
+                  <a:schemeClr val="tx1"/>
+                </a:solidFill>
+              </a:rPr>
+              <a:t>Not in 2019.2 release</a:t>
+            </a:r>
+          </a:p>
+        </p:txBody>
+      </p:sp>
+      <p:pic>
+        <p:nvPicPr>
+          <p:cNvPr id="10" name="Picture 9">
+            <a:extLst>
+              <a:ext uri="{FF2B5EF4-FFF2-40B4-BE49-F238E27FC236}">
+                <a16:creationId xmlns:a16="http://schemas.microsoft.com/office/drawing/2014/main" id="{08899D9E-3940-40A5-8A7A-90EE01125C8B}"/>
+              </a:ext>
+            </a:extLst>
+          </p:cNvPr>
+          <p:cNvPicPr>
+            <a:picLocks noChangeAspect="1"/>
+          </p:cNvPicPr>
+          <p:nvPr/>
+        </p:nvPicPr>
+        <p:blipFill>
+          <a:blip r:embed="rId3"/>
+          <a:stretch>
+            <a:fillRect/>
+          </a:stretch>
+        </p:blipFill>
+        <p:spPr>
+          <a:xfrm>
+            <a:off x="8458200" y="1781175"/>
+            <a:ext cx="3514725" cy="4514850"/>
+          </a:xfrm>
+          <a:prstGeom prst="rect">
+            <a:avLst/>
+          </a:prstGeom>
+        </p:spPr>
+      </p:pic>
+    </p:spTree>
+    <p:extLst>
+      <p:ext uri="{BB962C8B-B14F-4D97-AF65-F5344CB8AC3E}">
+        <p14:creationId xmlns:p14="http://schemas.microsoft.com/office/powerpoint/2010/main" val="1560029964"/>
+      </p:ext>
+    </p:extLst>
+  </p:cSld>
+  <p:clrMapOvr>
+    <a:masterClrMapping/>
+  </p:clrMapOvr>
+</p:sld>
+</file>
+
+<file path=ppt/slides/slide19.xml><?xml version="1.0" encoding="utf-8"?>
+<p:sld xmlns:a="http://schemas.openxmlformats.org/drawingml/2006/main" xmlns:r="http://schemas.openxmlformats.org/officeDocument/2006/relationships" xmlns:p="http://schemas.openxmlformats.org/presentationml/2006/main">
+  <p:cSld>
+    <p:spTree>
+      <p:nvGrpSpPr>
+        <p:cNvPr id="1" name=""/>
+        <p:cNvGrpSpPr/>
+        <p:nvPr/>
+      </p:nvGrpSpPr>
+      <p:grpSpPr>
+        <a:xfrm>
+          <a:off x="0" y="0"/>
+          <a:ext cx="0" cy="0"/>
+          <a:chOff x="0" y="0"/>
+          <a:chExt cx="0" cy="0"/>
+        </a:xfrm>
+      </p:grpSpPr>
+      <p:sp>
+        <p:nvSpPr>
+          <p:cNvPr id="8" name="Title 7"/>
+          <p:cNvSpPr>
+            <a:spLocks noGrp="1"/>
+          </p:cNvSpPr>
+          <p:nvPr>
+            <p:ph type="title"/>
+          </p:nvPr>
+        </p:nvSpPr>
+        <p:spPr/>
+        <p:txBody>
+          <a:bodyPr/>
+          <a:lstStyle/>
+          <a:p>
+            <a:r>
+              <a:rPr lang="en-US" dirty="0"/>
+              <a:t>Web Grid – Architecture</a:t>
+            </a:r>
+          </a:p>
+        </p:txBody>
+      </p:sp>
+      <p:sp>
+        <p:nvSpPr>
+          <p:cNvPr id="7" name="Content Placeholder 2">
+            <a:extLst>
+              <a:ext uri="{FF2B5EF4-FFF2-40B4-BE49-F238E27FC236}">
+                <a16:creationId xmlns:a16="http://schemas.microsoft.com/office/drawing/2014/main" id="{1AFFFCD0-E79A-4470-B446-46815B2BF86E}"/>
+              </a:ext>
+            </a:extLst>
+          </p:cNvPr>
+          <p:cNvSpPr txBox="1">
+            <a:spLocks/>
+          </p:cNvSpPr>
+          <p:nvPr/>
+        </p:nvSpPr>
+        <p:spPr bwMode="gray">
+          <a:xfrm>
+            <a:off x="381000" y="1600200"/>
+            <a:ext cx="5562600" cy="4876800"/>
+          </a:xfrm>
+          <a:prstGeom prst="rect">
+            <a:avLst/>
+          </a:prstGeom>
+        </p:spPr>
+        <p:txBody>
+          <a:bodyPr vert="horz" lIns="0" tIns="0" rIns="0" bIns="0" rtlCol="0" anchor="t" anchorCtr="0">
+            <a:noAutofit/>
+          </a:bodyPr>
+          <a:lstStyle>
+            <a:lvl1pPr marL="0" indent="0" algn="l" defTabSz="914377" rtl="0" eaLnBrk="1" latinLnBrk="0" hangingPunct="1">
+              <a:lnSpc>
+                <a:spcPct val="110000"/>
+              </a:lnSpc>
+              <a:spcBef>
+                <a:spcPts val="1000"/>
+              </a:spcBef>
+              <a:buFont typeface="Arial" panose="020B0604020202020204" pitchFamily="34" charset="0"/>
+              <a:buNone/>
+              <a:defRPr sz="1800" b="0" kern="1200" spc="-20" baseline="0">
+                <a:solidFill>
+                  <a:schemeClr val="tx1"/>
+                </a:solidFill>
+                <a:latin typeface="+mn-lt"/>
+                <a:ea typeface="+mn-ea"/>
+                <a:cs typeface="+mn-cs"/>
+              </a:defRPr>
+            </a:lvl1pPr>
+            <a:lvl2pPr marL="182558" indent="-182558" algn="l" defTabSz="914377" rtl="0" eaLnBrk="1" latinLnBrk="0" hangingPunct="1">
+              <a:lnSpc>
+                <a:spcPct val="110000"/>
+              </a:lnSpc>
+              <a:spcBef>
+                <a:spcPts val="1000"/>
+              </a:spcBef>
+              <a:buClr>
+                <a:srgbClr val="FFB000"/>
+              </a:buClr>
+              <a:buFont typeface="Arial" panose="020B0604020202020204" pitchFamily="34" charset="0"/>
+              <a:buChar char="•"/>
+              <a:defRPr sz="1800" kern="1200" spc="-20" baseline="0">
+                <a:solidFill>
+                  <a:schemeClr val="tx1"/>
+                </a:solidFill>
+                <a:latin typeface="+mn-lt"/>
+                <a:ea typeface="+mn-ea"/>
+                <a:cs typeface="+mn-cs"/>
+              </a:defRPr>
+            </a:lvl2pPr>
+            <a:lvl3pPr marL="357179" indent="-174621" algn="l" defTabSz="914377" rtl="0" eaLnBrk="1" latinLnBrk="0" hangingPunct="1">
+              <a:lnSpc>
+                <a:spcPct val="110000"/>
+              </a:lnSpc>
+              <a:spcBef>
+                <a:spcPts val="1000"/>
+              </a:spcBef>
+              <a:buClr>
+                <a:srgbClr val="FFB000"/>
+              </a:buClr>
+              <a:buFont typeface="Arial" panose="020B0604020202020204" pitchFamily="34" charset="0"/>
+              <a:buChar char="−"/>
+              <a:defRPr sz="1400" kern="1200" spc="-20" baseline="0">
+                <a:solidFill>
+                  <a:schemeClr val="tx1"/>
+                </a:solidFill>
+                <a:latin typeface="+mn-lt"/>
+                <a:ea typeface="+mn-ea"/>
+                <a:cs typeface="+mn-cs"/>
+              </a:defRPr>
+            </a:lvl3pPr>
+            <a:lvl4pPr marL="539737" indent="-182558" algn="l" defTabSz="914377" rtl="0" eaLnBrk="1" latinLnBrk="0" hangingPunct="1">
+              <a:lnSpc>
+                <a:spcPct val="110000"/>
+              </a:lnSpc>
+              <a:spcBef>
+                <a:spcPts val="1000"/>
+              </a:spcBef>
+              <a:buClr>
+                <a:srgbClr val="FFB000"/>
+              </a:buClr>
+              <a:buFont typeface="Arial" panose="020B0604020202020204" pitchFamily="34" charset="0"/>
+              <a:buChar char="•"/>
+              <a:defRPr sz="1200" kern="1200" spc="-20" baseline="0">
+                <a:solidFill>
+                  <a:schemeClr val="tx1"/>
+                </a:solidFill>
+                <a:latin typeface="+mn-lt"/>
+                <a:ea typeface="+mn-ea"/>
+                <a:cs typeface="+mn-cs"/>
+              </a:defRPr>
+            </a:lvl4pPr>
+            <a:lvl5pPr marL="712770" indent="-173034" algn="l" defTabSz="914377" rtl="0" eaLnBrk="1" latinLnBrk="0" hangingPunct="1">
+              <a:lnSpc>
+                <a:spcPct val="110000"/>
+              </a:lnSpc>
+              <a:spcBef>
+                <a:spcPts val="1000"/>
+              </a:spcBef>
+              <a:buClr>
+                <a:srgbClr val="FFB000"/>
+              </a:buClr>
+              <a:buFont typeface="Arial" panose="020B0604020202020204" pitchFamily="34" charset="0"/>
+              <a:buChar char="−"/>
+              <a:defRPr sz="1200" kern="1200" spc="-20" baseline="0">
+                <a:solidFill>
+                  <a:schemeClr val="tx1"/>
+                </a:solidFill>
+                <a:latin typeface="+mn-lt"/>
+                <a:ea typeface="+mn-ea"/>
+                <a:cs typeface="+mn-cs"/>
+              </a:defRPr>
+            </a:lvl5pPr>
+            <a:lvl6pPr marL="2514537" indent="-228594" algn="l" defTabSz="914377" rtl="0" eaLnBrk="1" latinLnBrk="0" hangingPunct="1">
+              <a:lnSpc>
+                <a:spcPct val="90000"/>
+              </a:lnSpc>
+              <a:spcBef>
+                <a:spcPts val="500"/>
+              </a:spcBef>
+              <a:buFont typeface="Arial" panose="020B0604020202020204" pitchFamily="34" charset="0"/>
+              <a:buChar char="•"/>
+              <a:defRPr sz="1800" kern="1200">
+                <a:solidFill>
+                  <a:schemeClr val="tx1"/>
+                </a:solidFill>
+                <a:latin typeface="+mn-lt"/>
+                <a:ea typeface="+mn-ea"/>
+                <a:cs typeface="+mn-cs"/>
+              </a:defRPr>
+            </a:lvl6pPr>
+            <a:lvl7pPr marL="2971726" indent="-228594" algn="l" defTabSz="914377" rtl="0" eaLnBrk="1" latinLnBrk="0" hangingPunct="1">
+              <a:lnSpc>
+                <a:spcPct val="90000"/>
+              </a:lnSpc>
+              <a:spcBef>
+                <a:spcPts val="500"/>
+              </a:spcBef>
+              <a:buFont typeface="Arial" panose="020B0604020202020204" pitchFamily="34" charset="0"/>
+              <a:buChar char="•"/>
+              <a:defRPr sz="1800" kern="1200">
+                <a:solidFill>
+                  <a:schemeClr val="tx1"/>
+                </a:solidFill>
+                <a:latin typeface="+mn-lt"/>
+                <a:ea typeface="+mn-ea"/>
+                <a:cs typeface="+mn-cs"/>
+              </a:defRPr>
+            </a:lvl7pPr>
+            <a:lvl8pPr marL="3428914" indent="-228594" algn="l" defTabSz="914377" rtl="0" eaLnBrk="1" latinLnBrk="0" hangingPunct="1">
+              <a:lnSpc>
+                <a:spcPct val="90000"/>
+              </a:lnSpc>
+              <a:spcBef>
+                <a:spcPts val="500"/>
+              </a:spcBef>
+              <a:buFont typeface="Arial" panose="020B0604020202020204" pitchFamily="34" charset="0"/>
+              <a:buChar char="•"/>
+              <a:defRPr sz="1800" kern="1200">
+                <a:solidFill>
+                  <a:schemeClr val="tx1"/>
+                </a:solidFill>
+                <a:latin typeface="+mn-lt"/>
+                <a:ea typeface="+mn-ea"/>
+                <a:cs typeface="+mn-cs"/>
+              </a:defRPr>
+            </a:lvl8pPr>
+            <a:lvl9pPr marL="3886103" indent="-228594" algn="l" defTabSz="914377" rtl="0" eaLnBrk="1" latinLnBrk="0" hangingPunct="1">
+              <a:lnSpc>
+                <a:spcPct val="90000"/>
+              </a:lnSpc>
+              <a:spcBef>
+                <a:spcPts val="500"/>
+              </a:spcBef>
+              <a:buFont typeface="Arial" panose="020B0604020202020204" pitchFamily="34" charset="0"/>
+              <a:buChar char="•"/>
+              <a:defRPr sz="1800" kern="1200">
+                <a:solidFill>
+                  <a:schemeClr val="tx1"/>
+                </a:solidFill>
+                <a:latin typeface="+mn-lt"/>
+                <a:ea typeface="+mn-ea"/>
+                <a:cs typeface="+mn-cs"/>
+              </a:defRPr>
+            </a:lvl9pPr>
+          </a:lstStyle>
+          <a:p>
+            <a:pPr marL="285750" indent="-285750">
+              <a:spcBef>
+                <a:spcPts val="300"/>
+              </a:spcBef>
+              <a:spcAft>
+                <a:spcPts val="300"/>
+              </a:spcAft>
+              <a:buFont typeface="Arial" panose="020B0604020202020204" pitchFamily="34" charset="0"/>
+              <a:buChar char="•"/>
+            </a:pPr>
+            <a:r>
+              <a:rPr lang="en-US" sz="2000" dirty="0"/>
+              <a:t>Header-Detail Differences</a:t>
+            </a:r>
+          </a:p>
+          <a:p>
+            <a:pPr marL="973350" lvl="1" indent="-285750">
+              <a:spcBef>
+                <a:spcPts val="300"/>
+              </a:spcBef>
+              <a:spcAft>
+                <a:spcPts val="300"/>
+              </a:spcAft>
+            </a:pPr>
+            <a:r>
+              <a:rPr lang="en-US" dirty="0"/>
+              <a:t>Generic grid and controller manages the CRUD operations</a:t>
+            </a:r>
+          </a:p>
+          <a:p>
+            <a:pPr marL="973350" lvl="1" indent="-285750">
+              <a:spcBef>
+                <a:spcPts val="300"/>
+              </a:spcBef>
+              <a:spcAft>
+                <a:spcPts val="300"/>
+              </a:spcAft>
+            </a:pPr>
+            <a:r>
+              <a:rPr lang="en-US" dirty="0"/>
+              <a:t>Compartmentalizing the grid with backend Business Views</a:t>
+            </a:r>
+          </a:p>
+          <a:p>
+            <a:pPr marL="973350" lvl="1" indent="-285750">
+              <a:spcBef>
+                <a:spcPts val="300"/>
+              </a:spcBef>
+              <a:spcAft>
+                <a:spcPts val="300"/>
+              </a:spcAft>
+            </a:pPr>
+            <a:r>
+              <a:rPr lang="en-US" dirty="0"/>
+              <a:t>Simplifies the payload for the UI</a:t>
+            </a:r>
+          </a:p>
+          <a:p>
+            <a:pPr marL="973350" lvl="1" indent="-285750">
+              <a:spcBef>
+                <a:spcPts val="300"/>
+              </a:spcBef>
+              <a:spcAft>
+                <a:spcPts val="300"/>
+              </a:spcAft>
+            </a:pPr>
+            <a:r>
+              <a:rPr lang="en-US" dirty="0"/>
+              <a:t>More responsive and better performing</a:t>
+            </a:r>
+          </a:p>
+          <a:p>
+            <a:pPr marL="973350" lvl="1" indent="-285750">
+              <a:spcBef>
+                <a:spcPts val="300"/>
+              </a:spcBef>
+              <a:spcAft>
+                <a:spcPts val="300"/>
+              </a:spcAft>
+            </a:pPr>
+            <a:r>
+              <a:rPr lang="en-US" dirty="0"/>
+              <a:t>Less developer code</a:t>
+            </a:r>
+          </a:p>
+          <a:p>
+            <a:pPr marL="285750" indent="-285750">
+              <a:spcBef>
+                <a:spcPts val="300"/>
+              </a:spcBef>
+              <a:spcAft>
+                <a:spcPts val="300"/>
+              </a:spcAft>
+              <a:buFont typeface="Arial" panose="020B0604020202020204" pitchFamily="34" charset="0"/>
+              <a:buChar char="•"/>
+            </a:pPr>
+            <a:r>
+              <a:rPr lang="en-US" sz="2000" dirty="0"/>
+              <a:t>Extensible</a:t>
+            </a:r>
+          </a:p>
+          <a:p>
+            <a:pPr marL="973350" lvl="1" indent="-285750">
+              <a:spcBef>
+                <a:spcPts val="300"/>
+              </a:spcBef>
+              <a:spcAft>
+                <a:spcPts val="300"/>
+              </a:spcAft>
+            </a:pPr>
+            <a:r>
+              <a:rPr lang="en-US" dirty="0"/>
+              <a:t>Grid defined in JSON file</a:t>
+            </a:r>
+          </a:p>
+          <a:p>
+            <a:pPr marL="973350" lvl="1" indent="-285750">
+              <a:spcBef>
+                <a:spcPts val="300"/>
+              </a:spcBef>
+              <a:spcAft>
+                <a:spcPts val="300"/>
+              </a:spcAft>
+            </a:pPr>
+            <a:r>
+              <a:rPr lang="en-US" dirty="0"/>
+              <a:t>Client interface</a:t>
+            </a:r>
+          </a:p>
+          <a:p>
+            <a:pPr marL="973350" lvl="1" indent="-285750">
+              <a:spcBef>
+                <a:spcPts val="300"/>
+              </a:spcBef>
+              <a:spcAft>
+                <a:spcPts val="300"/>
+              </a:spcAft>
+            </a:pPr>
+            <a:r>
+              <a:rPr lang="en-US" dirty="0"/>
+              <a:t>Server interface</a:t>
+            </a:r>
+          </a:p>
+          <a:p>
+            <a:pPr marL="973350" lvl="1" indent="-285750">
+              <a:spcBef>
+                <a:spcPts val="300"/>
+              </a:spcBef>
+              <a:spcAft>
+                <a:spcPts val="300"/>
+              </a:spcAft>
+            </a:pPr>
+            <a:r>
+              <a:rPr lang="en-US" dirty="0"/>
+              <a:t>Extend JSON to participate in events and methods</a:t>
+            </a:r>
+            <a:endParaRPr lang="en-US" sz="1600" dirty="0"/>
+          </a:p>
+        </p:txBody>
+      </p:sp>
+      <p:pic>
+        <p:nvPicPr>
+          <p:cNvPr id="11" name="Picture 10">
+            <a:extLst>
+              <a:ext uri="{FF2B5EF4-FFF2-40B4-BE49-F238E27FC236}">
+                <a16:creationId xmlns:a16="http://schemas.microsoft.com/office/drawing/2014/main" id="{BDC785A6-333B-4A54-B6EA-3C0C0512D603}"/>
+              </a:ext>
+            </a:extLst>
+          </p:cNvPr>
+          <p:cNvPicPr/>
+          <p:nvPr/>
+        </p:nvPicPr>
+        <p:blipFill>
+          <a:blip r:embed="rId3">
+            <a:extLst>
+              <a:ext uri="{28A0092B-C50C-407E-A947-70E740481C1C}">
+                <a14:useLocalDpi xmlns:a14="http://schemas.microsoft.com/office/drawing/2010/main" val="0"/>
+              </a:ext>
+            </a:extLst>
+          </a:blip>
+          <a:srcRect/>
+          <a:stretch>
+            <a:fillRect/>
+          </a:stretch>
+        </p:blipFill>
+        <p:spPr bwMode="auto">
+          <a:xfrm>
+            <a:off x="5963195" y="1676400"/>
+            <a:ext cx="5943600" cy="4724400"/>
+          </a:xfrm>
+          <a:prstGeom prst="rect">
+            <a:avLst/>
+          </a:prstGeom>
+          <a:noFill/>
+          <a:ln>
+            <a:solidFill>
+              <a:schemeClr val="accent1"/>
+            </a:solidFill>
+          </a:ln>
+        </p:spPr>
+      </p:pic>
+    </p:spTree>
+    <p:extLst>
+      <p:ext uri="{BB962C8B-B14F-4D97-AF65-F5344CB8AC3E}">
+        <p14:creationId xmlns:p14="http://schemas.microsoft.com/office/powerpoint/2010/main" val="1493266706"/>
+      </p:ext>
+    </p:extLst>
+  </p:cSld>
+  <p:clrMapOvr>
+    <a:masterClrMapping/>
+  </p:clrMapOvr>
+</p:sld>
+</file>
+
+<file path=ppt/slides/slide2.xml><?xml version="1.0" encoding="utf-8"?>
+<p:sld xmlns:a="http://schemas.openxmlformats.org/drawingml/2006/main" xmlns:r="http://schemas.openxmlformats.org/officeDocument/2006/relationships" xmlns:p="http://schemas.openxmlformats.org/presentationml/2006/main">
+  <p:cSld>
+    <p:spTree>
+      <p:nvGrpSpPr>
+        <p:cNvPr id="1" name=""/>
+        <p:cNvGrpSpPr/>
+        <p:nvPr/>
+      </p:nvGrpSpPr>
+      <p:grpSpPr>
+        <a:xfrm>
+          <a:off x="0" y="0"/>
+          <a:ext cx="0" cy="0"/>
+          <a:chOff x="0" y="0"/>
+          <a:chExt cx="0" cy="0"/>
+        </a:xfrm>
+      </p:grpSpPr>
+      <p:sp>
+        <p:nvSpPr>
+          <p:cNvPr id="8" name="Title 7"/>
+          <p:cNvSpPr>
+            <a:spLocks noGrp="1"/>
+          </p:cNvSpPr>
+          <p:nvPr>
+            <p:ph type="title"/>
+          </p:nvPr>
+        </p:nvSpPr>
+        <p:spPr/>
+        <p:txBody>
+          <a:bodyPr/>
+          <a:lstStyle/>
+          <a:p>
+            <a:r>
+              <a:rPr lang="en-US" dirty="0"/>
+              <a:t>Versions</a:t>
+            </a:r>
+          </a:p>
+        </p:txBody>
+      </p:sp>
+      <p:sp>
+        <p:nvSpPr>
+          <p:cNvPr id="12" name="Content Placeholder 4"/>
+          <p:cNvSpPr>
+            <a:spLocks noGrp="1"/>
+          </p:cNvSpPr>
+          <p:nvPr>
+            <p:ph idx="1"/>
+          </p:nvPr>
+        </p:nvSpPr>
+        <p:spPr>
+          <a:xfrm>
+            <a:off x="466025" y="1366944"/>
+            <a:ext cx="11238295" cy="5008456"/>
+          </a:xfrm>
+        </p:spPr>
+        <p:txBody>
+          <a:bodyPr numCol="1"/>
+          <a:lstStyle/>
+          <a:p>
+            <a:pPr lvl="1"/>
+            <a:r>
+              <a:rPr lang="en-US" sz="2400" dirty="0"/>
+              <a:t>Accpac.Advantage and Accpac.Advantage.Types versions are still </a:t>
+            </a:r>
+            <a:r>
+              <a:rPr lang="en-US" sz="2400" b="1" dirty="0"/>
+              <a:t>6.6.0.10</a:t>
+            </a:r>
+          </a:p>
+          <a:p>
+            <a:pPr lvl="1"/>
+            <a:r>
+              <a:rPr lang="en-US" sz="2200" dirty="0"/>
+              <a:t>Version in Code Generation Wizard is still 66A</a:t>
+            </a:r>
+          </a:p>
+          <a:p>
+            <a:pPr lvl="1"/>
+            <a:r>
+              <a:rPr lang="en-US" sz="2200" dirty="0"/>
+              <a:t>Kendo has been upgraded to 2019.1.115</a:t>
+            </a:r>
+          </a:p>
+          <a:p>
+            <a:pPr lvl="1"/>
+            <a:r>
+              <a:rPr lang="en-US" sz="2200" dirty="0"/>
+              <a:t>.NET Framework has been updated to 4.7.2</a:t>
+            </a:r>
+          </a:p>
+          <a:p>
+            <a:pPr lvl="1"/>
+            <a:r>
+              <a:rPr lang="en-US" sz="2200" dirty="0" err="1"/>
+              <a:t>SDK.BuildTasks</a:t>
+            </a:r>
+            <a:r>
+              <a:rPr lang="en-US" sz="2200" dirty="0"/>
+              <a:t> updated to 14.0.14.9.23</a:t>
+            </a:r>
+          </a:p>
+          <a:p>
+            <a:pPr lvl="1"/>
+            <a:endParaRPr lang="en-US" sz="2200" dirty="0"/>
+          </a:p>
+        </p:txBody>
+      </p:sp>
+    </p:spTree>
+    <p:extLst>
+      <p:ext uri="{BB962C8B-B14F-4D97-AF65-F5344CB8AC3E}">
+        <p14:creationId xmlns:p14="http://schemas.microsoft.com/office/powerpoint/2010/main" val="1136485089"/>
+      </p:ext>
+    </p:extLst>
+  </p:cSld>
+  <p:clrMapOvr>
+    <a:masterClrMapping/>
+  </p:clrMapOvr>
+</p:sld>
+</file>
+
+<file path=ppt/slides/slide20.xml><?xml version="1.0" encoding="utf-8"?>
+<p:sld xmlns:a="http://schemas.openxmlformats.org/drawingml/2006/main" xmlns:r="http://schemas.openxmlformats.org/officeDocument/2006/relationships" xmlns:p="http://schemas.openxmlformats.org/presentationml/2006/main">
+  <p:cSld>
+    <p:spTree>
+      <p:nvGrpSpPr>
+        <p:cNvPr id="1" name=""/>
+        <p:cNvGrpSpPr/>
+        <p:nvPr/>
+      </p:nvGrpSpPr>
+      <p:grpSpPr>
+        <a:xfrm>
+          <a:off x="0" y="0"/>
+          <a:ext cx="0" cy="0"/>
+          <a:chOff x="0" y="0"/>
+          <a:chExt cx="0" cy="0"/>
+        </a:xfrm>
+      </p:grpSpPr>
+      <p:sp>
+        <p:nvSpPr>
+          <p:cNvPr id="8" name="Title 7"/>
+          <p:cNvSpPr>
+            <a:spLocks noGrp="1"/>
+          </p:cNvSpPr>
+          <p:nvPr>
+            <p:ph type="title"/>
+          </p:nvPr>
+        </p:nvSpPr>
+        <p:spPr/>
+        <p:txBody>
+          <a:bodyPr/>
+          <a:lstStyle/>
+          <a:p>
+            <a:r>
+              <a:rPr lang="en-US" dirty="0"/>
+              <a:t>Web Grid – Interactions with Business Entity</a:t>
+            </a:r>
+          </a:p>
+        </p:txBody>
+      </p:sp>
+      <p:sp>
+        <p:nvSpPr>
+          <p:cNvPr id="5" name="Content Placeholder 2">
+            <a:extLst>
+              <a:ext uri="{FF2B5EF4-FFF2-40B4-BE49-F238E27FC236}">
+                <a16:creationId xmlns:a16="http://schemas.microsoft.com/office/drawing/2014/main" id="{81DBE29A-8C40-4B0E-97A8-30E7AE58FE88}"/>
+              </a:ext>
+            </a:extLst>
+          </p:cNvPr>
+          <p:cNvSpPr>
+            <a:spLocks noGrp="1"/>
+          </p:cNvSpPr>
+          <p:nvPr>
+            <p:ph idx="1"/>
+          </p:nvPr>
+        </p:nvSpPr>
+        <p:spPr>
+          <a:xfrm>
+            <a:off x="838200" y="1825625"/>
+            <a:ext cx="4508241" cy="4351338"/>
+          </a:xfrm>
+        </p:spPr>
+        <p:txBody>
+          <a:bodyPr/>
+          <a:lstStyle/>
+          <a:p>
+            <a:pPr marL="285750" indent="-285750">
+              <a:buFont typeface="Arial" panose="020B0604020202020204" pitchFamily="34" charset="0"/>
+              <a:buChar char="•"/>
+            </a:pPr>
+            <a:r>
+              <a:rPr lang="en-US" sz="2000" dirty="0"/>
+              <a:t>Added a “guid” property to each Business Entity</a:t>
+            </a:r>
+          </a:p>
+          <a:p>
+            <a:pPr marL="285750" indent="-285750">
+              <a:buFont typeface="Arial" panose="020B0604020202020204" pitchFamily="34" charset="0"/>
+              <a:buChar char="•"/>
+            </a:pPr>
+            <a:r>
+              <a:rPr lang="en-US" sz="2000" dirty="0"/>
+              <a:t>Grid DOM object has “</a:t>
+            </a:r>
+            <a:r>
+              <a:rPr lang="en-US" sz="2000" dirty="0" err="1"/>
+              <a:t>guid</a:t>
+            </a:r>
+            <a:r>
+              <a:rPr lang="en-US" sz="2000" dirty="0"/>
+              <a:t>” attribute</a:t>
+            </a:r>
+          </a:p>
+          <a:p>
+            <a:pPr marL="285750" indent="-285750">
+              <a:buFont typeface="Arial" panose="020B0604020202020204" pitchFamily="34" charset="0"/>
+              <a:buChar char="•"/>
+            </a:pPr>
+            <a:r>
+              <a:rPr lang="en-US" sz="2000" dirty="0"/>
+              <a:t>Grid library sends the “</a:t>
+            </a:r>
+            <a:r>
+              <a:rPr lang="en-US" sz="2000" dirty="0" err="1"/>
+              <a:t>guid</a:t>
+            </a:r>
+            <a:r>
+              <a:rPr lang="en-US" sz="2000" dirty="0"/>
+              <a:t>” to the </a:t>
+            </a:r>
+            <a:r>
+              <a:rPr lang="en-US" sz="2000" dirty="0" err="1"/>
+              <a:t>GridDataServiceController</a:t>
+            </a:r>
+            <a:r>
+              <a:rPr lang="en-US" sz="2000" dirty="0"/>
+              <a:t> for every interaction</a:t>
+            </a:r>
+          </a:p>
+          <a:p>
+            <a:pPr marL="285750" indent="-285750">
+              <a:buFont typeface="Arial" panose="020B0604020202020204" pitchFamily="34" charset="0"/>
+              <a:buChar char="•"/>
+            </a:pPr>
+            <a:r>
+              <a:rPr lang="en-US" sz="2000" dirty="0" err="1"/>
+              <a:t>GridDataServiceController</a:t>
+            </a:r>
+            <a:r>
+              <a:rPr lang="en-US" sz="2000" dirty="0"/>
+              <a:t> looks up the Business Entity in the session pool using “</a:t>
+            </a:r>
+            <a:r>
+              <a:rPr lang="en-US" sz="2000" dirty="0" err="1"/>
+              <a:t>guid</a:t>
+            </a:r>
+            <a:r>
+              <a:rPr lang="en-US" sz="2000" dirty="0"/>
+              <a:t>”</a:t>
+            </a:r>
+          </a:p>
+          <a:p>
+            <a:pPr marL="285750" indent="-285750">
+              <a:buFont typeface="Arial" panose="020B0604020202020204" pitchFamily="34" charset="0"/>
+              <a:buChar char="•"/>
+            </a:pPr>
+            <a:r>
+              <a:rPr lang="en-US" sz="2000" dirty="0" err="1"/>
+              <a:t>GridDataServiceController</a:t>
+            </a:r>
+            <a:r>
+              <a:rPr lang="en-US" sz="2000" dirty="0"/>
+              <a:t> performing CRUD operations on the Business Entity</a:t>
+            </a:r>
+          </a:p>
+          <a:p>
+            <a:pPr marL="0" indent="0">
+              <a:buNone/>
+            </a:pPr>
+            <a:endParaRPr lang="en-US" dirty="0"/>
+          </a:p>
+          <a:p>
+            <a:endParaRPr lang="en-US" dirty="0"/>
+          </a:p>
+          <a:p>
+            <a:endParaRPr lang="en-US" dirty="0"/>
+          </a:p>
+        </p:txBody>
+      </p:sp>
+      <p:pic>
+        <p:nvPicPr>
+          <p:cNvPr id="2" name="Picture 1">
+            <a:extLst>
+              <a:ext uri="{FF2B5EF4-FFF2-40B4-BE49-F238E27FC236}">
+                <a16:creationId xmlns:a16="http://schemas.microsoft.com/office/drawing/2014/main" id="{517D2CB2-5BE4-4856-80CF-85073AF03F7C}"/>
+              </a:ext>
+            </a:extLst>
+          </p:cNvPr>
+          <p:cNvPicPr>
+            <a:picLocks noChangeAspect="1"/>
+          </p:cNvPicPr>
+          <p:nvPr/>
+        </p:nvPicPr>
+        <p:blipFill>
+          <a:blip r:embed="rId3"/>
+          <a:stretch>
+            <a:fillRect/>
+          </a:stretch>
+        </p:blipFill>
+        <p:spPr>
+          <a:xfrm>
+            <a:off x="5267130" y="2133456"/>
+            <a:ext cx="6840010" cy="3735675"/>
+          </a:xfrm>
+          <a:prstGeom prst="rect">
+            <a:avLst/>
+          </a:prstGeom>
+        </p:spPr>
+      </p:pic>
+    </p:spTree>
+    <p:extLst>
+      <p:ext uri="{BB962C8B-B14F-4D97-AF65-F5344CB8AC3E}">
+        <p14:creationId xmlns:p14="http://schemas.microsoft.com/office/powerpoint/2010/main" val="357204723"/>
+      </p:ext>
+    </p:extLst>
+  </p:cSld>
+  <p:clrMapOvr>
+    <a:masterClrMapping/>
+  </p:clrMapOvr>
+</p:sld>
+</file>
+
+<file path=ppt/slides/slide21.xml><?xml version="1.0" encoding="utf-8"?>
+<p:sld xmlns:a="http://schemas.openxmlformats.org/drawingml/2006/main" xmlns:r="http://schemas.openxmlformats.org/officeDocument/2006/relationships" xmlns:p="http://schemas.openxmlformats.org/presentationml/2006/main">
+  <p:cSld>
+    <p:spTree>
+      <p:nvGrpSpPr>
+        <p:cNvPr id="1" name=""/>
+        <p:cNvGrpSpPr/>
+        <p:nvPr/>
+      </p:nvGrpSpPr>
+      <p:grpSpPr>
+        <a:xfrm>
+          <a:off x="0" y="0"/>
+          <a:ext cx="0" cy="0"/>
+          <a:chOff x="0" y="0"/>
+          <a:chExt cx="0" cy="0"/>
+        </a:xfrm>
+      </p:grpSpPr>
+      <p:sp>
+        <p:nvSpPr>
+          <p:cNvPr id="8" name="Title 7"/>
+          <p:cNvSpPr>
+            <a:spLocks noGrp="1"/>
+          </p:cNvSpPr>
+          <p:nvPr>
+            <p:ph type="title"/>
+          </p:nvPr>
+        </p:nvSpPr>
+        <p:spPr/>
+        <p:txBody>
+          <a:bodyPr/>
+          <a:lstStyle/>
+          <a:p>
+            <a:r>
+              <a:rPr lang="en-US" dirty="0"/>
+              <a:t>Web Grid – Grid HTML Helper</a:t>
+            </a:r>
+          </a:p>
+        </p:txBody>
+      </p:sp>
+      <p:pic>
+        <p:nvPicPr>
+          <p:cNvPr id="7" name="Content Placeholder 5">
+            <a:extLst>
+              <a:ext uri="{FF2B5EF4-FFF2-40B4-BE49-F238E27FC236}">
+                <a16:creationId xmlns:a16="http://schemas.microsoft.com/office/drawing/2014/main" id="{7DCF8F44-DB0C-4BC9-9694-94152D964838}"/>
+              </a:ext>
+            </a:extLst>
+          </p:cNvPr>
+          <p:cNvPicPr>
+            <a:picLocks noGrp="1" noChangeAspect="1"/>
+          </p:cNvPicPr>
+          <p:nvPr>
+            <p:ph idx="1"/>
+          </p:nvPr>
+        </p:nvPicPr>
+        <p:blipFill>
+          <a:blip r:embed="rId3"/>
+          <a:stretch>
+            <a:fillRect/>
+          </a:stretch>
+        </p:blipFill>
+        <p:spPr>
+          <a:xfrm>
+            <a:off x="1069060" y="1366944"/>
+            <a:ext cx="8912545" cy="1911884"/>
+          </a:xfrm>
+          <a:prstGeom prst="rect">
+            <a:avLst/>
+          </a:prstGeom>
+          <a:ln>
+            <a:solidFill>
+              <a:schemeClr val="accent1"/>
+            </a:solidFill>
+          </a:ln>
+        </p:spPr>
+      </p:pic>
+      <p:pic>
+        <p:nvPicPr>
+          <p:cNvPr id="9" name="Picture 8">
+            <a:extLst>
+              <a:ext uri="{FF2B5EF4-FFF2-40B4-BE49-F238E27FC236}">
+                <a16:creationId xmlns:a16="http://schemas.microsoft.com/office/drawing/2014/main" id="{1D4935C9-D2DA-4CD7-B3DC-8659C9F39359}"/>
+              </a:ext>
+            </a:extLst>
+          </p:cNvPr>
+          <p:cNvPicPr>
+            <a:picLocks noChangeAspect="1"/>
+          </p:cNvPicPr>
+          <p:nvPr/>
+        </p:nvPicPr>
+        <p:blipFill>
+          <a:blip r:embed="rId4"/>
+          <a:stretch>
+            <a:fillRect/>
+          </a:stretch>
+        </p:blipFill>
+        <p:spPr>
+          <a:xfrm>
+            <a:off x="209725" y="3363984"/>
+            <a:ext cx="10631217" cy="2318085"/>
+          </a:xfrm>
+          <a:prstGeom prst="rect">
+            <a:avLst/>
+          </a:prstGeom>
+        </p:spPr>
+      </p:pic>
+    </p:spTree>
+    <p:extLst>
+      <p:ext uri="{BB962C8B-B14F-4D97-AF65-F5344CB8AC3E}">
+        <p14:creationId xmlns:p14="http://schemas.microsoft.com/office/powerpoint/2010/main" val="1864659009"/>
+      </p:ext>
+    </p:extLst>
+  </p:cSld>
+  <p:clrMapOvr>
+    <a:masterClrMapping/>
+  </p:clrMapOvr>
+</p:sld>
+</file>
+
+<file path=ppt/slides/slide22.xml><?xml version="1.0" encoding="utf-8"?>
+<p:sld xmlns:a="http://schemas.openxmlformats.org/drawingml/2006/main" xmlns:r="http://schemas.openxmlformats.org/officeDocument/2006/relationships" xmlns:p="http://schemas.openxmlformats.org/presentationml/2006/main">
+  <p:cSld>
+    <p:spTree>
+      <p:nvGrpSpPr>
+        <p:cNvPr id="1" name=""/>
+        <p:cNvGrpSpPr/>
+        <p:nvPr/>
+      </p:nvGrpSpPr>
+      <p:grpSpPr>
+        <a:xfrm>
+          <a:off x="0" y="0"/>
+          <a:ext cx="0" cy="0"/>
+          <a:chOff x="0" y="0"/>
+          <a:chExt cx="0" cy="0"/>
+        </a:xfrm>
+      </p:grpSpPr>
+      <p:sp>
+        <p:nvSpPr>
+          <p:cNvPr id="8" name="Title 7"/>
+          <p:cNvSpPr>
+            <a:spLocks noGrp="1"/>
+          </p:cNvSpPr>
+          <p:nvPr>
+            <p:ph type="title"/>
+          </p:nvPr>
+        </p:nvSpPr>
+        <p:spPr/>
+        <p:txBody>
+          <a:bodyPr/>
+          <a:lstStyle/>
+          <a:p>
+            <a:r>
+              <a:rPr lang="en-US" dirty="0"/>
+              <a:t>Web Grid – Grid HTML Helper</a:t>
+            </a:r>
+          </a:p>
+        </p:txBody>
+      </p:sp>
+      <p:pic>
+        <p:nvPicPr>
+          <p:cNvPr id="10" name="Picture 9">
+            <a:extLst>
+              <a:ext uri="{FF2B5EF4-FFF2-40B4-BE49-F238E27FC236}">
+                <a16:creationId xmlns:a16="http://schemas.microsoft.com/office/drawing/2014/main" id="{342C45D0-A538-4C8F-B98B-8078451C7720}"/>
+              </a:ext>
+            </a:extLst>
+          </p:cNvPr>
+          <p:cNvPicPr>
+            <a:picLocks noChangeAspect="1"/>
+          </p:cNvPicPr>
+          <p:nvPr/>
+        </p:nvPicPr>
+        <p:blipFill>
+          <a:blip r:embed="rId3"/>
+          <a:stretch>
+            <a:fillRect/>
+          </a:stretch>
+        </p:blipFill>
+        <p:spPr>
+          <a:xfrm>
+            <a:off x="209641" y="1728012"/>
+            <a:ext cx="10828608" cy="3702406"/>
+          </a:xfrm>
+          <a:prstGeom prst="rect">
+            <a:avLst/>
+          </a:prstGeom>
+        </p:spPr>
+      </p:pic>
+    </p:spTree>
+    <p:extLst>
+      <p:ext uri="{BB962C8B-B14F-4D97-AF65-F5344CB8AC3E}">
+        <p14:creationId xmlns:p14="http://schemas.microsoft.com/office/powerpoint/2010/main" val="3333810117"/>
+      </p:ext>
+    </p:extLst>
+  </p:cSld>
+  <p:clrMapOvr>
+    <a:masterClrMapping/>
+  </p:clrMapOvr>
+</p:sld>
+</file>
+
+<file path=ppt/slides/slide23.xml><?xml version="1.0" encoding="utf-8"?>
+<p:sld xmlns:a="http://schemas.openxmlformats.org/drawingml/2006/main" xmlns:r="http://schemas.openxmlformats.org/officeDocument/2006/relationships" xmlns:p="http://schemas.openxmlformats.org/presentationml/2006/main">
+  <p:cSld>
+    <p:spTree>
+      <p:nvGrpSpPr>
+        <p:cNvPr id="1" name=""/>
+        <p:cNvGrpSpPr/>
+        <p:nvPr/>
+      </p:nvGrpSpPr>
+      <p:grpSpPr>
+        <a:xfrm>
+          <a:off x="0" y="0"/>
+          <a:ext cx="0" cy="0"/>
+          <a:chOff x="0" y="0"/>
+          <a:chExt cx="0" cy="0"/>
+        </a:xfrm>
+      </p:grpSpPr>
+      <p:sp>
+        <p:nvSpPr>
+          <p:cNvPr id="8" name="Title 7"/>
+          <p:cNvSpPr>
+            <a:spLocks noGrp="1"/>
+          </p:cNvSpPr>
+          <p:nvPr>
+            <p:ph type="title"/>
+          </p:nvPr>
+        </p:nvSpPr>
+        <p:spPr/>
+        <p:txBody>
+          <a:bodyPr/>
+          <a:lstStyle/>
+          <a:p>
+            <a:r>
+              <a:rPr lang="en-US" dirty="0"/>
+              <a:t>Web Grid – JSON Configuration File</a:t>
+            </a:r>
+          </a:p>
+        </p:txBody>
+      </p:sp>
+      <p:pic>
+        <p:nvPicPr>
+          <p:cNvPr id="4" name="Picture 3">
+            <a:extLst>
+              <a:ext uri="{FF2B5EF4-FFF2-40B4-BE49-F238E27FC236}">
+                <a16:creationId xmlns:a16="http://schemas.microsoft.com/office/drawing/2014/main" id="{E91339E9-B6D1-4DEC-A7CB-A0EB14D22280}"/>
+              </a:ext>
+            </a:extLst>
+          </p:cNvPr>
+          <p:cNvPicPr>
+            <a:picLocks noChangeAspect="1"/>
+          </p:cNvPicPr>
+          <p:nvPr/>
+        </p:nvPicPr>
+        <p:blipFill>
+          <a:blip r:embed="rId3"/>
+          <a:stretch>
+            <a:fillRect/>
+          </a:stretch>
+        </p:blipFill>
+        <p:spPr>
+          <a:xfrm>
+            <a:off x="5064968" y="1366944"/>
+            <a:ext cx="6561538" cy="4925854"/>
+          </a:xfrm>
+          <a:prstGeom prst="rect">
+            <a:avLst/>
+          </a:prstGeom>
+          <a:effectLst>
+            <a:outerShdw blurRad="50800" dist="38100" dir="2700000" algn="tl" rotWithShape="0">
+              <a:prstClr val="black">
+                <a:alpha val="40000"/>
+              </a:prstClr>
+            </a:outerShdw>
+          </a:effectLst>
+        </p:spPr>
+      </p:pic>
+      <p:sp>
+        <p:nvSpPr>
+          <p:cNvPr id="5" name="Content Placeholder 2">
+            <a:extLst>
+              <a:ext uri="{FF2B5EF4-FFF2-40B4-BE49-F238E27FC236}">
+                <a16:creationId xmlns:a16="http://schemas.microsoft.com/office/drawing/2014/main" id="{3E29AEE9-1423-4A5A-A1CE-B779FEEC9EEE}"/>
+              </a:ext>
+            </a:extLst>
+          </p:cNvPr>
+          <p:cNvSpPr>
+            <a:spLocks noGrp="1"/>
+          </p:cNvSpPr>
+          <p:nvPr>
+            <p:ph idx="1"/>
+          </p:nvPr>
+        </p:nvSpPr>
+        <p:spPr>
+          <a:xfrm>
+            <a:off x="838200" y="1825625"/>
+            <a:ext cx="4508241" cy="4351338"/>
+          </a:xfrm>
+        </p:spPr>
+        <p:txBody>
+          <a:bodyPr/>
+          <a:lstStyle/>
+          <a:p>
+            <a:pPr marL="285750" indent="-285750">
+              <a:buFont typeface="Arial" panose="020B0604020202020204" pitchFamily="34" charset="0"/>
+              <a:buChar char="•"/>
+            </a:pPr>
+            <a:r>
+              <a:rPr lang="en-US" sz="2000" dirty="0"/>
+              <a:t>Config is now in a file</a:t>
+            </a:r>
+          </a:p>
+          <a:p>
+            <a:pPr marL="285750" indent="-285750">
+              <a:buFont typeface="Arial" panose="020B0604020202020204" pitchFamily="34" charset="0"/>
+              <a:buChar char="•"/>
+            </a:pPr>
+            <a:r>
+              <a:rPr lang="en-US" sz="2000" dirty="0"/>
+              <a:t>Can be generated by the wizard</a:t>
+            </a:r>
+          </a:p>
+          <a:p>
+            <a:pPr marL="285750" indent="-285750">
+              <a:buFont typeface="Arial" panose="020B0604020202020204" pitchFamily="34" charset="0"/>
+              <a:buChar char="•"/>
+            </a:pPr>
+            <a:r>
+              <a:rPr lang="en-US" sz="2000" dirty="0"/>
+              <a:t>Customization / Extension</a:t>
+            </a:r>
+          </a:p>
+          <a:p>
+            <a:pPr marL="285750" indent="-285750">
+              <a:buFont typeface="Arial" panose="020B0604020202020204" pitchFamily="34" charset="0"/>
+              <a:buChar char="•"/>
+            </a:pPr>
+            <a:endParaRPr lang="en-US" dirty="0"/>
+          </a:p>
+          <a:p>
+            <a:endParaRPr lang="en-US" dirty="0"/>
+          </a:p>
+          <a:p>
+            <a:endParaRPr lang="en-US" dirty="0"/>
+          </a:p>
+        </p:txBody>
+      </p:sp>
+    </p:spTree>
+    <p:extLst>
+      <p:ext uri="{BB962C8B-B14F-4D97-AF65-F5344CB8AC3E}">
+        <p14:creationId xmlns:p14="http://schemas.microsoft.com/office/powerpoint/2010/main" val="780647823"/>
+      </p:ext>
+    </p:extLst>
+  </p:cSld>
+  <p:clrMapOvr>
+    <a:masterClrMapping/>
+  </p:clrMapOvr>
+</p:sld>
+</file>
+
+<file path=ppt/slides/slide24.xml><?xml version="1.0" encoding="utf-8"?>
+<p:sld xmlns:a="http://schemas.openxmlformats.org/drawingml/2006/main" xmlns:r="http://schemas.openxmlformats.org/officeDocument/2006/relationships" xmlns:p="http://schemas.openxmlformats.org/presentationml/2006/main">
+  <p:cSld>
+    <p:spTree>
+      <p:nvGrpSpPr>
+        <p:cNvPr id="1" name=""/>
+        <p:cNvGrpSpPr/>
+        <p:nvPr/>
+      </p:nvGrpSpPr>
+      <p:grpSpPr>
+        <a:xfrm>
+          <a:off x="0" y="0"/>
+          <a:ext cx="0" cy="0"/>
+          <a:chOff x="0" y="0"/>
+          <a:chExt cx="0" cy="0"/>
+        </a:xfrm>
+      </p:grpSpPr>
+      <p:sp>
+        <p:nvSpPr>
+          <p:cNvPr id="8" name="Title 7"/>
+          <p:cNvSpPr>
+            <a:spLocks noGrp="1"/>
+          </p:cNvSpPr>
+          <p:nvPr>
+            <p:ph type="title"/>
+          </p:nvPr>
+        </p:nvSpPr>
+        <p:spPr/>
+        <p:txBody>
+          <a:bodyPr/>
+          <a:lstStyle/>
+          <a:p>
+            <a:r>
+              <a:rPr lang="en-US" dirty="0"/>
+              <a:t>Web Grid – Client Interface</a:t>
+            </a:r>
+          </a:p>
+        </p:txBody>
+      </p:sp>
+      <p:sp>
+        <p:nvSpPr>
+          <p:cNvPr id="5" name="Content Placeholder 2">
+            <a:extLst>
+              <a:ext uri="{FF2B5EF4-FFF2-40B4-BE49-F238E27FC236}">
+                <a16:creationId xmlns:a16="http://schemas.microsoft.com/office/drawing/2014/main" id="{A2FCA822-10E8-4F4A-88B8-0AEC3106CC59}"/>
+              </a:ext>
+            </a:extLst>
+          </p:cNvPr>
+          <p:cNvSpPr>
+            <a:spLocks noGrp="1"/>
+          </p:cNvSpPr>
+          <p:nvPr>
+            <p:ph idx="1"/>
+          </p:nvPr>
+        </p:nvSpPr>
+        <p:spPr>
+          <a:xfrm>
+            <a:off x="381000" y="1600199"/>
+            <a:ext cx="11430000" cy="5145833"/>
+          </a:xfrm>
+        </p:spPr>
+        <p:txBody>
+          <a:bodyPr/>
+          <a:lstStyle/>
+          <a:p>
+            <a:pPr marL="285750" indent="-285750">
+              <a:spcBef>
+                <a:spcPts val="300"/>
+              </a:spcBef>
+              <a:spcAft>
+                <a:spcPts val="300"/>
+              </a:spcAft>
+              <a:buFont typeface="Arial" panose="020B0604020202020204" pitchFamily="34" charset="0"/>
+              <a:buChar char="•"/>
+            </a:pPr>
+            <a:r>
+              <a:rPr lang="en-US" sz="2000" dirty="0">
+                <a:solidFill>
+                  <a:schemeClr val="tx1"/>
+                </a:solidFill>
+              </a:rPr>
+              <a:t>Documentation</a:t>
+            </a:r>
+          </a:p>
+          <a:p>
+            <a:pPr marL="468308" lvl="1" indent="-285750">
+              <a:spcBef>
+                <a:spcPts val="300"/>
+              </a:spcBef>
+              <a:spcAft>
+                <a:spcPts val="300"/>
+              </a:spcAft>
+            </a:pPr>
+            <a:r>
+              <a:rPr lang="en-US" sz="1600" dirty="0"/>
+              <a:t>Sage300SDK-GridClientInterface.docx</a:t>
+            </a:r>
+            <a:endParaRPr lang="en-US" sz="1600" dirty="0">
+              <a:solidFill>
+                <a:schemeClr val="tx1"/>
+              </a:solidFill>
+            </a:endParaRPr>
+          </a:p>
+          <a:p>
+            <a:pPr marL="285750" indent="-285750">
+              <a:spcBef>
+                <a:spcPts val="300"/>
+              </a:spcBef>
+              <a:spcAft>
+                <a:spcPts val="300"/>
+              </a:spcAft>
+              <a:buFont typeface="Arial" panose="020B0604020202020204" pitchFamily="34" charset="0"/>
+              <a:buChar char="•"/>
+            </a:pPr>
+            <a:r>
+              <a:rPr lang="en-US" sz="2000" dirty="0">
+                <a:solidFill>
+                  <a:schemeClr val="tx1"/>
+                </a:solidFill>
+              </a:rPr>
+              <a:t>Assumptions</a:t>
+            </a:r>
+          </a:p>
+          <a:p>
+            <a:pPr marL="973350" lvl="1" indent="-285750">
+              <a:spcBef>
+                <a:spcPts val="300"/>
+              </a:spcBef>
+              <a:spcAft>
+                <a:spcPts val="300"/>
+              </a:spcAft>
+            </a:pPr>
+            <a:r>
+              <a:rPr lang="en-US" sz="1600" dirty="0">
+                <a:solidFill>
+                  <a:schemeClr val="tx1"/>
+                </a:solidFill>
+              </a:rPr>
+              <a:t>Client and server are always synchronized</a:t>
+            </a:r>
+          </a:p>
+          <a:p>
+            <a:pPr marL="973350" lvl="1" indent="-285750">
+              <a:spcBef>
+                <a:spcPts val="300"/>
+              </a:spcBef>
+              <a:spcAft>
+                <a:spcPts val="300"/>
+              </a:spcAft>
+            </a:pPr>
+            <a:r>
+              <a:rPr lang="en-US" sz="1600" dirty="0">
+                <a:solidFill>
+                  <a:schemeClr val="tx1"/>
+                </a:solidFill>
+              </a:rPr>
+              <a:t>All columns must be defined in the JSON file</a:t>
+            </a:r>
+          </a:p>
+          <a:p>
+            <a:pPr marL="973350" lvl="1" indent="-285750">
+              <a:spcBef>
+                <a:spcPts val="300"/>
+              </a:spcBef>
+              <a:spcAft>
+                <a:spcPts val="300"/>
+              </a:spcAft>
+            </a:pPr>
+            <a:r>
+              <a:rPr lang="en-US" sz="1600" dirty="0">
+                <a:solidFill>
+                  <a:schemeClr val="tx1"/>
+                </a:solidFill>
+              </a:rPr>
+              <a:t>Control is created using an HTML helper</a:t>
+            </a:r>
+          </a:p>
+          <a:p>
+            <a:pPr marL="285750" indent="-285750">
+              <a:spcBef>
+                <a:spcPts val="300"/>
+              </a:spcBef>
+              <a:spcAft>
+                <a:spcPts val="300"/>
+              </a:spcAft>
+              <a:buFont typeface="Arial" panose="020B0604020202020204" pitchFamily="34" charset="0"/>
+              <a:buChar char="•"/>
+            </a:pPr>
+            <a:r>
+              <a:rPr lang="en-US" sz="2000" dirty="0">
+                <a:solidFill>
+                  <a:schemeClr val="tx1"/>
+                </a:solidFill>
+              </a:rPr>
+              <a:t>Configuration</a:t>
+            </a:r>
+          </a:p>
+          <a:p>
+            <a:pPr marL="973350" lvl="1" indent="-285750">
+              <a:spcBef>
+                <a:spcPts val="300"/>
+              </a:spcBef>
+              <a:spcAft>
+                <a:spcPts val="300"/>
+              </a:spcAft>
+            </a:pPr>
+            <a:r>
+              <a:rPr lang="en-US" sz="1600" dirty="0" err="1">
+                <a:solidFill>
+                  <a:schemeClr val="tx1"/>
+                </a:solidFill>
+              </a:rPr>
+              <a:t>init</a:t>
+            </a:r>
+            <a:endParaRPr lang="en-US" sz="1600" dirty="0">
+              <a:solidFill>
+                <a:schemeClr val="tx1"/>
+              </a:solidFill>
+            </a:endParaRPr>
+          </a:p>
+          <a:p>
+            <a:pPr marL="285750" indent="-285750">
+              <a:spcBef>
+                <a:spcPts val="300"/>
+              </a:spcBef>
+              <a:spcAft>
+                <a:spcPts val="300"/>
+              </a:spcAft>
+              <a:buFont typeface="Arial" panose="020B0604020202020204" pitchFamily="34" charset="0"/>
+              <a:buChar char="•"/>
+            </a:pPr>
+            <a:r>
+              <a:rPr lang="en-US" sz="2000" dirty="0">
+                <a:solidFill>
+                  <a:schemeClr val="tx1"/>
+                </a:solidFill>
+              </a:rPr>
+              <a:t>Methods</a:t>
+            </a:r>
+          </a:p>
+          <a:p>
+            <a:pPr marL="973350" lvl="1" indent="-285750">
+              <a:spcBef>
+                <a:spcPts val="300"/>
+              </a:spcBef>
+              <a:spcAft>
+                <a:spcPts val="300"/>
+              </a:spcAft>
+            </a:pPr>
+            <a:r>
+              <a:rPr lang="en-US" sz="1600" dirty="0">
+                <a:solidFill>
+                  <a:schemeClr val="tx1"/>
+                </a:solidFill>
+              </a:rPr>
+              <a:t>refresh, commit, dirty, </a:t>
+            </a:r>
+            <a:r>
+              <a:rPr lang="en-US" sz="1600" dirty="0" err="1">
+                <a:solidFill>
+                  <a:schemeClr val="tx1"/>
+                </a:solidFill>
+              </a:rPr>
+              <a:t>allowsInsert</a:t>
+            </a:r>
+            <a:r>
+              <a:rPr lang="en-US" sz="1600" dirty="0">
+                <a:solidFill>
+                  <a:schemeClr val="tx1"/>
+                </a:solidFill>
+              </a:rPr>
+              <a:t>, </a:t>
+            </a:r>
+            <a:r>
+              <a:rPr lang="en-US" sz="1600" dirty="0" err="1">
+                <a:solidFill>
+                  <a:schemeClr val="tx1"/>
+                </a:solidFill>
+              </a:rPr>
+              <a:t>allowsDelete</a:t>
+            </a:r>
+            <a:r>
+              <a:rPr lang="en-US" sz="1600" dirty="0">
+                <a:solidFill>
+                  <a:schemeClr val="tx1"/>
+                </a:solidFill>
+              </a:rPr>
+              <a:t>, </a:t>
+            </a:r>
+            <a:r>
+              <a:rPr lang="en-US" sz="1600" dirty="0" err="1">
+                <a:solidFill>
+                  <a:schemeClr val="tx1"/>
+                </a:solidFill>
+              </a:rPr>
+              <a:t>showColumn</a:t>
+            </a:r>
+            <a:r>
+              <a:rPr lang="en-US" sz="1600" dirty="0">
+                <a:solidFill>
+                  <a:schemeClr val="tx1"/>
+                </a:solidFill>
+              </a:rPr>
+              <a:t>, </a:t>
+            </a:r>
+            <a:r>
+              <a:rPr lang="en-US" sz="1600" dirty="0" err="1">
+                <a:solidFill>
+                  <a:schemeClr val="tx1"/>
+                </a:solidFill>
+              </a:rPr>
+              <a:t>columnTemplate</a:t>
+            </a:r>
+            <a:r>
+              <a:rPr lang="en-US" sz="1600" dirty="0">
+                <a:solidFill>
+                  <a:schemeClr val="tx1"/>
+                </a:solidFill>
+              </a:rPr>
+              <a:t>, </a:t>
+            </a:r>
+            <a:r>
+              <a:rPr lang="en-US" sz="1600" dirty="0" err="1">
+                <a:solidFill>
+                  <a:schemeClr val="tx1"/>
+                </a:solidFill>
+              </a:rPr>
+              <a:t>currentRecord</a:t>
+            </a:r>
+            <a:r>
+              <a:rPr lang="en-US" sz="1600" dirty="0">
+                <a:solidFill>
+                  <a:schemeClr val="tx1"/>
+                </a:solidFill>
+              </a:rPr>
+              <a:t>, filter, </a:t>
+            </a:r>
+            <a:r>
+              <a:rPr lang="en-US" sz="1600" dirty="0" err="1">
+                <a:solidFill>
+                  <a:schemeClr val="tx1"/>
+                </a:solidFill>
+              </a:rPr>
+              <a:t>readOnly</a:t>
+            </a:r>
+            <a:r>
+              <a:rPr lang="en-US" sz="1600" dirty="0">
+                <a:solidFill>
+                  <a:schemeClr val="tx1"/>
+                </a:solidFill>
+              </a:rPr>
+              <a:t>, </a:t>
+            </a:r>
+            <a:r>
+              <a:rPr lang="en-US" sz="1600" dirty="0" err="1">
+                <a:solidFill>
+                  <a:schemeClr val="tx1"/>
+                </a:solidFill>
+              </a:rPr>
+              <a:t>columnCount</a:t>
+            </a:r>
+            <a:r>
+              <a:rPr lang="en-US" sz="1600" dirty="0">
+                <a:solidFill>
+                  <a:schemeClr val="tx1"/>
+                </a:solidFill>
+              </a:rPr>
+              <a:t>, </a:t>
+            </a:r>
+            <a:r>
+              <a:rPr lang="en-US" sz="1600" dirty="0" err="1">
+                <a:solidFill>
+                  <a:schemeClr val="tx1"/>
+                </a:solidFill>
+              </a:rPr>
+              <a:t>fieldName</a:t>
+            </a:r>
+            <a:r>
+              <a:rPr lang="en-US" sz="1600" dirty="0">
+                <a:solidFill>
+                  <a:schemeClr val="tx1"/>
+                </a:solidFill>
+              </a:rPr>
+              <a:t>, </a:t>
+            </a:r>
+            <a:r>
+              <a:rPr lang="en-US" sz="1600" dirty="0" err="1">
+                <a:solidFill>
+                  <a:schemeClr val="tx1"/>
+                </a:solidFill>
+              </a:rPr>
+              <a:t>columnTitle</a:t>
+            </a:r>
+            <a:r>
+              <a:rPr lang="en-US" sz="1600" dirty="0">
+                <a:solidFill>
+                  <a:schemeClr val="tx1"/>
+                </a:solidFill>
+              </a:rPr>
+              <a:t>, </a:t>
+            </a:r>
+            <a:r>
+              <a:rPr lang="en-US" sz="1600" dirty="0" err="1">
+                <a:solidFill>
+                  <a:schemeClr val="tx1"/>
+                </a:solidFill>
+              </a:rPr>
+              <a:t>columnEditable</a:t>
+            </a:r>
+            <a:r>
+              <a:rPr lang="en-US" sz="1600" dirty="0">
+                <a:solidFill>
+                  <a:schemeClr val="tx1"/>
+                </a:solidFill>
+              </a:rPr>
+              <a:t>, </a:t>
+            </a:r>
+            <a:r>
+              <a:rPr lang="en-US" sz="1600" dirty="0" err="1">
+                <a:solidFill>
+                  <a:schemeClr val="tx1"/>
+                </a:solidFill>
+              </a:rPr>
+              <a:t>setValue</a:t>
+            </a:r>
+            <a:endParaRPr lang="en-US" sz="1600" dirty="0">
+              <a:solidFill>
+                <a:schemeClr val="tx1"/>
+              </a:solidFill>
+            </a:endParaRPr>
+          </a:p>
+          <a:p>
+            <a:pPr marL="285750" indent="-285750">
+              <a:spcBef>
+                <a:spcPts val="300"/>
+              </a:spcBef>
+              <a:spcAft>
+                <a:spcPts val="300"/>
+              </a:spcAft>
+              <a:buFont typeface="Arial" panose="020B0604020202020204" pitchFamily="34" charset="0"/>
+              <a:buChar char="•"/>
+            </a:pPr>
+            <a:r>
+              <a:rPr lang="en-US" sz="2000" dirty="0">
+                <a:solidFill>
+                  <a:schemeClr val="tx1"/>
+                </a:solidFill>
+              </a:rPr>
+              <a:t>Events (grid and column level)</a:t>
+            </a:r>
+          </a:p>
+          <a:p>
+            <a:pPr marL="973350" lvl="1" indent="-285750">
+              <a:spcBef>
+                <a:spcPts val="300"/>
+              </a:spcBef>
+              <a:spcAft>
+                <a:spcPts val="300"/>
+              </a:spcAft>
+            </a:pPr>
+            <a:r>
+              <a:rPr lang="en-US" sz="1600" dirty="0">
+                <a:solidFill>
+                  <a:schemeClr val="tx1"/>
+                </a:solidFill>
+              </a:rPr>
+              <a:t>columnChanged, gridChanged, gridAfterSetActiveRecord, gridBeforeDelete, gridAfterDelete, gridBeforeCreate, gridAfterCreate, gridAfterInsert, columnBeforeDisplay, columnDoubleClick, columnBeforeFinder, columnBeforeEdit, columnStartEdit, columnEndEdit</a:t>
+            </a:r>
+          </a:p>
+          <a:p>
+            <a:pPr marL="973350" lvl="1" indent="-285750">
+              <a:spcBef>
+                <a:spcPts val="300"/>
+              </a:spcBef>
+              <a:spcAft>
+                <a:spcPts val="300"/>
+              </a:spcAft>
+            </a:pPr>
+            <a:endParaRPr lang="en-US" sz="1600" dirty="0">
+              <a:solidFill>
+                <a:schemeClr val="tx1"/>
+              </a:solidFill>
+            </a:endParaRPr>
+          </a:p>
+          <a:p>
+            <a:pPr marL="973350" lvl="1" indent="-285750">
+              <a:spcBef>
+                <a:spcPts val="300"/>
+              </a:spcBef>
+              <a:spcAft>
+                <a:spcPts val="300"/>
+              </a:spcAft>
+            </a:pPr>
+            <a:endParaRPr lang="en-US" sz="1600" dirty="0"/>
+          </a:p>
+        </p:txBody>
+      </p:sp>
+    </p:spTree>
+    <p:extLst>
+      <p:ext uri="{BB962C8B-B14F-4D97-AF65-F5344CB8AC3E}">
+        <p14:creationId xmlns:p14="http://schemas.microsoft.com/office/powerpoint/2010/main" val="2709661326"/>
+      </p:ext>
+    </p:extLst>
+  </p:cSld>
+  <p:clrMapOvr>
+    <a:masterClrMapping/>
+  </p:clrMapOvr>
+</p:sld>
+</file>
+
+<file path=ppt/slides/slide25.xml><?xml version="1.0" encoding="utf-8"?>
+<p:sld xmlns:a="http://schemas.openxmlformats.org/drawingml/2006/main" xmlns:r="http://schemas.openxmlformats.org/officeDocument/2006/relationships" xmlns:p="http://schemas.openxmlformats.org/presentationml/2006/main">
+  <p:cSld>
+    <p:spTree>
+      <p:nvGrpSpPr>
+        <p:cNvPr id="1" name=""/>
+        <p:cNvGrpSpPr/>
+        <p:nvPr/>
+      </p:nvGrpSpPr>
+      <p:grpSpPr>
+        <a:xfrm>
+          <a:off x="0" y="0"/>
+          <a:ext cx="0" cy="0"/>
+          <a:chOff x="0" y="0"/>
+          <a:chExt cx="0" cy="0"/>
+        </a:xfrm>
+      </p:grpSpPr>
+      <p:sp>
+        <p:nvSpPr>
+          <p:cNvPr id="8" name="Title 7"/>
+          <p:cNvSpPr>
+            <a:spLocks noGrp="1"/>
+          </p:cNvSpPr>
+          <p:nvPr>
+            <p:ph type="title"/>
+          </p:nvPr>
+        </p:nvSpPr>
+        <p:spPr/>
+        <p:txBody>
+          <a:bodyPr/>
+          <a:lstStyle/>
+          <a:p>
+            <a:r>
+              <a:rPr lang="en-US" dirty="0"/>
+              <a:t>Web Grid – Server Interface</a:t>
+            </a:r>
+          </a:p>
+        </p:txBody>
+      </p:sp>
+      <p:sp>
+        <p:nvSpPr>
+          <p:cNvPr id="6" name="Content Placeholder 2">
+            <a:extLst>
+              <a:ext uri="{FF2B5EF4-FFF2-40B4-BE49-F238E27FC236}">
+                <a16:creationId xmlns:a16="http://schemas.microsoft.com/office/drawing/2014/main" id="{00A0AF32-5879-4D2C-917D-145BD268D22C}"/>
+              </a:ext>
+            </a:extLst>
+          </p:cNvPr>
+          <p:cNvSpPr txBox="1">
+            <a:spLocks/>
+          </p:cNvSpPr>
+          <p:nvPr/>
+        </p:nvSpPr>
+        <p:spPr bwMode="gray">
+          <a:xfrm>
+            <a:off x="381000" y="1600200"/>
+            <a:ext cx="11430000" cy="4876800"/>
+          </a:xfrm>
+          <a:prstGeom prst="rect">
+            <a:avLst/>
+          </a:prstGeom>
+        </p:spPr>
+        <p:txBody>
+          <a:bodyPr vert="horz" lIns="0" tIns="0" rIns="0" bIns="0" rtlCol="0" anchor="t" anchorCtr="0">
+            <a:noAutofit/>
+          </a:bodyPr>
+          <a:lstStyle>
+            <a:lvl1pPr marL="0" indent="0" algn="l" defTabSz="914377" rtl="0" eaLnBrk="1" latinLnBrk="0" hangingPunct="1">
+              <a:lnSpc>
+                <a:spcPct val="110000"/>
+              </a:lnSpc>
+              <a:spcBef>
+                <a:spcPts val="1000"/>
+              </a:spcBef>
+              <a:buFont typeface="Arial" panose="020B0604020202020204" pitchFamily="34" charset="0"/>
+              <a:buNone/>
+              <a:defRPr sz="1800" b="0" kern="1200" spc="-20" baseline="0">
+                <a:solidFill>
+                  <a:schemeClr val="tx1"/>
+                </a:solidFill>
+                <a:latin typeface="+mn-lt"/>
+                <a:ea typeface="+mn-ea"/>
+                <a:cs typeface="+mn-cs"/>
+              </a:defRPr>
+            </a:lvl1pPr>
+            <a:lvl2pPr marL="182558" indent="-182558" algn="l" defTabSz="914377" rtl="0" eaLnBrk="1" latinLnBrk="0" hangingPunct="1">
+              <a:lnSpc>
+                <a:spcPct val="110000"/>
+              </a:lnSpc>
+              <a:spcBef>
+                <a:spcPts val="1000"/>
+              </a:spcBef>
+              <a:buClr>
+                <a:srgbClr val="FFB000"/>
+              </a:buClr>
+              <a:buFont typeface="Arial" panose="020B0604020202020204" pitchFamily="34" charset="0"/>
+              <a:buChar char="•"/>
+              <a:defRPr sz="1800" kern="1200" spc="-20" baseline="0">
+                <a:solidFill>
+                  <a:schemeClr val="tx1"/>
+                </a:solidFill>
+                <a:latin typeface="+mn-lt"/>
+                <a:ea typeface="+mn-ea"/>
+                <a:cs typeface="+mn-cs"/>
+              </a:defRPr>
+            </a:lvl2pPr>
+            <a:lvl3pPr marL="357179" indent="-174621" algn="l" defTabSz="914377" rtl="0" eaLnBrk="1" latinLnBrk="0" hangingPunct="1">
+              <a:lnSpc>
+                <a:spcPct val="110000"/>
+              </a:lnSpc>
+              <a:spcBef>
+                <a:spcPts val="1000"/>
+              </a:spcBef>
+              <a:buClr>
+                <a:srgbClr val="FFB000"/>
+              </a:buClr>
+              <a:buFont typeface="Arial" panose="020B0604020202020204" pitchFamily="34" charset="0"/>
+              <a:buChar char="−"/>
+              <a:defRPr sz="1400" kern="1200" spc="-20" baseline="0">
+                <a:solidFill>
+                  <a:schemeClr val="tx1"/>
+                </a:solidFill>
+                <a:latin typeface="+mn-lt"/>
+                <a:ea typeface="+mn-ea"/>
+                <a:cs typeface="+mn-cs"/>
+              </a:defRPr>
+            </a:lvl3pPr>
+            <a:lvl4pPr marL="539737" indent="-182558" algn="l" defTabSz="914377" rtl="0" eaLnBrk="1" latinLnBrk="0" hangingPunct="1">
+              <a:lnSpc>
+                <a:spcPct val="110000"/>
+              </a:lnSpc>
+              <a:spcBef>
+                <a:spcPts val="1000"/>
+              </a:spcBef>
+              <a:buClr>
+                <a:srgbClr val="FFB000"/>
+              </a:buClr>
+              <a:buFont typeface="Arial" panose="020B0604020202020204" pitchFamily="34" charset="0"/>
+              <a:buChar char="•"/>
+              <a:defRPr sz="1200" kern="1200" spc="-20" baseline="0">
+                <a:solidFill>
+                  <a:schemeClr val="tx1"/>
+                </a:solidFill>
+                <a:latin typeface="+mn-lt"/>
+                <a:ea typeface="+mn-ea"/>
+                <a:cs typeface="+mn-cs"/>
+              </a:defRPr>
+            </a:lvl4pPr>
+            <a:lvl5pPr marL="712770" indent="-173034" algn="l" defTabSz="914377" rtl="0" eaLnBrk="1" latinLnBrk="0" hangingPunct="1">
+              <a:lnSpc>
+                <a:spcPct val="110000"/>
+              </a:lnSpc>
+              <a:spcBef>
+                <a:spcPts val="1000"/>
+              </a:spcBef>
+              <a:buClr>
+                <a:srgbClr val="FFB000"/>
+              </a:buClr>
+              <a:buFont typeface="Arial" panose="020B0604020202020204" pitchFamily="34" charset="0"/>
+              <a:buChar char="−"/>
+              <a:defRPr sz="1200" kern="1200" spc="-20" baseline="0">
+                <a:solidFill>
+                  <a:schemeClr val="tx1"/>
+                </a:solidFill>
+                <a:latin typeface="+mn-lt"/>
+                <a:ea typeface="+mn-ea"/>
+                <a:cs typeface="+mn-cs"/>
+              </a:defRPr>
+            </a:lvl5pPr>
+            <a:lvl6pPr marL="2514537" indent="-228594" algn="l" defTabSz="914377" rtl="0" eaLnBrk="1" latinLnBrk="0" hangingPunct="1">
+              <a:lnSpc>
+                <a:spcPct val="90000"/>
+              </a:lnSpc>
+              <a:spcBef>
+                <a:spcPts val="500"/>
+              </a:spcBef>
+              <a:buFont typeface="Arial" panose="020B0604020202020204" pitchFamily="34" charset="0"/>
+              <a:buChar char="•"/>
+              <a:defRPr sz="1800" kern="1200">
+                <a:solidFill>
+                  <a:schemeClr val="tx1"/>
+                </a:solidFill>
+                <a:latin typeface="+mn-lt"/>
+                <a:ea typeface="+mn-ea"/>
+                <a:cs typeface="+mn-cs"/>
+              </a:defRPr>
+            </a:lvl6pPr>
+            <a:lvl7pPr marL="2971726" indent="-228594" algn="l" defTabSz="914377" rtl="0" eaLnBrk="1" latinLnBrk="0" hangingPunct="1">
+              <a:lnSpc>
+                <a:spcPct val="90000"/>
+              </a:lnSpc>
+              <a:spcBef>
+                <a:spcPts val="500"/>
+              </a:spcBef>
+              <a:buFont typeface="Arial" panose="020B0604020202020204" pitchFamily="34" charset="0"/>
+              <a:buChar char="•"/>
+              <a:defRPr sz="1800" kern="1200">
+                <a:solidFill>
+                  <a:schemeClr val="tx1"/>
+                </a:solidFill>
+                <a:latin typeface="+mn-lt"/>
+                <a:ea typeface="+mn-ea"/>
+                <a:cs typeface="+mn-cs"/>
+              </a:defRPr>
+            </a:lvl7pPr>
+            <a:lvl8pPr marL="3428914" indent="-228594" algn="l" defTabSz="914377" rtl="0" eaLnBrk="1" latinLnBrk="0" hangingPunct="1">
+              <a:lnSpc>
+                <a:spcPct val="90000"/>
+              </a:lnSpc>
+              <a:spcBef>
+                <a:spcPts val="500"/>
+              </a:spcBef>
+              <a:buFont typeface="Arial" panose="020B0604020202020204" pitchFamily="34" charset="0"/>
+              <a:buChar char="•"/>
+              <a:defRPr sz="1800" kern="1200">
+                <a:solidFill>
+                  <a:schemeClr val="tx1"/>
+                </a:solidFill>
+                <a:latin typeface="+mn-lt"/>
+                <a:ea typeface="+mn-ea"/>
+                <a:cs typeface="+mn-cs"/>
+              </a:defRPr>
+            </a:lvl8pPr>
+            <a:lvl9pPr marL="3886103" indent="-228594" algn="l" defTabSz="914377" rtl="0" eaLnBrk="1" latinLnBrk="0" hangingPunct="1">
+              <a:lnSpc>
+                <a:spcPct val="90000"/>
+              </a:lnSpc>
+              <a:spcBef>
+                <a:spcPts val="500"/>
+              </a:spcBef>
+              <a:buFont typeface="Arial" panose="020B0604020202020204" pitchFamily="34" charset="0"/>
+              <a:buChar char="•"/>
+              <a:defRPr sz="1800" kern="1200">
+                <a:solidFill>
+                  <a:schemeClr val="tx1"/>
+                </a:solidFill>
+                <a:latin typeface="+mn-lt"/>
+                <a:ea typeface="+mn-ea"/>
+                <a:cs typeface="+mn-cs"/>
+              </a:defRPr>
+            </a:lvl9pPr>
+          </a:lstStyle>
+          <a:p>
+            <a:pPr marL="285750" indent="-285750">
+              <a:spcBef>
+                <a:spcPts val="300"/>
+              </a:spcBef>
+              <a:spcAft>
+                <a:spcPts val="300"/>
+              </a:spcAft>
+              <a:buFont typeface="Arial" panose="020B0604020202020204" pitchFamily="34" charset="0"/>
+              <a:buChar char="•"/>
+            </a:pPr>
+            <a:r>
+              <a:rPr lang="en-US" sz="2000" dirty="0"/>
+              <a:t>Documentation</a:t>
+            </a:r>
+          </a:p>
+          <a:p>
+            <a:pPr marL="468308" lvl="1" indent="-285750">
+              <a:spcBef>
+                <a:spcPts val="300"/>
+              </a:spcBef>
+              <a:spcAft>
+                <a:spcPts val="300"/>
+              </a:spcAft>
+            </a:pPr>
+            <a:r>
+              <a:rPr lang="en-US" sz="1600" dirty="0"/>
+              <a:t>Sage300SDK-GridServerInterface.docx</a:t>
+            </a:r>
+          </a:p>
+          <a:p>
+            <a:pPr marL="285750" indent="-285750">
+              <a:spcBef>
+                <a:spcPts val="300"/>
+              </a:spcBef>
+              <a:spcAft>
+                <a:spcPts val="300"/>
+              </a:spcAft>
+              <a:buFont typeface="Arial" panose="020B0604020202020204" pitchFamily="34" charset="0"/>
+              <a:buChar char="•"/>
+            </a:pPr>
+            <a:r>
+              <a:rPr lang="en-US" sz="2000" dirty="0"/>
+              <a:t>Customization</a:t>
+            </a:r>
+          </a:p>
+          <a:p>
+            <a:pPr marL="973350" lvl="1" indent="-285750">
+              <a:spcBef>
+                <a:spcPts val="300"/>
+              </a:spcBef>
+              <a:spcAft>
+                <a:spcPts val="300"/>
+              </a:spcAft>
+            </a:pPr>
+            <a:r>
+              <a:rPr lang="en-US" sz="1400" dirty="0"/>
+              <a:t>Server side only</a:t>
+            </a:r>
+          </a:p>
+          <a:p>
+            <a:pPr marL="973350" lvl="1" indent="-285750">
+              <a:spcBef>
+                <a:spcPts val="300"/>
+              </a:spcBef>
+              <a:spcAft>
+                <a:spcPts val="300"/>
+              </a:spcAft>
+            </a:pPr>
+            <a:r>
+              <a:rPr lang="en-US" sz="1400" dirty="0"/>
+              <a:t>CRUD routed to the GridDataServiceController</a:t>
+            </a:r>
+          </a:p>
+          <a:p>
+            <a:pPr marL="1200150" lvl="2" indent="-285750">
+              <a:spcBef>
+                <a:spcPts val="300"/>
+              </a:spcBef>
+              <a:spcAft>
+                <a:spcPts val="300"/>
+              </a:spcAft>
+            </a:pPr>
+            <a:r>
+              <a:rPr lang="en-US" dirty="0"/>
+              <a:t>Create your controller to inherit and override as needed</a:t>
+            </a:r>
+          </a:p>
+          <a:p>
+            <a:pPr marL="1200150" lvl="2" indent="-285750">
+              <a:spcBef>
+                <a:spcPts val="300"/>
+              </a:spcBef>
+              <a:spcAft>
+                <a:spcPts val="300"/>
+              </a:spcAft>
+            </a:pPr>
+            <a:r>
+              <a:rPr lang="en-US" dirty="0"/>
+              <a:t>Register your controller in the bootstrapper</a:t>
+            </a:r>
+          </a:p>
+          <a:p>
+            <a:pPr marL="1200150" lvl="2" indent="-285750">
+              <a:spcBef>
+                <a:spcPts val="300"/>
+              </a:spcBef>
+              <a:spcAft>
+                <a:spcPts val="300"/>
+              </a:spcAft>
+            </a:pPr>
+            <a:r>
+              <a:rPr lang="en-US" dirty="0"/>
+              <a:t>Define your controller in the grid’s JSON file (i.e. GridDataServiceController : </a:t>
+            </a:r>
+            <a:r>
+              <a:rPr lang="en-US" dirty="0" err="1"/>
+              <a:t>MyGridDataServerController</a:t>
+            </a:r>
+            <a:r>
+              <a:rPr lang="en-US" dirty="0"/>
+              <a:t>)</a:t>
+            </a:r>
+          </a:p>
+          <a:p>
+            <a:pPr marL="285750" indent="-285750">
+              <a:spcBef>
+                <a:spcPts val="300"/>
+              </a:spcBef>
+              <a:spcAft>
+                <a:spcPts val="300"/>
+              </a:spcAft>
+              <a:buFont typeface="Arial" panose="020B0604020202020204" pitchFamily="34" charset="0"/>
+              <a:buChar char="•"/>
+            </a:pPr>
+            <a:r>
+              <a:rPr lang="en-US" sz="2000" dirty="0"/>
+              <a:t>Customization Methods</a:t>
+            </a:r>
+          </a:p>
+          <a:p>
+            <a:pPr marL="973350" lvl="1" indent="-285750">
+              <a:spcBef>
+                <a:spcPts val="300"/>
+              </a:spcBef>
+              <a:spcAft>
+                <a:spcPts val="300"/>
+              </a:spcAft>
+            </a:pPr>
+            <a:r>
+              <a:rPr lang="en-US" sz="1600" dirty="0"/>
+              <a:t>Read, Create, Insert, Update, MoveTo, Delete</a:t>
+            </a:r>
+          </a:p>
+        </p:txBody>
+      </p:sp>
+    </p:spTree>
+    <p:extLst>
+      <p:ext uri="{BB962C8B-B14F-4D97-AF65-F5344CB8AC3E}">
+        <p14:creationId xmlns:p14="http://schemas.microsoft.com/office/powerpoint/2010/main" val="1958049879"/>
+      </p:ext>
+    </p:extLst>
+  </p:cSld>
+  <p:clrMapOvr>
+    <a:masterClrMapping/>
+  </p:clrMapOvr>
+</p:sld>
+</file>
+
+<file path=ppt/slides/slide26.xml><?xml version="1.0" encoding="utf-8"?>
+<p:sld xmlns:a="http://schemas.openxmlformats.org/drawingml/2006/main" xmlns:r="http://schemas.openxmlformats.org/officeDocument/2006/relationships" xmlns:p="http://schemas.openxmlformats.org/presentationml/2006/main">
+  <p:cSld>
+    <p:spTree>
+      <p:nvGrpSpPr>
+        <p:cNvPr id="1" name=""/>
+        <p:cNvGrpSpPr/>
+        <p:nvPr/>
+      </p:nvGrpSpPr>
+      <p:grpSpPr>
+        <a:xfrm>
+          <a:off x="0" y="0"/>
+          <a:ext cx="0" cy="0"/>
+          <a:chOff x="0" y="0"/>
+          <a:chExt cx="0" cy="0"/>
+        </a:xfrm>
+      </p:grpSpPr>
+      <p:sp>
+        <p:nvSpPr>
+          <p:cNvPr id="8" name="Title 7"/>
+          <p:cNvSpPr>
+            <a:spLocks noGrp="1"/>
+          </p:cNvSpPr>
+          <p:nvPr>
+            <p:ph type="title"/>
+          </p:nvPr>
+        </p:nvSpPr>
+        <p:spPr/>
+        <p:txBody>
+          <a:bodyPr/>
+          <a:lstStyle/>
+          <a:p>
+            <a:r>
+              <a:rPr lang="en-US" dirty="0"/>
+              <a:t>Web Grid – Web SDK</a:t>
+            </a:r>
+          </a:p>
+        </p:txBody>
+      </p:sp>
+      <p:sp>
+        <p:nvSpPr>
+          <p:cNvPr id="4" name="Content Placeholder 2">
+            <a:extLst>
+              <a:ext uri="{FF2B5EF4-FFF2-40B4-BE49-F238E27FC236}">
+                <a16:creationId xmlns:a16="http://schemas.microsoft.com/office/drawing/2014/main" id="{F6821B08-7C6A-4F5C-93B7-AD04BFACD533}"/>
+              </a:ext>
+            </a:extLst>
+          </p:cNvPr>
+          <p:cNvSpPr>
+            <a:spLocks noGrp="1"/>
+          </p:cNvSpPr>
+          <p:nvPr>
+            <p:ph idx="1"/>
+          </p:nvPr>
+        </p:nvSpPr>
+        <p:spPr>
+          <a:xfrm>
+            <a:off x="381000" y="1600200"/>
+            <a:ext cx="11430000" cy="4876800"/>
+          </a:xfrm>
+        </p:spPr>
+        <p:txBody>
+          <a:bodyPr/>
+          <a:lstStyle/>
+          <a:p>
+            <a:pPr marL="285750" indent="-285750">
+              <a:spcBef>
+                <a:spcPts val="300"/>
+              </a:spcBef>
+              <a:spcAft>
+                <a:spcPts val="300"/>
+              </a:spcAft>
+              <a:buFont typeface="Arial" panose="020B0604020202020204" pitchFamily="34" charset="0"/>
+              <a:buChar char="•"/>
+            </a:pPr>
+            <a:r>
+              <a:rPr lang="en-US" sz="2000" dirty="0">
+                <a:solidFill>
+                  <a:schemeClr val="tx1"/>
+                </a:solidFill>
+              </a:rPr>
+              <a:t>Code Generation Wizard</a:t>
+            </a:r>
+          </a:p>
+          <a:p>
+            <a:pPr marL="973350" lvl="1" indent="-285750">
+              <a:spcBef>
+                <a:spcPts val="300"/>
+              </a:spcBef>
+              <a:spcAft>
+                <a:spcPts val="300"/>
+              </a:spcAft>
+            </a:pPr>
+            <a:r>
+              <a:rPr lang="en-US" sz="1800" dirty="0">
+                <a:solidFill>
+                  <a:schemeClr val="tx1"/>
+                </a:solidFill>
+              </a:rPr>
+              <a:t>Generates working grid for header-detail type UI</a:t>
+            </a:r>
+          </a:p>
+          <a:p>
+            <a:pPr marL="1147971" lvl="2" indent="-285750">
+              <a:spcBef>
+                <a:spcPts val="300"/>
+              </a:spcBef>
+              <a:spcAft>
+                <a:spcPts val="300"/>
+              </a:spcAft>
+            </a:pPr>
+            <a:r>
+              <a:rPr lang="en-US" dirty="0"/>
+              <a:t>Select “Generate Grid” in options tab</a:t>
+            </a:r>
+            <a:endParaRPr lang="en-US" dirty="0">
+              <a:solidFill>
+                <a:schemeClr val="tx1"/>
+              </a:solidFill>
+            </a:endParaRPr>
+          </a:p>
+          <a:p>
+            <a:pPr marL="973350" lvl="1" indent="-285750">
+              <a:spcBef>
+                <a:spcPts val="300"/>
+              </a:spcBef>
+              <a:spcAft>
+                <a:spcPts val="300"/>
+              </a:spcAft>
+            </a:pPr>
+            <a:r>
+              <a:rPr lang="en-US" sz="1800" dirty="0">
+                <a:solidFill>
+                  <a:schemeClr val="tx1"/>
+                </a:solidFill>
+              </a:rPr>
+              <a:t>Generates new Finder (dynamic, extensible, faster, less code, …)</a:t>
+            </a:r>
+            <a:endParaRPr lang="en-US" sz="1600" dirty="0">
+              <a:solidFill>
+                <a:schemeClr val="tx1"/>
+              </a:solidFill>
+            </a:endParaRPr>
+          </a:p>
+          <a:p>
+            <a:pPr marL="285750" indent="-285750">
+              <a:spcBef>
+                <a:spcPts val="300"/>
+              </a:spcBef>
+              <a:spcAft>
+                <a:spcPts val="300"/>
+              </a:spcAft>
+              <a:buFont typeface="Arial" panose="020B0604020202020204" pitchFamily="34" charset="0"/>
+              <a:buChar char="•"/>
+            </a:pPr>
+            <a:r>
+              <a:rPr lang="en-US" sz="2000" dirty="0">
+                <a:solidFill>
+                  <a:schemeClr val="tx1"/>
+                </a:solidFill>
+              </a:rPr>
+              <a:t>Samples</a:t>
+            </a:r>
+          </a:p>
+          <a:p>
+            <a:pPr marL="973350" lvl="1" indent="-285750">
+              <a:spcBef>
+                <a:spcPts val="300"/>
+              </a:spcBef>
+              <a:spcAft>
+                <a:spcPts val="300"/>
+              </a:spcAft>
+            </a:pPr>
+            <a:r>
+              <a:rPr lang="en-US" sz="1800" dirty="0">
+                <a:solidFill>
+                  <a:schemeClr val="tx1"/>
+                </a:solidFill>
+              </a:rPr>
+              <a:t>All refactored to use new finder</a:t>
+            </a:r>
+          </a:p>
+          <a:p>
+            <a:pPr marL="973350" lvl="1" indent="-285750">
+              <a:spcBef>
+                <a:spcPts val="300"/>
+              </a:spcBef>
+              <a:spcAft>
+                <a:spcPts val="300"/>
+              </a:spcAft>
+            </a:pPr>
+            <a:r>
+              <a:rPr lang="en-US" dirty="0"/>
+              <a:t>Receipt refactored to use new grid</a:t>
+            </a:r>
+            <a:endParaRPr lang="en-US" sz="1800" dirty="0">
+              <a:solidFill>
+                <a:schemeClr val="tx1"/>
+              </a:solidFill>
+            </a:endParaRPr>
+          </a:p>
+          <a:p>
+            <a:pPr marL="285750" indent="-285750">
+              <a:spcBef>
+                <a:spcPts val="300"/>
+              </a:spcBef>
+              <a:spcAft>
+                <a:spcPts val="300"/>
+              </a:spcAft>
+              <a:buFont typeface="Arial" panose="020B0604020202020204" pitchFamily="34" charset="0"/>
+              <a:buChar char="•"/>
+            </a:pPr>
+            <a:r>
+              <a:rPr lang="en-US" sz="2000" dirty="0">
+                <a:solidFill>
+                  <a:schemeClr val="tx1"/>
+                </a:solidFill>
+              </a:rPr>
+              <a:t>Documentation</a:t>
+            </a:r>
+          </a:p>
+          <a:p>
+            <a:pPr marL="973350" lvl="1" indent="-285750">
+              <a:spcBef>
+                <a:spcPts val="300"/>
+              </a:spcBef>
+              <a:spcAft>
+                <a:spcPts val="300"/>
+              </a:spcAft>
+              <a:buFont typeface="Arial" panose="020B0604020202020204" pitchFamily="34" charset="0"/>
+              <a:buChar char="•"/>
+            </a:pPr>
+            <a:r>
+              <a:rPr lang="en-US" sz="1800" dirty="0">
+                <a:solidFill>
+                  <a:schemeClr val="tx1"/>
+                </a:solidFill>
+              </a:rPr>
+              <a:t>Grid Client Interface Definition</a:t>
+            </a:r>
+          </a:p>
+          <a:p>
+            <a:pPr marL="973350" lvl="1" indent="-285750">
+              <a:spcBef>
+                <a:spcPts val="300"/>
+              </a:spcBef>
+              <a:spcAft>
+                <a:spcPts val="300"/>
+              </a:spcAft>
+              <a:buFont typeface="Arial" panose="020B0604020202020204" pitchFamily="34" charset="0"/>
+              <a:buChar char="•"/>
+            </a:pPr>
+            <a:r>
+              <a:rPr lang="en-US" sz="1800" dirty="0">
+                <a:solidFill>
+                  <a:schemeClr val="tx1"/>
+                </a:solidFill>
+              </a:rPr>
+              <a:t>Grid Server Interface Definition</a:t>
+            </a:r>
+          </a:p>
+          <a:p>
+            <a:pPr marL="973350" lvl="1" indent="-285750">
+              <a:spcBef>
+                <a:spcPts val="300"/>
+              </a:spcBef>
+              <a:spcAft>
+                <a:spcPts val="300"/>
+              </a:spcAft>
+            </a:pPr>
+            <a:endParaRPr lang="en-US" sz="1800" dirty="0">
+              <a:solidFill>
+                <a:schemeClr val="tx1"/>
+              </a:solidFill>
+            </a:endParaRPr>
+          </a:p>
+        </p:txBody>
+      </p:sp>
+    </p:spTree>
+    <p:extLst>
+      <p:ext uri="{BB962C8B-B14F-4D97-AF65-F5344CB8AC3E}">
+        <p14:creationId xmlns:p14="http://schemas.microsoft.com/office/powerpoint/2010/main" val="302060239"/>
+      </p:ext>
+    </p:extLst>
+  </p:cSld>
+  <p:clrMapOvr>
+    <a:masterClrMapping/>
+  </p:clrMapOvr>
+</p:sld>
+</file>
+
+<file path=ppt/slides/slide27.xml><?xml version="1.0" encoding="utf-8"?>
 <p:sld xmlns:a="http://schemas.openxmlformats.org/drawingml/2006/main" xmlns:r="http://schemas.openxmlformats.org/officeDocument/2006/relationships" xmlns:p="http://schemas.openxmlformats.org/presentationml/2006/main">
   <p:cSld>
     <p:spTree>
@@ -4687,7 +11011,7 @@
 </p:sld>
 </file>
 
-<file path=ppt/slides/slide15.xml><?xml version="1.0" encoding="utf-8"?>
+<file path=ppt/slides/slide28.xml><?xml version="1.0" encoding="utf-8"?>
 <p:sld xmlns:a="http://schemas.openxmlformats.org/drawingml/2006/main" xmlns:r="http://schemas.openxmlformats.org/officeDocument/2006/relationships" xmlns:p="http://schemas.openxmlformats.org/presentationml/2006/main">
   <p:cSld>
     <p:spTree>
@@ -4901,97 +11225,6 @@
     <p:extLst>
       <p:ext uri="{BB962C8B-B14F-4D97-AF65-F5344CB8AC3E}">
         <p14:creationId xmlns:p14="http://schemas.microsoft.com/office/powerpoint/2010/main" val="1784428590"/>
-      </p:ext>
-    </p:extLst>
-  </p:cSld>
-  <p:clrMapOvr>
-    <a:masterClrMapping/>
-  </p:clrMapOvr>
-</p:sld>
-</file>
-
-<file path=ppt/slides/slide2.xml><?xml version="1.0" encoding="utf-8"?>
-<p:sld xmlns:a="http://schemas.openxmlformats.org/drawingml/2006/main" xmlns:r="http://schemas.openxmlformats.org/officeDocument/2006/relationships" xmlns:p="http://schemas.openxmlformats.org/presentationml/2006/main">
-  <p:cSld>
-    <p:spTree>
-      <p:nvGrpSpPr>
-        <p:cNvPr id="1" name=""/>
-        <p:cNvGrpSpPr/>
-        <p:nvPr/>
-      </p:nvGrpSpPr>
-      <p:grpSpPr>
-        <a:xfrm>
-          <a:off x="0" y="0"/>
-          <a:ext cx="0" cy="0"/>
-          <a:chOff x="0" y="0"/>
-          <a:chExt cx="0" cy="0"/>
-        </a:xfrm>
-      </p:grpSpPr>
-      <p:sp>
-        <p:nvSpPr>
-          <p:cNvPr id="8" name="Title 7"/>
-          <p:cNvSpPr>
-            <a:spLocks noGrp="1"/>
-          </p:cNvSpPr>
-          <p:nvPr>
-            <p:ph type="title"/>
-          </p:nvPr>
-        </p:nvSpPr>
-        <p:spPr/>
-        <p:txBody>
-          <a:bodyPr/>
-          <a:lstStyle/>
-          <a:p>
-            <a:r>
-              <a:rPr lang="en-US" dirty="0"/>
-              <a:t>Versions</a:t>
-            </a:r>
-          </a:p>
-        </p:txBody>
-      </p:sp>
-      <p:sp>
-        <p:nvSpPr>
-          <p:cNvPr id="12" name="Content Placeholder 4"/>
-          <p:cNvSpPr>
-            <a:spLocks noGrp="1"/>
-          </p:cNvSpPr>
-          <p:nvPr>
-            <p:ph idx="1"/>
-          </p:nvPr>
-        </p:nvSpPr>
-        <p:spPr>
-          <a:xfrm>
-            <a:off x="466025" y="1366944"/>
-            <a:ext cx="11238295" cy="5008456"/>
-          </a:xfrm>
-        </p:spPr>
-        <p:txBody>
-          <a:bodyPr numCol="1"/>
-          <a:lstStyle/>
-          <a:p>
-            <a:pPr lvl="1"/>
-            <a:r>
-              <a:rPr lang="en-US" sz="2400" dirty="0"/>
-              <a:t>Accpac.Advantage and Accpac.Advantage.Types versions are still </a:t>
-            </a:r>
-            <a:r>
-              <a:rPr lang="en-US" sz="2400" b="1" dirty="0"/>
-              <a:t>6.6.0.10</a:t>
-            </a:r>
-          </a:p>
-          <a:p>
-            <a:pPr lvl="1"/>
-            <a:r>
-              <a:rPr lang="en-US" sz="2200" dirty="0"/>
-              <a:t>Version in Code Generation Wizard is still 66A</a:t>
-            </a:r>
-          </a:p>
-        </p:txBody>
-      </p:sp>
-    </p:spTree>
-    <p:extLst>
-      <p:ext uri="{BB962C8B-B14F-4D97-AF65-F5344CB8AC3E}">
-        <p14:creationId xmlns:p14="http://schemas.microsoft.com/office/powerpoint/2010/main" val="1136485089"/>
       </p:ext>
     </p:extLst>
   </p:cSld>
@@ -5076,7 +11309,28 @@
             <a:pPr lvl="1"/>
             <a:r>
               <a:rPr lang="en-US" sz="2000" dirty="0"/>
+              <a:t>Target Framework 4.7.2</a:t>
+            </a:r>
+          </a:p>
+          <a:p>
+            <a:pPr lvl="1"/>
+            <a:r>
+              <a:rPr lang="en-US" sz="2000" dirty="0"/>
+              <a:t>Kendo has been upgraded to 2019.1.115</a:t>
+            </a:r>
+          </a:p>
+          <a:p>
+            <a:pPr lvl="1"/>
+            <a:r>
+              <a:rPr lang="en-US" sz="2000" dirty="0"/>
               <a:t>Defects Corrected</a:t>
+            </a:r>
+          </a:p>
+          <a:p>
+            <a:pPr lvl="2"/>
+            <a:r>
+              <a:rPr lang="en-US" sz="1600" dirty="0"/>
+              <a:t>None</a:t>
             </a:r>
           </a:p>
           <a:p>
@@ -5179,8 +11433,85 @@
             <a:pPr lvl="1"/>
             <a:r>
               <a:rPr lang="en-US" sz="2000" dirty="0"/>
+              <a:t>Target Framework 4.7.2</a:t>
+            </a:r>
+          </a:p>
+          <a:p>
+            <a:pPr lvl="1"/>
+            <a:r>
+              <a:rPr lang="en-US" sz="2000" dirty="0"/>
               <a:t>Defects Corrected</a:t>
             </a:r>
+          </a:p>
+          <a:p>
+            <a:pPr lvl="2"/>
+            <a:r>
+              <a:rPr lang="en-US" sz="1600" dirty="0"/>
+              <a:t>Wizard properly generates check for </a:t>
+            </a:r>
+            <a:r>
+              <a:rPr lang="en-US" sz="1600" dirty="0" err="1"/>
+              <a:t>ViewModel.UserAccess</a:t>
+            </a:r>
+            <a:r>
+              <a:rPr lang="en-US" sz="1600" dirty="0"/>
+              <a:t> == null and invokes </a:t>
+            </a:r>
+            <a:r>
+              <a:rPr lang="en-US" sz="1600" dirty="0" err="1"/>
+              <a:t>GetAccessRights</a:t>
+            </a:r>
+            <a:r>
+              <a:rPr lang="en-US" sz="1600" dirty="0"/>
+              <a:t>()</a:t>
+            </a:r>
+          </a:p>
+          <a:p>
+            <a:pPr lvl="1"/>
+            <a:r>
+              <a:rPr lang="en-US" sz="2000" dirty="0"/>
+              <a:t>Generates new code for Finder</a:t>
+            </a:r>
+          </a:p>
+          <a:p>
+            <a:pPr lvl="2"/>
+            <a:r>
+              <a:rPr lang="en-US" sz="1600" dirty="0"/>
+              <a:t>No more Finder Controller, </a:t>
+            </a:r>
+            <a:r>
+              <a:rPr lang="en-US" sz="1600" dirty="0" err="1"/>
+              <a:t>BootStrapper</a:t>
+            </a:r>
+            <a:r>
+              <a:rPr lang="en-US" sz="1600" dirty="0"/>
+              <a:t>, JavaScript code</a:t>
+            </a:r>
+          </a:p>
+          <a:p>
+            <a:pPr lvl="2"/>
+            <a:r>
+              <a:rPr lang="en-US" sz="1600" dirty="0"/>
+              <a:t>Replaced with simple finder definition in JavaScript code</a:t>
+            </a:r>
+          </a:p>
+          <a:p>
+            <a:pPr lvl="1"/>
+            <a:r>
+              <a:rPr lang="en-US" sz="2000" dirty="0"/>
+              <a:t>Generates new code for Grid on Header/Detail type if option selected</a:t>
+            </a:r>
+          </a:p>
+          <a:p>
+            <a:pPr lvl="2"/>
+            <a:r>
+              <a:rPr lang="en-US" sz="1600" dirty="0"/>
+              <a:t>Creates JSON Grid Definition file and the necessary code to display a grid</a:t>
+            </a:r>
+          </a:p>
+          <a:p>
+            <a:pPr lvl="1"/>
+            <a:endParaRPr lang="en-US" sz="2000" dirty="0"/>
           </a:p>
           <a:p>
             <a:pPr lvl="2"/>
@@ -5278,6 +11609,31 @@
               <a:t>Global Files updated to 2019.2</a:t>
             </a:r>
           </a:p>
+          <a:p>
+            <a:pPr lvl="1"/>
+            <a:r>
+              <a:rPr lang="en-US" sz="2000" dirty="0"/>
+              <a:t>Target Framework 4.7.2</a:t>
+            </a:r>
+          </a:p>
+          <a:p>
+            <a:pPr lvl="1"/>
+            <a:r>
+              <a:rPr lang="en-US" sz="2000" dirty="0"/>
+              <a:t>Defects Corrected</a:t>
+            </a:r>
+          </a:p>
+          <a:p>
+            <a:pPr lvl="2"/>
+            <a:r>
+              <a:rPr lang="en-US" sz="1600" dirty="0"/>
+              <a:t>None</a:t>
+            </a:r>
+          </a:p>
+          <a:p>
+            <a:pPr lvl="1"/>
+            <a:endParaRPr lang="en-US" sz="2000" dirty="0"/>
+          </a:p>
         </p:txBody>
       </p:sp>
     </p:spTree>
@@ -5362,7 +11718,28 @@
             <a:pPr lvl="1"/>
             <a:r>
               <a:rPr lang="en-US" sz="2000" dirty="0"/>
-              <a:t>All projects in solution upgraded to target Microsoft .NET Framework V4.7.2</a:t>
+              <a:t>Target Framework 4.7.2</a:t>
+            </a:r>
+          </a:p>
+          <a:p>
+            <a:pPr lvl="1"/>
+            <a:r>
+              <a:rPr lang="en-US" sz="2000" dirty="0"/>
+              <a:t>All projects in solution upgraded to target Microsoft .NET Framework 4.7.2</a:t>
+            </a:r>
+          </a:p>
+          <a:p>
+            <a:pPr lvl="1"/>
+            <a:r>
+              <a:rPr lang="en-US" sz="2000" dirty="0"/>
+              <a:t>Defects Corrected</a:t>
+            </a:r>
+          </a:p>
+          <a:p>
+            <a:pPr lvl="2"/>
+            <a:r>
+              <a:rPr lang="en-US" sz="1600" dirty="0"/>
+              <a:t>None</a:t>
             </a:r>
           </a:p>
           <a:p>
@@ -5460,6 +11837,27 @@
             </a:r>
           </a:p>
           <a:p>
+            <a:pPr lvl="1"/>
+            <a:r>
+              <a:rPr lang="en-US" sz="2000" dirty="0"/>
+              <a:t>Target Framework 4.7.2</a:t>
+            </a:r>
+          </a:p>
+          <a:p>
+            <a:pPr lvl="1"/>
+            <a:r>
+              <a:rPr lang="en-US" sz="2000" dirty="0"/>
+              <a:t>All samples upgraded to use new Finder</a:t>
+            </a:r>
+          </a:p>
+          <a:p>
+            <a:pPr lvl="1"/>
+            <a:r>
+              <a:rPr lang="en-US" sz="2000" dirty="0"/>
+              <a:t>Receipt sample upgraded to use new Grid</a:t>
+            </a:r>
+          </a:p>
+          <a:p>
             <a:pPr lvl="2"/>
             <a:endParaRPr lang="en-US" sz="1600" dirty="0"/>
           </a:p>
@@ -5550,16 +11948,16 @@
             <a:pPr lvl="1"/>
             <a:r>
               <a:rPr lang="en-US" sz="2000" dirty="0"/>
+              <a:t>Defects Corrected</a:t>
+            </a:r>
+            <a:endParaRPr lang="en-US" sz="1600" dirty="0"/>
+          </a:p>
+          <a:p>
+            <a:pPr lvl="2"/>
+            <a:r>
+              <a:rPr lang="en-US" sz="1600" dirty="0"/>
               <a:t>Removed web.config file(s) from deployment folders</a:t>
             </a:r>
-          </a:p>
-          <a:p>
-            <a:pPr lvl="1"/>
-            <a:r>
-              <a:rPr lang="en-US" sz="2000" dirty="0"/>
-              <a:t>Defects Corrected</a:t>
-            </a:r>
-            <a:endParaRPr lang="en-US" sz="1600" dirty="0"/>
           </a:p>
           <a:p>
             <a:pPr lvl="2"/>
@@ -5646,7 +12044,7 @@
             </a:r>
             <a:r>
               <a:rPr lang="en-US" sz="2400" b="1" dirty="0"/>
-              <a:t>docs\upgrades</a:t>
+              <a:t>docs/upgrades</a:t>
             </a:r>
           </a:p>
           <a:p>
@@ -5657,7 +12055,7 @@
             </a:r>
             <a:r>
               <a:rPr lang="en-US" sz="2400" b="1" dirty="0"/>
-              <a:t>docs\presentations</a:t>
+              <a:t>docs/presentations</a:t>
             </a:r>
           </a:p>
           <a:p>
@@ -5668,7 +12066,47 @@
             </a:r>
             <a:r>
               <a:rPr lang="en-US" sz="2400" b="1" dirty="0"/>
-              <a:t>docs\development</a:t>
+              <a:t>docs/development</a:t>
+            </a:r>
+          </a:p>
+          <a:p>
+            <a:pPr lvl="1"/>
+            <a:r>
+              <a:rPr lang="en-US" sz="2400" dirty="0"/>
+              <a:t>New Sage300SDK_GridClientInterface.docx in </a:t>
+            </a:r>
+            <a:r>
+              <a:rPr lang="en-US" sz="2400" b="1" dirty="0"/>
+              <a:t>docs/development</a:t>
+            </a:r>
+          </a:p>
+          <a:p>
+            <a:pPr lvl="1"/>
+            <a:r>
+              <a:rPr lang="en-US" sz="2400" dirty="0"/>
+              <a:t>New Sage300SDK_GridServerInterface.docx in </a:t>
+            </a:r>
+            <a:r>
+              <a:rPr lang="en-US" sz="2400" b="1" dirty="0"/>
+              <a:t>docs/development</a:t>
+            </a:r>
+          </a:p>
+          <a:p>
+            <a:pPr lvl="1"/>
+            <a:r>
+              <a:rPr lang="en-US" sz="2400" dirty="0"/>
+              <a:t>New Sage300SDK_FinderInterface.docx in </a:t>
+            </a:r>
+            <a:r>
+              <a:rPr lang="en-US" sz="2400" b="1" dirty="0"/>
+              <a:t>docs/development</a:t>
+            </a:r>
+          </a:p>
+          <a:p>
+            <a:pPr lvl="1"/>
+            <a:r>
+              <a:rPr lang="en-US" sz="2400" dirty="0"/>
+              <a:t>Updated docs for copyrights, screenshots, etc.</a:t>
             </a:r>
           </a:p>
           <a:p>

--- a/docs/presentations/Sage300SDK_20192WebSDKOverview.pptx
+++ b/docs/presentations/Sage300SDK_20192WebSDKOverview.pptx
@@ -224,7 +224,7 @@
           <a:p>
             <a:fld id="{F8DE098C-C2B2-472C-9728-F51906A9149D}" type="datetimeFigureOut">
               <a:rPr lang="en-US" smtClean="0"/>
-              <a:t>4/28/2019</a:t>
+              <a:t>4/29/2019</a:t>
             </a:fld>
             <a:endParaRPr lang="en-US"/>
           </a:p>
@@ -4394,7 +4394,7 @@
                 </a:solidFill>
               </a:rPr>
               <a:pPr/>
-              <a:t>2019/04/28</a:t>
+              <a:t>2019/04/29</a:t>
             </a:fld>
             <a:endParaRPr lang="en-US">
               <a:solidFill>
@@ -4699,7 +4699,7 @@
                 </a:solidFill>
               </a:rPr>
               <a:pPr/>
-              <a:t>2019/04/28</a:t>
+              <a:t>2019/04/29</a:t>
             </a:fld>
             <a:endParaRPr lang="en-US">
               <a:solidFill>
@@ -4936,7 +4936,7 @@
             <a:fld id="{EE1C84F4-270C-2249-89D9-A705BDADDAAB}" type="datetime1">
               <a:rPr lang="en-ZA" smtClean="0"/>
               <a:pPr/>
-              <a:t>2019/04/28</a:t>
+              <a:t>2019/04/29</a:t>
             </a:fld>
             <a:endParaRPr lang="en-US"/>
           </a:p>
@@ -5275,7 +5275,7 @@
             <a:fld id="{2AE6851E-022E-D141-8BE0-1745E9557F71}" type="datetime1">
               <a:rPr lang="en-ZA" smtClean="0"/>
               <a:pPr/>
-              <a:t>2019/04/28</a:t>
+              <a:t>2019/04/29</a:t>
             </a:fld>
             <a:endParaRPr lang="en-US"/>
           </a:p>
@@ -5899,7 +5899,7 @@
           <a:p>
             <a:r>
               <a:rPr lang="en-US" dirty="0"/>
-              <a:t>Partner Defects in the Application</a:t>
+              <a:t>Partner Defects/Enhancements in the Application</a:t>
             </a:r>
           </a:p>
         </p:txBody>
@@ -5917,7 +5917,7 @@
         <p:spPr>
           <a:xfrm>
             <a:off x="466024" y="1366943"/>
-            <a:ext cx="11238295" cy="4916411"/>
+            <a:ext cx="5346947" cy="4916411"/>
           </a:xfrm>
         </p:spPr>
         <p:txBody>
@@ -5967,8 +5967,68 @@
               <a:t>An error is likely if Resx entries for the model attributes are missing</a:t>
             </a:r>
           </a:p>
-        </p:txBody>
-      </p:sp>
+          <a:p>
+            <a:pPr lvl="1">
+              <a:lnSpc>
+                <a:spcPct val="100000"/>
+              </a:lnSpc>
+            </a:pPr>
+            <a:r>
+              <a:rPr lang="en-US" sz="2000" dirty="0"/>
+              <a:t>Extended number of menu columns on Home Page to 6 if needed</a:t>
+            </a:r>
+          </a:p>
+          <a:p>
+            <a:pPr lvl="1">
+              <a:lnSpc>
+                <a:spcPct val="100000"/>
+              </a:lnSpc>
+            </a:pPr>
+            <a:r>
+              <a:rPr lang="en-US" sz="2000" dirty="0"/>
+              <a:t>Worker Service stops in under 2 seconds now (removed wait 60!)</a:t>
+            </a:r>
+          </a:p>
+          <a:p>
+            <a:pPr lvl="2">
+              <a:lnSpc>
+                <a:spcPct val="100000"/>
+              </a:lnSpc>
+            </a:pPr>
+            <a:endParaRPr lang="en-US" sz="1600" dirty="0"/>
+          </a:p>
+        </p:txBody>
+      </p:sp>
+      <p:pic>
+        <p:nvPicPr>
+          <p:cNvPr id="2" name="Picture 1">
+            <a:extLst>
+              <a:ext uri="{FF2B5EF4-FFF2-40B4-BE49-F238E27FC236}">
+                <a16:creationId xmlns:a16="http://schemas.microsoft.com/office/drawing/2014/main" id="{8D856214-5117-41E6-9EC5-0205030E90C1}"/>
+              </a:ext>
+            </a:extLst>
+          </p:cNvPr>
+          <p:cNvPicPr>
+            <a:picLocks noChangeAspect="1"/>
+          </p:cNvPicPr>
+          <p:nvPr/>
+        </p:nvPicPr>
+        <p:blipFill>
+          <a:blip r:embed="rId3"/>
+          <a:stretch>
+            <a:fillRect/>
+          </a:stretch>
+        </p:blipFill>
+        <p:spPr>
+          <a:xfrm>
+            <a:off x="6268034" y="2999792"/>
+            <a:ext cx="5656489" cy="3411851"/>
+          </a:xfrm>
+          <a:prstGeom prst="rect">
+            <a:avLst/>
+          </a:prstGeom>
+        </p:spPr>
+      </p:pic>
     </p:spTree>
     <p:extLst>
       <p:ext uri="{BB962C8B-B14F-4D97-AF65-F5344CB8AC3E}">
@@ -7209,8 +7269,12 @@
               </a:spcAft>
             </a:pPr>
             <a:r>
+              <a:rPr lang="en-US" sz="1600"/>
+              <a:t>Sage300SDK-FinderArchitecture.</a:t>
+            </a:r>
+            <a:r>
               <a:rPr lang="en-US" sz="1600" dirty="0"/>
-              <a:t>Sage300SDK-FinderInterface.docx</a:t>
+              <a:t>docx</a:t>
             </a:r>
           </a:p>
         </p:txBody>
@@ -7759,23 +7823,7 @@
                   <a:srgbClr val="FF0000"/>
                 </a:solidFill>
               </a:rPr>
-              <a:t>NOTE: This is for future use to present a display similar to the desktop. However, only the “</a:t>
-            </a:r>
-            <a:r>
-              <a:rPr lang="en-US" dirty="0" err="1">
-                <a:solidFill>
-                  <a:srgbClr val="FF0000"/>
-                </a:solidFill>
-              </a:rPr>
-              <a:t>MatchOnly</a:t>
-            </a:r>
-            <a:r>
-              <a:rPr lang="en-US" dirty="0">
-                <a:solidFill>
-                  <a:srgbClr val="FF0000"/>
-                </a:solidFill>
-              </a:rPr>
-              <a:t>” behavior is supported and changes to the other behaviors are not supported and are at your own risk</a:t>
+              <a:t>NOTE: This is for future use to present a display similar to the desktop. However, only the “MatchOnly” behavior is supported and changes to the other behaviors are not supported and are at your own risk</a:t>
             </a:r>
           </a:p>
         </p:txBody>
@@ -9079,15 +9127,7 @@
             </a:pPr>
             <a:r>
               <a:rPr lang="en-US" sz="2000" dirty="0"/>
-              <a:t>Grid DOM object has “</a:t>
-            </a:r>
-            <a:r>
-              <a:rPr lang="en-US" sz="2000" dirty="0" err="1"/>
-              <a:t>guid</a:t>
-            </a:r>
-            <a:r>
-              <a:rPr lang="en-US" sz="2000" dirty="0"/>
-              <a:t>” attribute</a:t>
+              <a:t>Grid DOM object has “guid” attribute</a:t>
             </a:r>
           </a:p>
           <a:p>
@@ -9097,23 +9137,7 @@
             </a:pPr>
             <a:r>
               <a:rPr lang="en-US" sz="2000" dirty="0"/>
-              <a:t>Grid library sends the “</a:t>
-            </a:r>
-            <a:r>
-              <a:rPr lang="en-US" sz="2000" dirty="0" err="1"/>
-              <a:t>guid</a:t>
-            </a:r>
-            <a:r>
-              <a:rPr lang="en-US" sz="2000" dirty="0"/>
-              <a:t>” to the </a:t>
-            </a:r>
-            <a:r>
-              <a:rPr lang="en-US" sz="2000" dirty="0" err="1"/>
-              <a:t>GridDataServiceController</a:t>
-            </a:r>
-            <a:r>
-              <a:rPr lang="en-US" sz="2000" dirty="0"/>
-              <a:t> for every interaction</a:t>
+              <a:t>Grid library sends the “guid” to the GridDataServiceController for every interaction</a:t>
             </a:r>
           </a:p>
           <a:p>
@@ -9122,20 +9146,8 @@
               <a:buChar char="•"/>
             </a:pPr>
             <a:r>
-              <a:rPr lang="en-US" sz="2000" dirty="0" err="1"/>
-              <a:t>GridDataServiceController</a:t>
-            </a:r>
-            <a:r>
               <a:rPr lang="en-US" sz="2000" dirty="0"/>
-              <a:t> looks up the Business Entity in the session pool using “</a:t>
-            </a:r>
-            <a:r>
-              <a:rPr lang="en-US" sz="2000" dirty="0" err="1"/>
-              <a:t>guid</a:t>
-            </a:r>
-            <a:r>
-              <a:rPr lang="en-US" sz="2000" dirty="0"/>
-              <a:t>”</a:t>
+              <a:t>GridDataServiceController looks up the Business Entity in the session pool using “guid”</a:t>
             </a:r>
           </a:p>
           <a:p>
@@ -9144,12 +9156,8 @@
               <a:buChar char="•"/>
             </a:pPr>
             <a:r>
-              <a:rPr lang="en-US" sz="2000" dirty="0" err="1"/>
-              <a:t>GridDataServiceController</a:t>
-            </a:r>
-            <a:r>
               <a:rPr lang="en-US" sz="2000" dirty="0"/>
-              <a:t> performing CRUD operations on the Business Entity</a:t>
+              <a:t>GridDataServiceController performing CRUD operations on the Business Entity</a:t>
             </a:r>
           </a:p>
           <a:p>
@@ -9824,167 +9832,7 @@
                   <a:schemeClr val="tx1"/>
                 </a:solidFill>
               </a:rPr>
-              <a:t>refresh, commit, dirty, </a:t>
-            </a:r>
-            <a:r>
-              <a:rPr lang="en-US" sz="1600" dirty="0" err="1">
-                <a:solidFill>
-                  <a:schemeClr val="tx1"/>
-                </a:solidFill>
-              </a:rPr>
-              <a:t>allowsInsert</a:t>
-            </a:r>
-            <a:r>
-              <a:rPr lang="en-US" sz="1600" dirty="0">
-                <a:solidFill>
-                  <a:schemeClr val="tx1"/>
-                </a:solidFill>
-              </a:rPr>
-              <a:t>, </a:t>
-            </a:r>
-            <a:r>
-              <a:rPr lang="en-US" sz="1600" dirty="0" err="1">
-                <a:solidFill>
-                  <a:schemeClr val="tx1"/>
-                </a:solidFill>
-              </a:rPr>
-              <a:t>allowsDelete</a:t>
-            </a:r>
-            <a:r>
-              <a:rPr lang="en-US" sz="1600" dirty="0">
-                <a:solidFill>
-                  <a:schemeClr val="tx1"/>
-                </a:solidFill>
-              </a:rPr>
-              <a:t>, </a:t>
-            </a:r>
-            <a:r>
-              <a:rPr lang="en-US" sz="1600" dirty="0" err="1">
-                <a:solidFill>
-                  <a:schemeClr val="tx1"/>
-                </a:solidFill>
-              </a:rPr>
-              <a:t>showColumn</a:t>
-            </a:r>
-            <a:r>
-              <a:rPr lang="en-US" sz="1600" dirty="0">
-                <a:solidFill>
-                  <a:schemeClr val="tx1"/>
-                </a:solidFill>
-              </a:rPr>
-              <a:t>, </a:t>
-            </a:r>
-            <a:r>
-              <a:rPr lang="en-US" sz="1600" dirty="0" err="1">
-                <a:solidFill>
-                  <a:schemeClr val="tx1"/>
-                </a:solidFill>
-              </a:rPr>
-              <a:t>columnTemplate</a:t>
-            </a:r>
-            <a:r>
-              <a:rPr lang="en-US" sz="1600" dirty="0">
-                <a:solidFill>
-                  <a:schemeClr val="tx1"/>
-                </a:solidFill>
-              </a:rPr>
-              <a:t>, </a:t>
-            </a:r>
-            <a:r>
-              <a:rPr lang="en-US" sz="1600" dirty="0" err="1">
-                <a:solidFill>
-                  <a:schemeClr val="tx1"/>
-                </a:solidFill>
-              </a:rPr>
-              <a:t>currentRecord</a:t>
-            </a:r>
-            <a:r>
-              <a:rPr lang="en-US" sz="1600" dirty="0">
-                <a:solidFill>
-                  <a:schemeClr val="tx1"/>
-                </a:solidFill>
-              </a:rPr>
-              <a:t>, filter, </a:t>
-            </a:r>
-            <a:r>
-              <a:rPr lang="en-US" sz="1600" dirty="0" err="1">
-                <a:solidFill>
-                  <a:schemeClr val="tx1"/>
-                </a:solidFill>
-              </a:rPr>
-              <a:t>readOnly</a:t>
-            </a:r>
-            <a:r>
-              <a:rPr lang="en-US" sz="1600" dirty="0">
-                <a:solidFill>
-                  <a:schemeClr val="tx1"/>
-                </a:solidFill>
-              </a:rPr>
-              <a:t>, </a:t>
-            </a:r>
-            <a:r>
-              <a:rPr lang="en-US" sz="1600" dirty="0" err="1">
-                <a:solidFill>
-                  <a:schemeClr val="tx1"/>
-                </a:solidFill>
-              </a:rPr>
-              <a:t>columnCount</a:t>
-            </a:r>
-            <a:r>
-              <a:rPr lang="en-US" sz="1600" dirty="0">
-                <a:solidFill>
-                  <a:schemeClr val="tx1"/>
-                </a:solidFill>
-              </a:rPr>
-              <a:t>, </a:t>
-            </a:r>
-            <a:r>
-              <a:rPr lang="en-US" sz="1600" dirty="0" err="1">
-                <a:solidFill>
-                  <a:schemeClr val="tx1"/>
-                </a:solidFill>
-              </a:rPr>
-              <a:t>fieldName</a:t>
-            </a:r>
-            <a:r>
-              <a:rPr lang="en-US" sz="1600" dirty="0">
-                <a:solidFill>
-                  <a:schemeClr val="tx1"/>
-                </a:solidFill>
-              </a:rPr>
-              <a:t>, </a:t>
-            </a:r>
-            <a:r>
-              <a:rPr lang="en-US" sz="1600" dirty="0" err="1">
-                <a:solidFill>
-                  <a:schemeClr val="tx1"/>
-                </a:solidFill>
-              </a:rPr>
-              <a:t>columnTitle</a:t>
-            </a:r>
-            <a:r>
-              <a:rPr lang="en-US" sz="1600" dirty="0">
-                <a:solidFill>
-                  <a:schemeClr val="tx1"/>
-                </a:solidFill>
-              </a:rPr>
-              <a:t>, </a:t>
-            </a:r>
-            <a:r>
-              <a:rPr lang="en-US" sz="1600" dirty="0" err="1">
-                <a:solidFill>
-                  <a:schemeClr val="tx1"/>
-                </a:solidFill>
-              </a:rPr>
-              <a:t>columnEditable</a:t>
-            </a:r>
-            <a:r>
-              <a:rPr lang="en-US" sz="1600" dirty="0">
-                <a:solidFill>
-                  <a:schemeClr val="tx1"/>
-                </a:solidFill>
-              </a:rPr>
-              <a:t>, </a:t>
+              <a:t>refresh, commit, dirty, allowsInsert, allowsDelete, showColumn, columnTemplate, currentRecord, filter, readOnly, columnCount, fieldName, columnTitle, columnEditable, </a:t>
             </a:r>
             <a:r>
               <a:rPr lang="en-US" sz="1600" dirty="0" err="1">
@@ -11447,23 +11295,7 @@
             <a:pPr lvl="2"/>
             <a:r>
               <a:rPr lang="en-US" sz="1600" dirty="0"/>
-              <a:t>Wizard properly generates check for </a:t>
-            </a:r>
-            <a:r>
-              <a:rPr lang="en-US" sz="1600" dirty="0" err="1"/>
-              <a:t>ViewModel.UserAccess</a:t>
-            </a:r>
-            <a:r>
-              <a:rPr lang="en-US" sz="1600" dirty="0"/>
-              <a:t> == null and invokes </a:t>
-            </a:r>
-            <a:r>
-              <a:rPr lang="en-US" sz="1600" dirty="0" err="1"/>
-              <a:t>GetAccessRights</a:t>
-            </a:r>
-            <a:r>
-              <a:rPr lang="en-US" sz="1600" dirty="0"/>
-              <a:t>()</a:t>
+              <a:t>Wizard properly generates check for ViewModel.UserAccess == null and invokes GetAccessRights()</a:t>
             </a:r>
           </a:p>
           <a:p>
@@ -11477,15 +11309,7 @@
             <a:pPr lvl="2"/>
             <a:r>
               <a:rPr lang="en-US" sz="1600" dirty="0"/>
-              <a:t>No more Finder Controller, </a:t>
-            </a:r>
-            <a:r>
-              <a:rPr lang="en-US" sz="1600" dirty="0" err="1"/>
-              <a:t>BootStrapper</a:t>
-            </a:r>
-            <a:r>
-              <a:rPr lang="en-US" sz="1600" dirty="0"/>
-              <a:t>, JavaScript code</a:t>
+              <a:t>No more Finder Controller, BootStrapper, JavaScript code</a:t>
             </a:r>
           </a:p>
           <a:p>
@@ -12095,7 +11919,7 @@
             <a:pPr lvl="1"/>
             <a:r>
               <a:rPr lang="en-US" sz="2400" dirty="0"/>
-              <a:t>New Sage300SDK_FinderInterface.docx in </a:t>
+              <a:t>New Sage300SDK_FinderArchitecture.docx in </a:t>
             </a:r>
             <a:r>
               <a:rPr lang="en-US" sz="2400" b="1" dirty="0"/>
